--- a/Konzept.pptx
+++ b/Konzept.pptx
@@ -7,6 +7,8 @@
   <p:sldIdLst>
     <p:sldId id="256" r:id="rId2"/>
     <p:sldId id="257" r:id="rId3"/>
+    <p:sldId id="258" r:id="rId4"/>
+    <p:sldId id="259" r:id="rId5"/>
   </p:sldIdLst>
   <p:sldSz cx="18002250" cy="18002250"/>
   <p:notesSz cx="6858000" cy="9144000"/>
@@ -289,7 +291,7 @@
           <a:p>
             <a:fld id="{1CCCA6E5-FB09-4E0A-B419-5D4DB54BC018}" type="datetimeFigureOut">
               <a:rPr lang="de-DE" smtClean="0"/>
-              <a:t>05.03.2020</a:t>
+              <a:t>23.03.2020</a:t>
             </a:fld>
             <a:endParaRPr lang="de-DE"/>
           </a:p>
@@ -459,7 +461,7 @@
           <a:p>
             <a:fld id="{1CCCA6E5-FB09-4E0A-B419-5D4DB54BC018}" type="datetimeFigureOut">
               <a:rPr lang="de-DE" smtClean="0"/>
-              <a:t>05.03.2020</a:t>
+              <a:t>23.03.2020</a:t>
             </a:fld>
             <a:endParaRPr lang="de-DE"/>
           </a:p>
@@ -639,7 +641,7 @@
           <a:p>
             <a:fld id="{1CCCA6E5-FB09-4E0A-B419-5D4DB54BC018}" type="datetimeFigureOut">
               <a:rPr lang="de-DE" smtClean="0"/>
-              <a:t>05.03.2020</a:t>
+              <a:t>23.03.2020</a:t>
             </a:fld>
             <a:endParaRPr lang="de-DE"/>
           </a:p>
@@ -809,7 +811,7 @@
           <a:p>
             <a:fld id="{1CCCA6E5-FB09-4E0A-B419-5D4DB54BC018}" type="datetimeFigureOut">
               <a:rPr lang="de-DE" smtClean="0"/>
-              <a:t>05.03.2020</a:t>
+              <a:t>23.03.2020</a:t>
             </a:fld>
             <a:endParaRPr lang="de-DE"/>
           </a:p>
@@ -1055,7 +1057,7 @@
           <a:p>
             <a:fld id="{1CCCA6E5-FB09-4E0A-B419-5D4DB54BC018}" type="datetimeFigureOut">
               <a:rPr lang="de-DE" smtClean="0"/>
-              <a:t>05.03.2020</a:t>
+              <a:t>23.03.2020</a:t>
             </a:fld>
             <a:endParaRPr lang="de-DE"/>
           </a:p>
@@ -1343,7 +1345,7 @@
           <a:p>
             <a:fld id="{1CCCA6E5-FB09-4E0A-B419-5D4DB54BC018}" type="datetimeFigureOut">
               <a:rPr lang="de-DE" smtClean="0"/>
-              <a:t>05.03.2020</a:t>
+              <a:t>23.03.2020</a:t>
             </a:fld>
             <a:endParaRPr lang="de-DE"/>
           </a:p>
@@ -1765,7 +1767,7 @@
           <a:p>
             <a:fld id="{1CCCA6E5-FB09-4E0A-B419-5D4DB54BC018}" type="datetimeFigureOut">
               <a:rPr lang="de-DE" smtClean="0"/>
-              <a:t>05.03.2020</a:t>
+              <a:t>23.03.2020</a:t>
             </a:fld>
             <a:endParaRPr lang="de-DE"/>
           </a:p>
@@ -1883,7 +1885,7 @@
           <a:p>
             <a:fld id="{1CCCA6E5-FB09-4E0A-B419-5D4DB54BC018}" type="datetimeFigureOut">
               <a:rPr lang="de-DE" smtClean="0"/>
-              <a:t>05.03.2020</a:t>
+              <a:t>23.03.2020</a:t>
             </a:fld>
             <a:endParaRPr lang="de-DE"/>
           </a:p>
@@ -1978,7 +1980,7 @@
           <a:p>
             <a:fld id="{1CCCA6E5-FB09-4E0A-B419-5D4DB54BC018}" type="datetimeFigureOut">
               <a:rPr lang="de-DE" smtClean="0"/>
-              <a:t>05.03.2020</a:t>
+              <a:t>23.03.2020</a:t>
             </a:fld>
             <a:endParaRPr lang="de-DE"/>
           </a:p>
@@ -2255,7 +2257,7 @@
           <a:p>
             <a:fld id="{1CCCA6E5-FB09-4E0A-B419-5D4DB54BC018}" type="datetimeFigureOut">
               <a:rPr lang="de-DE" smtClean="0"/>
-              <a:t>05.03.2020</a:t>
+              <a:t>23.03.2020</a:t>
             </a:fld>
             <a:endParaRPr lang="de-DE"/>
           </a:p>
@@ -2508,7 +2510,7 @@
           <a:p>
             <a:fld id="{1CCCA6E5-FB09-4E0A-B419-5D4DB54BC018}" type="datetimeFigureOut">
               <a:rPr lang="de-DE" smtClean="0"/>
-              <a:t>05.03.2020</a:t>
+              <a:t>23.03.2020</a:t>
             </a:fld>
             <a:endParaRPr lang="de-DE"/>
           </a:p>
@@ -2721,7 +2723,7 @@
           <a:p>
             <a:fld id="{1CCCA6E5-FB09-4E0A-B419-5D4DB54BC018}" type="datetimeFigureOut">
               <a:rPr lang="de-DE" smtClean="0"/>
-              <a:t>05.03.2020</a:t>
+              <a:t>23.03.2020</a:t>
             </a:fld>
             <a:endParaRPr lang="de-DE"/>
           </a:p>
@@ -6054,10 +6056,10 @@
           <a:p>
             <a:pPr algn="r"/>
             <a:r>
-              <a:rPr lang="de-DE" sz="1200" dirty="0" smtClean="0"/>
+              <a:rPr lang="de-DE" sz="1200" b="1" dirty="0" smtClean="0"/>
               <a:t>ja</a:t>
             </a:r>
-            <a:endParaRPr lang="de-DE" sz="1200" dirty="0"/>
+            <a:endParaRPr lang="de-DE" sz="1200" b="1" dirty="0"/>
           </a:p>
         </p:txBody>
       </p:sp>
@@ -6085,10 +6087,10 @@
           <a:p>
             <a:pPr algn="r"/>
             <a:r>
-              <a:rPr lang="de-DE" sz="1200" dirty="0" smtClean="0"/>
+              <a:rPr lang="de-DE" sz="1200" b="1" dirty="0" smtClean="0"/>
               <a:t>nein</a:t>
             </a:r>
-            <a:endParaRPr lang="de-DE" sz="1200" dirty="0"/>
+            <a:endParaRPr lang="de-DE" sz="1200" b="1" dirty="0"/>
           </a:p>
         </p:txBody>
       </p:sp>
@@ -6400,10 +6402,10 @@
           <a:p>
             <a:pPr algn="r"/>
             <a:r>
-              <a:rPr lang="de-DE" sz="1200" dirty="0" smtClean="0"/>
+              <a:rPr lang="de-DE" sz="1200" b="1" dirty="0" smtClean="0"/>
               <a:t>nein</a:t>
             </a:r>
-            <a:endParaRPr lang="de-DE" sz="1200" dirty="0"/>
+            <a:endParaRPr lang="de-DE" sz="1200" b="1" dirty="0"/>
           </a:p>
         </p:txBody>
       </p:sp>
@@ -6431,10 +6433,10 @@
           <a:p>
             <a:pPr algn="r"/>
             <a:r>
-              <a:rPr lang="de-DE" sz="1200" dirty="0" smtClean="0"/>
+              <a:rPr lang="de-DE" sz="1200" b="1" dirty="0" smtClean="0"/>
               <a:t>ja</a:t>
             </a:r>
-            <a:endParaRPr lang="de-DE" sz="1200" dirty="0"/>
+            <a:endParaRPr lang="de-DE" sz="1200" b="1" dirty="0"/>
           </a:p>
         </p:txBody>
       </p:sp>
@@ -6462,10 +6464,10 @@
           <a:p>
             <a:pPr algn="r"/>
             <a:r>
-              <a:rPr lang="de-DE" sz="1200" dirty="0" smtClean="0"/>
+              <a:rPr lang="de-DE" sz="1200" b="1" dirty="0" smtClean="0"/>
               <a:t>ja</a:t>
             </a:r>
-            <a:endParaRPr lang="de-DE" sz="1200" dirty="0"/>
+            <a:endParaRPr lang="de-DE" sz="1200" b="1" dirty="0"/>
           </a:p>
         </p:txBody>
       </p:sp>
@@ -6493,10 +6495,10 @@
           <a:p>
             <a:pPr algn="r"/>
             <a:r>
-              <a:rPr lang="de-DE" sz="1200" dirty="0" smtClean="0"/>
+              <a:rPr lang="de-DE" sz="1200" b="1" dirty="0" smtClean="0"/>
               <a:t>nein</a:t>
             </a:r>
-            <a:endParaRPr lang="de-DE" sz="1200" dirty="0"/>
+            <a:endParaRPr lang="de-DE" sz="1200" b="1" dirty="0"/>
           </a:p>
         </p:txBody>
       </p:sp>
@@ -7100,10 +7102,10 @@
           <a:p>
             <a:pPr algn="r"/>
             <a:r>
-              <a:rPr lang="de-DE" sz="1200" dirty="0" smtClean="0"/>
+              <a:rPr lang="de-DE" sz="1200" b="1" dirty="0" smtClean="0"/>
               <a:t>nein</a:t>
             </a:r>
-            <a:endParaRPr lang="de-DE" sz="1200" dirty="0"/>
+            <a:endParaRPr lang="de-DE" sz="1200" b="1" dirty="0"/>
           </a:p>
         </p:txBody>
       </p:sp>
@@ -7131,10 +7133,10 @@
           <a:p>
             <a:pPr algn="r"/>
             <a:r>
-              <a:rPr lang="de-DE" sz="1200" dirty="0" smtClean="0"/>
+              <a:rPr lang="de-DE" sz="1200" b="1" dirty="0" smtClean="0"/>
               <a:t>ja</a:t>
             </a:r>
-            <a:endParaRPr lang="de-DE" sz="1200" dirty="0"/>
+            <a:endParaRPr lang="de-DE" sz="1200" b="1" dirty="0"/>
           </a:p>
         </p:txBody>
       </p:sp>
@@ -9435,10 +9437,10 @@
           <a:p>
             <a:pPr algn="r"/>
             <a:r>
-              <a:rPr lang="de-DE" sz="1200" dirty="0" smtClean="0"/>
+              <a:rPr lang="de-DE" sz="1200" b="1" dirty="0" smtClean="0"/>
               <a:t>ja</a:t>
             </a:r>
-            <a:endParaRPr lang="de-DE" sz="1200" dirty="0"/>
+            <a:endParaRPr lang="de-DE" sz="1200" b="1" dirty="0"/>
           </a:p>
         </p:txBody>
       </p:sp>
@@ -9466,10 +9468,10 @@
           <a:p>
             <a:pPr algn="r"/>
             <a:r>
-              <a:rPr lang="de-DE" sz="1200" dirty="0" smtClean="0"/>
+              <a:rPr lang="de-DE" sz="1200" b="1" dirty="0" smtClean="0"/>
               <a:t>nein</a:t>
             </a:r>
-            <a:endParaRPr lang="de-DE" sz="1200" dirty="0"/>
+            <a:endParaRPr lang="de-DE" sz="1200" b="1" dirty="0"/>
           </a:p>
         </p:txBody>
       </p:sp>
@@ -9497,10 +9499,10 @@
           <a:p>
             <a:pPr algn="r"/>
             <a:r>
-              <a:rPr lang="de-DE" sz="1200" dirty="0" smtClean="0"/>
+              <a:rPr lang="de-DE" sz="1200" b="1" dirty="0" smtClean="0"/>
               <a:t>ja</a:t>
             </a:r>
-            <a:endParaRPr lang="de-DE" sz="1200" dirty="0"/>
+            <a:endParaRPr lang="de-DE" sz="1200" b="1" dirty="0"/>
           </a:p>
         </p:txBody>
       </p:sp>
@@ -9527,10 +9529,10 @@
           <a:lstStyle/>
           <a:p>
             <a:r>
-              <a:rPr lang="de-DE" sz="1200" dirty="0" smtClean="0"/>
+              <a:rPr lang="de-DE" sz="1200" b="1" dirty="0" smtClean="0"/>
               <a:t>nein</a:t>
             </a:r>
-            <a:endParaRPr lang="de-DE" sz="1200" dirty="0"/>
+            <a:endParaRPr lang="de-DE" sz="1200" b="1" dirty="0"/>
           </a:p>
         </p:txBody>
       </p:sp>
@@ -10286,10 +10288,10 @@
           <a:p>
             <a:pPr algn="r"/>
             <a:r>
-              <a:rPr lang="de-DE" sz="1200" dirty="0" smtClean="0"/>
+              <a:rPr lang="de-DE" sz="1200" b="1" dirty="0" smtClean="0"/>
               <a:t>nein</a:t>
             </a:r>
-            <a:endParaRPr lang="de-DE" sz="1200" dirty="0"/>
+            <a:endParaRPr lang="de-DE" sz="1200" b="1" dirty="0"/>
           </a:p>
         </p:txBody>
       </p:sp>
@@ -10301,7 +10303,7 @@
         </p:nvSpPr>
         <p:spPr>
           <a:xfrm>
-            <a:off x="3380800" y="7001304"/>
+            <a:off x="3380800" y="7101034"/>
             <a:ext cx="612066" cy="257369"/>
           </a:xfrm>
           <a:prstGeom prst="rect">
@@ -10317,10 +10319,10 @@
           <a:p>
             <a:pPr algn="r"/>
             <a:r>
-              <a:rPr lang="de-DE" sz="1200" dirty="0" smtClean="0"/>
+              <a:rPr lang="de-DE" sz="1200" b="1" dirty="0" smtClean="0"/>
               <a:t>ja</a:t>
             </a:r>
-            <a:endParaRPr lang="de-DE" sz="1200" dirty="0"/>
+            <a:endParaRPr lang="de-DE" sz="1200" b="1" dirty="0"/>
           </a:p>
         </p:txBody>
       </p:sp>
@@ -10328,6 +10330,3952 @@
     <p:extLst>
       <p:ext uri="{BB962C8B-B14F-4D97-AF65-F5344CB8AC3E}">
         <p14:creationId xmlns:p14="http://schemas.microsoft.com/office/powerpoint/2010/main" val="499743167"/>
+      </p:ext>
+    </p:extLst>
+  </p:cSld>
+  <p:clrMapOvr>
+    <a:masterClrMapping/>
+  </p:clrMapOvr>
+</p:sld>
+</file>
+
+<file path=ppt/slides/slide3.xml><?xml version="1.0" encoding="utf-8"?>
+<p:sld xmlns:a="http://schemas.openxmlformats.org/drawingml/2006/main" xmlns:r="http://schemas.openxmlformats.org/officeDocument/2006/relationships" xmlns:p="http://schemas.openxmlformats.org/presentationml/2006/main">
+  <p:cSld>
+    <p:spTree>
+      <p:nvGrpSpPr>
+        <p:cNvPr id="1" name=""/>
+        <p:cNvGrpSpPr/>
+        <p:nvPr/>
+      </p:nvGrpSpPr>
+      <p:grpSpPr>
+        <a:xfrm>
+          <a:off x="0" y="0"/>
+          <a:ext cx="0" cy="0"/>
+          <a:chOff x="0" y="0"/>
+          <a:chExt cx="0" cy="0"/>
+        </a:xfrm>
+      </p:grpSpPr>
+      <p:cxnSp>
+        <p:nvCxnSpPr>
+          <p:cNvPr id="117" name="Gewinkelte Verbindung 116"/>
+          <p:cNvCxnSpPr>
+            <a:stCxn id="104" idx="1"/>
+            <a:endCxn id="143" idx="0"/>
+          </p:cNvCxnSpPr>
+          <p:nvPr/>
+        </p:nvCxnSpPr>
+        <p:spPr>
+          <a:xfrm rot="10800000" flipV="1">
+            <a:off x="2784418" y="13537693"/>
+            <a:ext cx="2580303" cy="2268151"/>
+          </a:xfrm>
+          <a:prstGeom prst="bentConnector2">
+            <a:avLst/>
+          </a:prstGeom>
+          <a:ln w="38100">
+            <a:solidFill>
+              <a:schemeClr val="tx1"/>
+            </a:solidFill>
+            <a:headEnd type="none" w="med" len="med"/>
+            <a:tailEnd type="triangle" w="med" len="med"/>
+          </a:ln>
+        </p:spPr>
+        <p:style>
+          <a:lnRef idx="1">
+            <a:schemeClr val="accent1"/>
+          </a:lnRef>
+          <a:fillRef idx="0">
+            <a:schemeClr val="accent1"/>
+          </a:fillRef>
+          <a:effectRef idx="0">
+            <a:schemeClr val="accent1"/>
+          </a:effectRef>
+          <a:fontRef idx="minor">
+            <a:schemeClr val="tx1"/>
+          </a:fontRef>
+        </p:style>
+      </p:cxnSp>
+      <p:cxnSp>
+        <p:nvCxnSpPr>
+          <p:cNvPr id="139" name="Gewinkelte Verbindung 138"/>
+          <p:cNvCxnSpPr>
+            <a:stCxn id="138" idx="1"/>
+            <a:endCxn id="147" idx="0"/>
+          </p:cNvCxnSpPr>
+          <p:nvPr/>
+        </p:nvCxnSpPr>
+        <p:spPr>
+          <a:xfrm rot="10800000" flipV="1">
+            <a:off x="3727618" y="14185765"/>
+            <a:ext cx="1637103" cy="1620079"/>
+          </a:xfrm>
+          <a:prstGeom prst="bentConnector2">
+            <a:avLst/>
+          </a:prstGeom>
+          <a:ln w="38100">
+            <a:solidFill>
+              <a:schemeClr val="tx1"/>
+            </a:solidFill>
+            <a:headEnd type="none" w="med" len="med"/>
+            <a:tailEnd type="triangle" w="med" len="med"/>
+          </a:ln>
+        </p:spPr>
+        <p:style>
+          <a:lnRef idx="1">
+            <a:schemeClr val="accent1"/>
+          </a:lnRef>
+          <a:fillRef idx="0">
+            <a:schemeClr val="accent1"/>
+          </a:fillRef>
+          <a:effectRef idx="0">
+            <a:schemeClr val="accent1"/>
+          </a:effectRef>
+          <a:fontRef idx="minor">
+            <a:schemeClr val="tx1"/>
+          </a:fontRef>
+        </p:style>
+      </p:cxnSp>
+      <p:sp>
+        <p:nvSpPr>
+          <p:cNvPr id="104" name="Abgerundetes Rechteck 103"/>
+          <p:cNvSpPr/>
+          <p:nvPr/>
+        </p:nvSpPr>
+        <p:spPr>
+          <a:xfrm>
+            <a:off x="5364720" y="13213694"/>
+            <a:ext cx="2232248" cy="648000"/>
+          </a:xfrm>
+          <a:prstGeom prst="roundRect">
+            <a:avLst/>
+          </a:prstGeom>
+          <a:noFill/>
+          <a:ln>
+            <a:noFill/>
+          </a:ln>
+        </p:spPr>
+        <p:style>
+          <a:lnRef idx="2">
+            <a:schemeClr val="accent1">
+              <a:shade val="50000"/>
+            </a:schemeClr>
+          </a:lnRef>
+          <a:fillRef idx="1">
+            <a:schemeClr val="accent1"/>
+          </a:fillRef>
+          <a:effectRef idx="0">
+            <a:schemeClr val="accent1"/>
+          </a:effectRef>
+          <a:fontRef idx="minor">
+            <a:schemeClr val="lt1"/>
+          </a:fontRef>
+        </p:style>
+        <p:txBody>
+          <a:bodyPr lIns="0" tIns="72000" rIns="0" bIns="72000" rtlCol="0" anchor="ctr"/>
+          <a:lstStyle/>
+          <a:p>
+            <a:pPr algn="ctr"/>
+            <a:endParaRPr lang="de-DE" sz="1800" i="1" baseline="-25000" dirty="0">
+              <a:solidFill>
+                <a:schemeClr val="tx1"/>
+              </a:solidFill>
+            </a:endParaRPr>
+          </a:p>
+        </p:txBody>
+      </p:sp>
+      <p:sp>
+        <p:nvSpPr>
+          <p:cNvPr id="138" name="Abgerundetes Rechteck 137"/>
+          <p:cNvSpPr/>
+          <p:nvPr/>
+        </p:nvSpPr>
+        <p:spPr>
+          <a:xfrm>
+            <a:off x="5364720" y="13861766"/>
+            <a:ext cx="2232248" cy="648000"/>
+          </a:xfrm>
+          <a:prstGeom prst="roundRect">
+            <a:avLst/>
+          </a:prstGeom>
+          <a:noFill/>
+          <a:ln>
+            <a:noFill/>
+          </a:ln>
+        </p:spPr>
+        <p:style>
+          <a:lnRef idx="2">
+            <a:schemeClr val="accent1">
+              <a:shade val="50000"/>
+            </a:schemeClr>
+          </a:lnRef>
+          <a:fillRef idx="1">
+            <a:schemeClr val="accent1"/>
+          </a:fillRef>
+          <a:effectRef idx="0">
+            <a:schemeClr val="accent1"/>
+          </a:effectRef>
+          <a:fontRef idx="minor">
+            <a:schemeClr val="lt1"/>
+          </a:fontRef>
+        </p:style>
+        <p:txBody>
+          <a:bodyPr lIns="0" tIns="72000" rIns="0" bIns="72000" rtlCol="0" anchor="ctr"/>
+          <a:lstStyle/>
+          <a:p>
+            <a:pPr algn="ctr"/>
+            <a:endParaRPr lang="de-DE" sz="1800" i="1" baseline="-25000" dirty="0">
+              <a:solidFill>
+                <a:schemeClr val="tx1"/>
+              </a:solidFill>
+            </a:endParaRPr>
+          </a:p>
+        </p:txBody>
+      </p:sp>
+      <p:sp>
+        <p:nvSpPr>
+          <p:cNvPr id="105" name="Abgerundetes Rechteck 104"/>
+          <p:cNvSpPr/>
+          <p:nvPr/>
+        </p:nvSpPr>
+        <p:spPr>
+          <a:xfrm>
+            <a:off x="5364721" y="13213694"/>
+            <a:ext cx="2232247" cy="1296144"/>
+          </a:xfrm>
+          <a:prstGeom prst="roundRect">
+            <a:avLst>
+              <a:gd name="adj" fmla="val 10607"/>
+            </a:avLst>
+          </a:prstGeom>
+          <a:solidFill>
+            <a:schemeClr val="tx2">
+              <a:lumMod val="20000"/>
+              <a:lumOff val="80000"/>
+            </a:schemeClr>
+          </a:solidFill>
+          <a:ln>
+            <a:solidFill>
+              <a:schemeClr val="tx2"/>
+            </a:solidFill>
+          </a:ln>
+        </p:spPr>
+        <p:style>
+          <a:lnRef idx="2">
+            <a:schemeClr val="accent1">
+              <a:shade val="50000"/>
+            </a:schemeClr>
+          </a:lnRef>
+          <a:fillRef idx="1">
+            <a:schemeClr val="accent1"/>
+          </a:fillRef>
+          <a:effectRef idx="0">
+            <a:schemeClr val="accent1"/>
+          </a:effectRef>
+          <a:fontRef idx="minor">
+            <a:schemeClr val="lt1"/>
+          </a:fontRef>
+        </p:style>
+        <p:txBody>
+          <a:bodyPr lIns="0" tIns="72000" rIns="0" bIns="72000" rtlCol="0" anchor="ctr"/>
+          <a:lstStyle/>
+          <a:p>
+            <a:pPr algn="ctr"/>
+            <a:r>
+              <a:rPr lang="de-DE" sz="1800" dirty="0" smtClean="0">
+                <a:solidFill>
+                  <a:schemeClr val="tx1"/>
+                </a:solidFill>
+              </a:rPr>
+              <a:t>Umgebung</a:t>
+            </a:r>
+            <a:endParaRPr lang="de-DE" sz="1800" i="1" baseline="-25000" dirty="0">
+              <a:solidFill>
+                <a:schemeClr val="tx1"/>
+              </a:solidFill>
+            </a:endParaRPr>
+          </a:p>
+        </p:txBody>
+      </p:sp>
+      <p:sp>
+        <p:nvSpPr>
+          <p:cNvPr id="143" name="Abgerundetes Rechteck 142"/>
+          <p:cNvSpPr/>
+          <p:nvPr/>
+        </p:nvSpPr>
+        <p:spPr>
+          <a:xfrm>
+            <a:off x="2312817" y="15805845"/>
+            <a:ext cx="943200" cy="504056"/>
+          </a:xfrm>
+          <a:prstGeom prst="roundRect">
+            <a:avLst/>
+          </a:prstGeom>
+          <a:noFill/>
+          <a:ln>
+            <a:noFill/>
+          </a:ln>
+        </p:spPr>
+        <p:style>
+          <a:lnRef idx="2">
+            <a:schemeClr val="accent1">
+              <a:shade val="50000"/>
+            </a:schemeClr>
+          </a:lnRef>
+          <a:fillRef idx="1">
+            <a:schemeClr val="accent1"/>
+          </a:fillRef>
+          <a:effectRef idx="0">
+            <a:schemeClr val="accent1"/>
+          </a:effectRef>
+          <a:fontRef idx="minor">
+            <a:schemeClr val="lt1"/>
+          </a:fontRef>
+        </p:style>
+        <p:txBody>
+          <a:bodyPr lIns="0" tIns="72000" rIns="0" bIns="72000" rtlCol="0" anchor="ctr"/>
+          <a:lstStyle/>
+          <a:p>
+            <a:pPr algn="ctr"/>
+            <a:endParaRPr lang="de-DE" sz="1800" i="1" baseline="-25000" dirty="0">
+              <a:solidFill>
+                <a:schemeClr val="tx1"/>
+              </a:solidFill>
+            </a:endParaRPr>
+          </a:p>
+        </p:txBody>
+      </p:sp>
+      <p:sp>
+        <p:nvSpPr>
+          <p:cNvPr id="147" name="Abgerundetes Rechteck 146"/>
+          <p:cNvSpPr/>
+          <p:nvPr/>
+        </p:nvSpPr>
+        <p:spPr>
+          <a:xfrm>
+            <a:off x="3256017" y="15805845"/>
+            <a:ext cx="943200" cy="504056"/>
+          </a:xfrm>
+          <a:prstGeom prst="roundRect">
+            <a:avLst/>
+          </a:prstGeom>
+          <a:noFill/>
+          <a:ln>
+            <a:noFill/>
+          </a:ln>
+        </p:spPr>
+        <p:style>
+          <a:lnRef idx="2">
+            <a:schemeClr val="accent1">
+              <a:shade val="50000"/>
+            </a:schemeClr>
+          </a:lnRef>
+          <a:fillRef idx="1">
+            <a:schemeClr val="accent1"/>
+          </a:fillRef>
+          <a:effectRef idx="0">
+            <a:schemeClr val="accent1"/>
+          </a:effectRef>
+          <a:fontRef idx="minor">
+            <a:schemeClr val="lt1"/>
+          </a:fontRef>
+        </p:style>
+        <p:txBody>
+          <a:bodyPr lIns="0" tIns="72000" rIns="0" bIns="72000" rtlCol="0" anchor="ctr"/>
+          <a:lstStyle/>
+          <a:p>
+            <a:pPr algn="ctr"/>
+            <a:endParaRPr lang="de-DE" sz="1800" i="1" baseline="-25000" dirty="0">
+              <a:solidFill>
+                <a:schemeClr val="tx1"/>
+              </a:solidFill>
+            </a:endParaRPr>
+          </a:p>
+        </p:txBody>
+      </p:sp>
+      <p:sp>
+        <p:nvSpPr>
+          <p:cNvPr id="4" name="Abgerundetes Rechteck 3"/>
+          <p:cNvSpPr/>
+          <p:nvPr/>
+        </p:nvSpPr>
+        <p:spPr>
+          <a:xfrm>
+            <a:off x="1956299" y="2448397"/>
+            <a:ext cx="5703084" cy="1296144"/>
+          </a:xfrm>
+          <a:prstGeom prst="roundRect">
+            <a:avLst>
+              <a:gd name="adj" fmla="val 10607"/>
+            </a:avLst>
+          </a:prstGeom>
+          <a:solidFill>
+            <a:schemeClr val="accent1">
+              <a:lumMod val="40000"/>
+              <a:lumOff val="60000"/>
+            </a:schemeClr>
+          </a:solidFill>
+        </p:spPr>
+        <p:style>
+          <a:lnRef idx="2">
+            <a:schemeClr val="accent1">
+              <a:shade val="50000"/>
+            </a:schemeClr>
+          </a:lnRef>
+          <a:fillRef idx="1">
+            <a:schemeClr val="accent1"/>
+          </a:fillRef>
+          <a:effectRef idx="0">
+            <a:schemeClr val="accent1"/>
+          </a:effectRef>
+          <a:fontRef idx="minor">
+            <a:schemeClr val="lt1"/>
+          </a:fontRef>
+        </p:style>
+        <p:txBody>
+          <a:bodyPr lIns="0" tIns="72000" rIns="0" bIns="72000" rtlCol="0" anchor="t"/>
+          <a:lstStyle/>
+          <a:p>
+            <a:pPr algn="ctr"/>
+            <a:r>
+              <a:rPr lang="de-DE" sz="1800" dirty="0" smtClean="0">
+                <a:solidFill>
+                  <a:schemeClr val="tx1"/>
+                </a:solidFill>
+              </a:rPr>
+              <a:t>Datensatz</a:t>
+            </a:r>
+            <a:endParaRPr lang="de-DE" sz="1800" i="1" baseline="-25000" dirty="0">
+              <a:solidFill>
+                <a:schemeClr val="tx1"/>
+              </a:solidFill>
+            </a:endParaRPr>
+          </a:p>
+        </p:txBody>
+      </p:sp>
+      <p:sp>
+        <p:nvSpPr>
+          <p:cNvPr id="11" name="Abgerundetes Rechteck 10"/>
+          <p:cNvSpPr/>
+          <p:nvPr/>
+        </p:nvSpPr>
+        <p:spPr>
+          <a:xfrm>
+            <a:off x="2369163" y="3034830"/>
+            <a:ext cx="2232246" cy="504056"/>
+          </a:xfrm>
+          <a:prstGeom prst="roundRect">
+            <a:avLst/>
+          </a:prstGeom>
+          <a:solidFill>
+            <a:schemeClr val="accent1">
+              <a:lumMod val="40000"/>
+              <a:lumOff val="60000"/>
+            </a:schemeClr>
+          </a:solidFill>
+        </p:spPr>
+        <p:style>
+          <a:lnRef idx="2">
+            <a:schemeClr val="accent1">
+              <a:shade val="50000"/>
+            </a:schemeClr>
+          </a:lnRef>
+          <a:fillRef idx="1">
+            <a:schemeClr val="accent1"/>
+          </a:fillRef>
+          <a:effectRef idx="0">
+            <a:schemeClr val="accent1"/>
+          </a:effectRef>
+          <a:fontRef idx="minor">
+            <a:schemeClr val="lt1"/>
+          </a:fontRef>
+        </p:style>
+        <p:txBody>
+          <a:bodyPr lIns="0" tIns="72000" rIns="0" bIns="72000" rtlCol="0" anchor="ctr"/>
+          <a:lstStyle/>
+          <a:p>
+            <a:pPr algn="ctr"/>
+            <a:r>
+              <a:rPr lang="de-DE" sz="1800" dirty="0" smtClean="0">
+                <a:solidFill>
+                  <a:schemeClr val="tx1"/>
+                </a:solidFill>
+              </a:rPr>
+              <a:t>Trainingsdaten</a:t>
+            </a:r>
+            <a:endParaRPr lang="de-DE" sz="1800" i="1" baseline="-25000" dirty="0">
+              <a:solidFill>
+                <a:schemeClr val="tx1"/>
+              </a:solidFill>
+            </a:endParaRPr>
+          </a:p>
+        </p:txBody>
+      </p:sp>
+      <p:sp>
+        <p:nvSpPr>
+          <p:cNvPr id="21" name="Abgerundetes Rechteck 20"/>
+          <p:cNvSpPr/>
+          <p:nvPr/>
+        </p:nvSpPr>
+        <p:spPr>
+          <a:xfrm>
+            <a:off x="5014273" y="3034830"/>
+            <a:ext cx="2232246" cy="504056"/>
+          </a:xfrm>
+          <a:prstGeom prst="roundRect">
+            <a:avLst/>
+          </a:prstGeom>
+          <a:solidFill>
+            <a:schemeClr val="accent1">
+              <a:lumMod val="40000"/>
+              <a:lumOff val="60000"/>
+            </a:schemeClr>
+          </a:solidFill>
+        </p:spPr>
+        <p:style>
+          <a:lnRef idx="2">
+            <a:schemeClr val="accent1">
+              <a:shade val="50000"/>
+            </a:schemeClr>
+          </a:lnRef>
+          <a:fillRef idx="1">
+            <a:schemeClr val="accent1"/>
+          </a:fillRef>
+          <a:effectRef idx="0">
+            <a:schemeClr val="accent1"/>
+          </a:effectRef>
+          <a:fontRef idx="minor">
+            <a:schemeClr val="lt1"/>
+          </a:fontRef>
+        </p:style>
+        <p:txBody>
+          <a:bodyPr lIns="0" tIns="72000" rIns="0" bIns="72000" rtlCol="0" anchor="ctr"/>
+          <a:lstStyle/>
+          <a:p>
+            <a:pPr algn="ctr"/>
+            <a:r>
+              <a:rPr lang="de-DE" sz="1800" dirty="0" smtClean="0">
+                <a:solidFill>
+                  <a:schemeClr val="tx1"/>
+                </a:solidFill>
+              </a:rPr>
+              <a:t>Bezeichnungen</a:t>
+            </a:r>
+            <a:endParaRPr lang="de-DE" sz="1800" i="1" baseline="-25000" dirty="0">
+              <a:solidFill>
+                <a:schemeClr val="tx1"/>
+              </a:solidFill>
+            </a:endParaRPr>
+          </a:p>
+        </p:txBody>
+      </p:sp>
+      <p:cxnSp>
+        <p:nvCxnSpPr>
+          <p:cNvPr id="5" name="Gerade Verbindung mit Pfeil 4"/>
+          <p:cNvCxnSpPr>
+            <a:stCxn id="11" idx="3"/>
+            <a:endCxn id="21" idx="1"/>
+          </p:cNvCxnSpPr>
+          <p:nvPr/>
+        </p:nvCxnSpPr>
+        <p:spPr>
+          <a:xfrm>
+            <a:off x="4601409" y="3286858"/>
+            <a:ext cx="412864" cy="0"/>
+          </a:xfrm>
+          <a:prstGeom prst="straightConnector1">
+            <a:avLst/>
+          </a:prstGeom>
+          <a:ln w="38100">
+            <a:solidFill>
+              <a:schemeClr val="tx1"/>
+            </a:solidFill>
+            <a:headEnd type="none" w="med" len="med"/>
+            <a:tailEnd type="triangle" w="med" len="med"/>
+          </a:ln>
+        </p:spPr>
+        <p:style>
+          <a:lnRef idx="1">
+            <a:schemeClr val="accent1"/>
+          </a:lnRef>
+          <a:fillRef idx="0">
+            <a:schemeClr val="accent1"/>
+          </a:fillRef>
+          <a:effectRef idx="0">
+            <a:schemeClr val="accent1"/>
+          </a:effectRef>
+          <a:fontRef idx="minor">
+            <a:schemeClr val="tx1"/>
+          </a:fontRef>
+        </p:style>
+      </p:cxnSp>
+      <p:sp>
+        <p:nvSpPr>
+          <p:cNvPr id="27" name="Abgerundetes Rechteck 26"/>
+          <p:cNvSpPr/>
+          <p:nvPr/>
+        </p:nvSpPr>
+        <p:spPr>
+          <a:xfrm>
+            <a:off x="3691719" y="4248662"/>
+            <a:ext cx="2232247" cy="1296144"/>
+          </a:xfrm>
+          <a:prstGeom prst="roundRect">
+            <a:avLst>
+              <a:gd name="adj" fmla="val 10607"/>
+            </a:avLst>
+          </a:prstGeom>
+          <a:solidFill>
+            <a:schemeClr val="accent6"/>
+          </a:solidFill>
+          <a:ln>
+            <a:solidFill>
+              <a:schemeClr val="accent6">
+                <a:lumMod val="75000"/>
+              </a:schemeClr>
+            </a:solidFill>
+          </a:ln>
+        </p:spPr>
+        <p:style>
+          <a:lnRef idx="2">
+            <a:schemeClr val="accent1">
+              <a:shade val="50000"/>
+            </a:schemeClr>
+          </a:lnRef>
+          <a:fillRef idx="1">
+            <a:schemeClr val="accent1"/>
+          </a:fillRef>
+          <a:effectRef idx="0">
+            <a:schemeClr val="accent1"/>
+          </a:effectRef>
+          <a:fontRef idx="minor">
+            <a:schemeClr val="lt1"/>
+          </a:fontRef>
+        </p:style>
+        <p:txBody>
+          <a:bodyPr lIns="0" tIns="72000" rIns="0" bIns="72000" rtlCol="0" anchor="ctr"/>
+          <a:lstStyle/>
+          <a:p>
+            <a:pPr algn="ctr"/>
+            <a:r>
+              <a:rPr lang="de-DE" sz="1800" dirty="0" smtClean="0">
+                <a:solidFill>
+                  <a:schemeClr val="tx1"/>
+                </a:solidFill>
+              </a:rPr>
+              <a:t>Lernalgorithmus</a:t>
+            </a:r>
+            <a:endParaRPr lang="de-DE" sz="1800" i="1" baseline="-25000" dirty="0">
+              <a:solidFill>
+                <a:schemeClr val="tx1"/>
+              </a:solidFill>
+            </a:endParaRPr>
+          </a:p>
+        </p:txBody>
+      </p:sp>
+      <p:cxnSp>
+        <p:nvCxnSpPr>
+          <p:cNvPr id="29" name="Gerade Verbindung mit Pfeil 28"/>
+          <p:cNvCxnSpPr>
+            <a:stCxn id="4" idx="2"/>
+            <a:endCxn id="27" idx="0"/>
+          </p:cNvCxnSpPr>
+          <p:nvPr/>
+        </p:nvCxnSpPr>
+        <p:spPr>
+          <a:xfrm>
+            <a:off x="4807841" y="3744541"/>
+            <a:ext cx="2" cy="504121"/>
+          </a:xfrm>
+          <a:prstGeom prst="straightConnector1">
+            <a:avLst/>
+          </a:prstGeom>
+          <a:ln w="38100">
+            <a:solidFill>
+              <a:schemeClr val="tx1"/>
+            </a:solidFill>
+            <a:headEnd type="none" w="med" len="med"/>
+            <a:tailEnd type="triangle" w="med" len="med"/>
+          </a:ln>
+        </p:spPr>
+        <p:style>
+          <a:lnRef idx="1">
+            <a:schemeClr val="accent1"/>
+          </a:lnRef>
+          <a:fillRef idx="0">
+            <a:schemeClr val="accent1"/>
+          </a:fillRef>
+          <a:effectRef idx="0">
+            <a:schemeClr val="accent1"/>
+          </a:effectRef>
+          <a:fontRef idx="minor">
+            <a:schemeClr val="tx1"/>
+          </a:fontRef>
+        </p:style>
+      </p:cxnSp>
+      <p:sp>
+        <p:nvSpPr>
+          <p:cNvPr id="32" name="Abgerundetes Rechteck 31"/>
+          <p:cNvSpPr/>
+          <p:nvPr/>
+        </p:nvSpPr>
+        <p:spPr>
+          <a:xfrm>
+            <a:off x="1393720" y="6048862"/>
+            <a:ext cx="1885135" cy="504056"/>
+          </a:xfrm>
+          <a:prstGeom prst="roundRect">
+            <a:avLst/>
+          </a:prstGeom>
+          <a:solidFill>
+            <a:schemeClr val="accent1">
+              <a:lumMod val="40000"/>
+              <a:lumOff val="60000"/>
+            </a:schemeClr>
+          </a:solidFill>
+        </p:spPr>
+        <p:style>
+          <a:lnRef idx="2">
+            <a:schemeClr val="accent1">
+              <a:shade val="50000"/>
+            </a:schemeClr>
+          </a:lnRef>
+          <a:fillRef idx="1">
+            <a:schemeClr val="accent1"/>
+          </a:fillRef>
+          <a:effectRef idx="0">
+            <a:schemeClr val="accent1"/>
+          </a:effectRef>
+          <a:fontRef idx="minor">
+            <a:schemeClr val="lt1"/>
+          </a:fontRef>
+        </p:style>
+        <p:txBody>
+          <a:bodyPr lIns="0" tIns="72000" rIns="0" bIns="72000" rtlCol="0" anchor="ctr"/>
+          <a:lstStyle/>
+          <a:p>
+            <a:pPr algn="ctr"/>
+            <a:r>
+              <a:rPr lang="de-DE" sz="1800" dirty="0" smtClean="0">
+                <a:solidFill>
+                  <a:schemeClr val="tx1"/>
+                </a:solidFill>
+              </a:rPr>
+              <a:t>Neue Daten</a:t>
+            </a:r>
+            <a:endParaRPr lang="de-DE" sz="1800" i="1" baseline="-25000" dirty="0">
+              <a:solidFill>
+                <a:schemeClr val="tx1"/>
+              </a:solidFill>
+            </a:endParaRPr>
+          </a:p>
+        </p:txBody>
+      </p:sp>
+      <p:sp>
+        <p:nvSpPr>
+          <p:cNvPr id="34" name="Abgerundetes Rechteck 33"/>
+          <p:cNvSpPr/>
+          <p:nvPr/>
+        </p:nvSpPr>
+        <p:spPr>
+          <a:xfrm>
+            <a:off x="3691718" y="6048862"/>
+            <a:ext cx="2232247" cy="504056"/>
+          </a:xfrm>
+          <a:prstGeom prst="roundRect">
+            <a:avLst/>
+          </a:prstGeom>
+          <a:solidFill>
+            <a:schemeClr val="accent1">
+              <a:lumMod val="40000"/>
+              <a:lumOff val="60000"/>
+            </a:schemeClr>
+          </a:solidFill>
+        </p:spPr>
+        <p:style>
+          <a:lnRef idx="2">
+            <a:schemeClr val="accent1">
+              <a:shade val="50000"/>
+            </a:schemeClr>
+          </a:lnRef>
+          <a:fillRef idx="1">
+            <a:schemeClr val="accent1"/>
+          </a:fillRef>
+          <a:effectRef idx="0">
+            <a:schemeClr val="accent1"/>
+          </a:effectRef>
+          <a:fontRef idx="minor">
+            <a:schemeClr val="lt1"/>
+          </a:fontRef>
+        </p:style>
+        <p:txBody>
+          <a:bodyPr lIns="0" tIns="72000" rIns="0" bIns="72000" rtlCol="0" anchor="ctr"/>
+          <a:lstStyle/>
+          <a:p>
+            <a:pPr algn="ctr"/>
+            <a:r>
+              <a:rPr lang="de-DE" sz="1800" dirty="0" smtClean="0">
+                <a:solidFill>
+                  <a:schemeClr val="tx1"/>
+                </a:solidFill>
+              </a:rPr>
+              <a:t>Vorhersagemodell</a:t>
+            </a:r>
+            <a:endParaRPr lang="de-DE" sz="1800" i="1" baseline="-25000" dirty="0">
+              <a:solidFill>
+                <a:schemeClr val="tx1"/>
+              </a:solidFill>
+            </a:endParaRPr>
+          </a:p>
+        </p:txBody>
+      </p:sp>
+      <p:sp>
+        <p:nvSpPr>
+          <p:cNvPr id="35" name="Abgerundetes Rechteck 34"/>
+          <p:cNvSpPr/>
+          <p:nvPr/>
+        </p:nvSpPr>
+        <p:spPr>
+          <a:xfrm>
+            <a:off x="6480845" y="6048862"/>
+            <a:ext cx="1741121" cy="504056"/>
+          </a:xfrm>
+          <a:prstGeom prst="roundRect">
+            <a:avLst/>
+          </a:prstGeom>
+          <a:solidFill>
+            <a:schemeClr val="accent1">
+              <a:lumMod val="40000"/>
+              <a:lumOff val="60000"/>
+            </a:schemeClr>
+          </a:solidFill>
+        </p:spPr>
+        <p:style>
+          <a:lnRef idx="2">
+            <a:schemeClr val="accent1">
+              <a:shade val="50000"/>
+            </a:schemeClr>
+          </a:lnRef>
+          <a:fillRef idx="1">
+            <a:schemeClr val="accent1"/>
+          </a:fillRef>
+          <a:effectRef idx="0">
+            <a:schemeClr val="accent1"/>
+          </a:effectRef>
+          <a:fontRef idx="minor">
+            <a:schemeClr val="lt1"/>
+          </a:fontRef>
+        </p:style>
+        <p:txBody>
+          <a:bodyPr lIns="0" tIns="72000" rIns="0" bIns="72000" rtlCol="0" anchor="ctr"/>
+          <a:lstStyle/>
+          <a:p>
+            <a:pPr algn="ctr"/>
+            <a:r>
+              <a:rPr lang="de-DE" sz="1800" dirty="0" smtClean="0">
+                <a:solidFill>
+                  <a:schemeClr val="tx1"/>
+                </a:solidFill>
+              </a:rPr>
+              <a:t>Vorhersage</a:t>
+            </a:r>
+            <a:endParaRPr lang="de-DE" sz="1800" i="1" baseline="-25000" dirty="0">
+              <a:solidFill>
+                <a:schemeClr val="tx1"/>
+              </a:solidFill>
+            </a:endParaRPr>
+          </a:p>
+        </p:txBody>
+      </p:sp>
+      <p:cxnSp>
+        <p:nvCxnSpPr>
+          <p:cNvPr id="36" name="Gerade Verbindung mit Pfeil 35"/>
+          <p:cNvCxnSpPr>
+            <a:stCxn id="32" idx="3"/>
+            <a:endCxn id="34" idx="1"/>
+          </p:cNvCxnSpPr>
+          <p:nvPr/>
+        </p:nvCxnSpPr>
+        <p:spPr>
+          <a:xfrm>
+            <a:off x="3278855" y="6300890"/>
+            <a:ext cx="412863" cy="0"/>
+          </a:xfrm>
+          <a:prstGeom prst="straightConnector1">
+            <a:avLst/>
+          </a:prstGeom>
+          <a:ln w="38100">
+            <a:solidFill>
+              <a:schemeClr val="tx1"/>
+            </a:solidFill>
+            <a:headEnd type="none" w="med" len="med"/>
+            <a:tailEnd type="triangle" w="med" len="med"/>
+          </a:ln>
+        </p:spPr>
+        <p:style>
+          <a:lnRef idx="1">
+            <a:schemeClr val="accent1"/>
+          </a:lnRef>
+          <a:fillRef idx="0">
+            <a:schemeClr val="accent1"/>
+          </a:fillRef>
+          <a:effectRef idx="0">
+            <a:schemeClr val="accent1"/>
+          </a:effectRef>
+          <a:fontRef idx="minor">
+            <a:schemeClr val="tx1"/>
+          </a:fontRef>
+        </p:style>
+      </p:cxnSp>
+      <p:cxnSp>
+        <p:nvCxnSpPr>
+          <p:cNvPr id="39" name="Gerade Verbindung mit Pfeil 38"/>
+          <p:cNvCxnSpPr>
+            <a:stCxn id="34" idx="3"/>
+            <a:endCxn id="35" idx="1"/>
+          </p:cNvCxnSpPr>
+          <p:nvPr/>
+        </p:nvCxnSpPr>
+        <p:spPr>
+          <a:xfrm>
+            <a:off x="5923965" y="6300890"/>
+            <a:ext cx="556880" cy="0"/>
+          </a:xfrm>
+          <a:prstGeom prst="straightConnector1">
+            <a:avLst/>
+          </a:prstGeom>
+          <a:ln w="38100">
+            <a:solidFill>
+              <a:schemeClr val="tx1"/>
+            </a:solidFill>
+            <a:headEnd type="none" w="med" len="med"/>
+            <a:tailEnd type="triangle" w="med" len="med"/>
+          </a:ln>
+        </p:spPr>
+        <p:style>
+          <a:lnRef idx="1">
+            <a:schemeClr val="accent1"/>
+          </a:lnRef>
+          <a:fillRef idx="0">
+            <a:schemeClr val="accent1"/>
+          </a:fillRef>
+          <a:effectRef idx="0">
+            <a:schemeClr val="accent1"/>
+          </a:effectRef>
+          <a:fontRef idx="minor">
+            <a:schemeClr val="tx1"/>
+          </a:fontRef>
+        </p:style>
+      </p:cxnSp>
+      <p:cxnSp>
+        <p:nvCxnSpPr>
+          <p:cNvPr id="51" name="Gerade Verbindung mit Pfeil 50"/>
+          <p:cNvCxnSpPr>
+            <a:stCxn id="27" idx="2"/>
+            <a:endCxn id="34" idx="0"/>
+          </p:cNvCxnSpPr>
+          <p:nvPr/>
+        </p:nvCxnSpPr>
+        <p:spPr>
+          <a:xfrm flipH="1">
+            <a:off x="4807842" y="5544806"/>
+            <a:ext cx="1" cy="504056"/>
+          </a:xfrm>
+          <a:prstGeom prst="straightConnector1">
+            <a:avLst/>
+          </a:prstGeom>
+          <a:ln w="38100">
+            <a:solidFill>
+              <a:schemeClr val="tx1"/>
+            </a:solidFill>
+            <a:headEnd type="none" w="med" len="med"/>
+            <a:tailEnd type="triangle" w="med" len="med"/>
+          </a:ln>
+        </p:spPr>
+        <p:style>
+          <a:lnRef idx="1">
+            <a:schemeClr val="accent1"/>
+          </a:lnRef>
+          <a:fillRef idx="0">
+            <a:schemeClr val="accent1"/>
+          </a:fillRef>
+          <a:effectRef idx="0">
+            <a:schemeClr val="accent1"/>
+          </a:effectRef>
+          <a:fontRef idx="minor">
+            <a:schemeClr val="tx1"/>
+          </a:fontRef>
+        </p:style>
+      </p:cxnSp>
+      <p:sp>
+        <p:nvSpPr>
+          <p:cNvPr id="60" name="Abgerundetes Rechteck 59"/>
+          <p:cNvSpPr/>
+          <p:nvPr/>
+        </p:nvSpPr>
+        <p:spPr>
+          <a:xfrm>
+            <a:off x="3691718" y="8209037"/>
+            <a:ext cx="2232248" cy="504056"/>
+          </a:xfrm>
+          <a:prstGeom prst="roundRect">
+            <a:avLst/>
+          </a:prstGeom>
+          <a:solidFill>
+            <a:schemeClr val="accent1">
+              <a:lumMod val="40000"/>
+              <a:lumOff val="60000"/>
+            </a:schemeClr>
+          </a:solidFill>
+        </p:spPr>
+        <p:style>
+          <a:lnRef idx="2">
+            <a:schemeClr val="accent1">
+              <a:shade val="50000"/>
+            </a:schemeClr>
+          </a:lnRef>
+          <a:fillRef idx="1">
+            <a:schemeClr val="accent1"/>
+          </a:fillRef>
+          <a:effectRef idx="0">
+            <a:schemeClr val="accent1"/>
+          </a:effectRef>
+          <a:fontRef idx="minor">
+            <a:schemeClr val="lt1"/>
+          </a:fontRef>
+        </p:style>
+        <p:txBody>
+          <a:bodyPr lIns="0" tIns="72000" rIns="0" bIns="72000" rtlCol="0" anchor="ctr"/>
+          <a:lstStyle/>
+          <a:p>
+            <a:pPr algn="ctr"/>
+            <a:r>
+              <a:rPr lang="de-DE" sz="1800" dirty="0" smtClean="0">
+                <a:solidFill>
+                  <a:schemeClr val="tx1"/>
+                </a:solidFill>
+              </a:rPr>
+              <a:t>Trainingsdaten</a:t>
+            </a:r>
+            <a:endParaRPr lang="de-DE" sz="1800" i="1" baseline="-25000" dirty="0">
+              <a:solidFill>
+                <a:schemeClr val="tx1"/>
+              </a:solidFill>
+            </a:endParaRPr>
+          </a:p>
+        </p:txBody>
+      </p:sp>
+      <p:sp>
+        <p:nvSpPr>
+          <p:cNvPr id="63" name="Abgerundetes Rechteck 62"/>
+          <p:cNvSpPr/>
+          <p:nvPr/>
+        </p:nvSpPr>
+        <p:spPr>
+          <a:xfrm>
+            <a:off x="3691719" y="9217214"/>
+            <a:ext cx="2232247" cy="1296144"/>
+          </a:xfrm>
+          <a:prstGeom prst="roundRect">
+            <a:avLst>
+              <a:gd name="adj" fmla="val 10607"/>
+            </a:avLst>
+          </a:prstGeom>
+          <a:solidFill>
+            <a:schemeClr val="accent6"/>
+          </a:solidFill>
+          <a:ln>
+            <a:solidFill>
+              <a:schemeClr val="accent6">
+                <a:lumMod val="75000"/>
+              </a:schemeClr>
+            </a:solidFill>
+          </a:ln>
+        </p:spPr>
+        <p:style>
+          <a:lnRef idx="2">
+            <a:schemeClr val="accent1">
+              <a:shade val="50000"/>
+            </a:schemeClr>
+          </a:lnRef>
+          <a:fillRef idx="1">
+            <a:schemeClr val="accent1"/>
+          </a:fillRef>
+          <a:effectRef idx="0">
+            <a:schemeClr val="accent1"/>
+          </a:effectRef>
+          <a:fontRef idx="minor">
+            <a:schemeClr val="lt1"/>
+          </a:fontRef>
+        </p:style>
+        <p:txBody>
+          <a:bodyPr lIns="0" tIns="72000" rIns="0" bIns="72000" rtlCol="0" anchor="ctr"/>
+          <a:lstStyle/>
+          <a:p>
+            <a:pPr algn="ctr"/>
+            <a:r>
+              <a:rPr lang="de-DE" sz="1800" dirty="0" smtClean="0">
+                <a:solidFill>
+                  <a:schemeClr val="tx1"/>
+                </a:solidFill>
+              </a:rPr>
+              <a:t>Lernalgorithmus</a:t>
+            </a:r>
+            <a:endParaRPr lang="de-DE" sz="1800" i="1" baseline="-25000" dirty="0">
+              <a:solidFill>
+                <a:schemeClr val="tx1"/>
+              </a:solidFill>
+            </a:endParaRPr>
+          </a:p>
+        </p:txBody>
+      </p:sp>
+      <p:cxnSp>
+        <p:nvCxnSpPr>
+          <p:cNvPr id="64" name="Gerade Verbindung mit Pfeil 63"/>
+          <p:cNvCxnSpPr>
+            <a:stCxn id="60" idx="2"/>
+            <a:endCxn id="63" idx="0"/>
+          </p:cNvCxnSpPr>
+          <p:nvPr/>
+        </p:nvCxnSpPr>
+        <p:spPr>
+          <a:xfrm>
+            <a:off x="4807842" y="8713093"/>
+            <a:ext cx="1" cy="504121"/>
+          </a:xfrm>
+          <a:prstGeom prst="straightConnector1">
+            <a:avLst/>
+          </a:prstGeom>
+          <a:ln w="38100">
+            <a:solidFill>
+              <a:schemeClr val="tx1"/>
+            </a:solidFill>
+            <a:headEnd type="none" w="med" len="med"/>
+            <a:tailEnd type="triangle" w="med" len="med"/>
+          </a:ln>
+        </p:spPr>
+        <p:style>
+          <a:lnRef idx="1">
+            <a:schemeClr val="accent1"/>
+          </a:lnRef>
+          <a:fillRef idx="0">
+            <a:schemeClr val="accent1"/>
+          </a:fillRef>
+          <a:effectRef idx="0">
+            <a:schemeClr val="accent1"/>
+          </a:effectRef>
+          <a:fontRef idx="minor">
+            <a:schemeClr val="tx1"/>
+          </a:fontRef>
+        </p:style>
+      </p:cxnSp>
+      <p:sp>
+        <p:nvSpPr>
+          <p:cNvPr id="65" name="Abgerundetes Rechteck 64"/>
+          <p:cNvSpPr/>
+          <p:nvPr/>
+        </p:nvSpPr>
+        <p:spPr>
+          <a:xfrm>
+            <a:off x="1393720" y="11017414"/>
+            <a:ext cx="1885135" cy="504056"/>
+          </a:xfrm>
+          <a:prstGeom prst="roundRect">
+            <a:avLst/>
+          </a:prstGeom>
+          <a:solidFill>
+            <a:schemeClr val="accent1">
+              <a:lumMod val="40000"/>
+              <a:lumOff val="60000"/>
+            </a:schemeClr>
+          </a:solidFill>
+        </p:spPr>
+        <p:style>
+          <a:lnRef idx="2">
+            <a:schemeClr val="accent1">
+              <a:shade val="50000"/>
+            </a:schemeClr>
+          </a:lnRef>
+          <a:fillRef idx="1">
+            <a:schemeClr val="accent1"/>
+          </a:fillRef>
+          <a:effectRef idx="0">
+            <a:schemeClr val="accent1"/>
+          </a:effectRef>
+          <a:fontRef idx="minor">
+            <a:schemeClr val="lt1"/>
+          </a:fontRef>
+        </p:style>
+        <p:txBody>
+          <a:bodyPr lIns="0" tIns="72000" rIns="0" bIns="72000" rtlCol="0" anchor="ctr"/>
+          <a:lstStyle/>
+          <a:p>
+            <a:pPr algn="ctr"/>
+            <a:r>
+              <a:rPr lang="de-DE" sz="1800" dirty="0" smtClean="0">
+                <a:solidFill>
+                  <a:schemeClr val="tx1"/>
+                </a:solidFill>
+              </a:rPr>
+              <a:t>Neue Daten</a:t>
+            </a:r>
+            <a:endParaRPr lang="de-DE" sz="1800" i="1" baseline="-25000" dirty="0">
+              <a:solidFill>
+                <a:schemeClr val="tx1"/>
+              </a:solidFill>
+            </a:endParaRPr>
+          </a:p>
+        </p:txBody>
+      </p:sp>
+      <p:sp>
+        <p:nvSpPr>
+          <p:cNvPr id="66" name="Abgerundetes Rechteck 65"/>
+          <p:cNvSpPr/>
+          <p:nvPr/>
+        </p:nvSpPr>
+        <p:spPr>
+          <a:xfrm>
+            <a:off x="3691718" y="11017414"/>
+            <a:ext cx="2232247" cy="504056"/>
+          </a:xfrm>
+          <a:prstGeom prst="roundRect">
+            <a:avLst/>
+          </a:prstGeom>
+          <a:solidFill>
+            <a:schemeClr val="accent1">
+              <a:lumMod val="40000"/>
+              <a:lumOff val="60000"/>
+            </a:schemeClr>
+          </a:solidFill>
+        </p:spPr>
+        <p:style>
+          <a:lnRef idx="2">
+            <a:schemeClr val="accent1">
+              <a:shade val="50000"/>
+            </a:schemeClr>
+          </a:lnRef>
+          <a:fillRef idx="1">
+            <a:schemeClr val="accent1"/>
+          </a:fillRef>
+          <a:effectRef idx="0">
+            <a:schemeClr val="accent1"/>
+          </a:effectRef>
+          <a:fontRef idx="minor">
+            <a:schemeClr val="lt1"/>
+          </a:fontRef>
+        </p:style>
+        <p:txBody>
+          <a:bodyPr lIns="0" tIns="72000" rIns="0" bIns="72000" rtlCol="0" anchor="ctr"/>
+          <a:lstStyle/>
+          <a:p>
+            <a:pPr algn="ctr"/>
+            <a:r>
+              <a:rPr lang="de-DE" sz="1800" dirty="0" smtClean="0">
+                <a:solidFill>
+                  <a:schemeClr val="tx1"/>
+                </a:solidFill>
+              </a:rPr>
+              <a:t>Vorhersagemodell</a:t>
+            </a:r>
+            <a:endParaRPr lang="de-DE" sz="1800" i="1" baseline="-25000" dirty="0">
+              <a:solidFill>
+                <a:schemeClr val="tx1"/>
+              </a:solidFill>
+            </a:endParaRPr>
+          </a:p>
+        </p:txBody>
+      </p:sp>
+      <p:sp>
+        <p:nvSpPr>
+          <p:cNvPr id="67" name="Abgerundetes Rechteck 66"/>
+          <p:cNvSpPr/>
+          <p:nvPr/>
+        </p:nvSpPr>
+        <p:spPr>
+          <a:xfrm>
+            <a:off x="6480845" y="11017414"/>
+            <a:ext cx="1741121" cy="504056"/>
+          </a:xfrm>
+          <a:prstGeom prst="roundRect">
+            <a:avLst/>
+          </a:prstGeom>
+          <a:solidFill>
+            <a:schemeClr val="accent1">
+              <a:lumMod val="40000"/>
+              <a:lumOff val="60000"/>
+            </a:schemeClr>
+          </a:solidFill>
+        </p:spPr>
+        <p:style>
+          <a:lnRef idx="2">
+            <a:schemeClr val="accent1">
+              <a:shade val="50000"/>
+            </a:schemeClr>
+          </a:lnRef>
+          <a:fillRef idx="1">
+            <a:schemeClr val="accent1"/>
+          </a:fillRef>
+          <a:effectRef idx="0">
+            <a:schemeClr val="accent1"/>
+          </a:effectRef>
+          <a:fontRef idx="minor">
+            <a:schemeClr val="lt1"/>
+          </a:fontRef>
+        </p:style>
+        <p:txBody>
+          <a:bodyPr lIns="0" tIns="72000" rIns="0" bIns="72000" rtlCol="0" anchor="ctr"/>
+          <a:lstStyle/>
+          <a:p>
+            <a:pPr algn="ctr"/>
+            <a:r>
+              <a:rPr lang="de-DE" sz="1800" dirty="0" smtClean="0">
+                <a:solidFill>
+                  <a:schemeClr val="tx1"/>
+                </a:solidFill>
+              </a:rPr>
+              <a:t>Vorhersage</a:t>
+            </a:r>
+            <a:endParaRPr lang="de-DE" sz="1800" i="1" baseline="-25000" dirty="0">
+              <a:solidFill>
+                <a:schemeClr val="tx1"/>
+              </a:solidFill>
+            </a:endParaRPr>
+          </a:p>
+        </p:txBody>
+      </p:sp>
+      <p:cxnSp>
+        <p:nvCxnSpPr>
+          <p:cNvPr id="68" name="Gerade Verbindung mit Pfeil 67"/>
+          <p:cNvCxnSpPr>
+            <a:stCxn id="65" idx="3"/>
+            <a:endCxn id="66" idx="1"/>
+          </p:cNvCxnSpPr>
+          <p:nvPr/>
+        </p:nvCxnSpPr>
+        <p:spPr>
+          <a:xfrm>
+            <a:off x="3278855" y="11269442"/>
+            <a:ext cx="412863" cy="0"/>
+          </a:xfrm>
+          <a:prstGeom prst="straightConnector1">
+            <a:avLst/>
+          </a:prstGeom>
+          <a:ln w="38100">
+            <a:solidFill>
+              <a:schemeClr val="tx1"/>
+            </a:solidFill>
+            <a:headEnd type="none" w="med" len="med"/>
+            <a:tailEnd type="triangle" w="med" len="med"/>
+          </a:ln>
+        </p:spPr>
+        <p:style>
+          <a:lnRef idx="1">
+            <a:schemeClr val="accent1"/>
+          </a:lnRef>
+          <a:fillRef idx="0">
+            <a:schemeClr val="accent1"/>
+          </a:fillRef>
+          <a:effectRef idx="0">
+            <a:schemeClr val="accent1"/>
+          </a:effectRef>
+          <a:fontRef idx="minor">
+            <a:schemeClr val="tx1"/>
+          </a:fontRef>
+        </p:style>
+      </p:cxnSp>
+      <p:cxnSp>
+        <p:nvCxnSpPr>
+          <p:cNvPr id="69" name="Gerade Verbindung mit Pfeil 68"/>
+          <p:cNvCxnSpPr>
+            <a:stCxn id="66" idx="3"/>
+            <a:endCxn id="67" idx="1"/>
+          </p:cNvCxnSpPr>
+          <p:nvPr/>
+        </p:nvCxnSpPr>
+        <p:spPr>
+          <a:xfrm>
+            <a:off x="5923965" y="11269442"/>
+            <a:ext cx="556880" cy="0"/>
+          </a:xfrm>
+          <a:prstGeom prst="straightConnector1">
+            <a:avLst/>
+          </a:prstGeom>
+          <a:ln w="38100">
+            <a:solidFill>
+              <a:schemeClr val="tx1"/>
+            </a:solidFill>
+            <a:headEnd type="none" w="med" len="med"/>
+            <a:tailEnd type="triangle" w="med" len="med"/>
+          </a:ln>
+        </p:spPr>
+        <p:style>
+          <a:lnRef idx="1">
+            <a:schemeClr val="accent1"/>
+          </a:lnRef>
+          <a:fillRef idx="0">
+            <a:schemeClr val="accent1"/>
+          </a:fillRef>
+          <a:effectRef idx="0">
+            <a:schemeClr val="accent1"/>
+          </a:effectRef>
+          <a:fontRef idx="minor">
+            <a:schemeClr val="tx1"/>
+          </a:fontRef>
+        </p:style>
+      </p:cxnSp>
+      <p:cxnSp>
+        <p:nvCxnSpPr>
+          <p:cNvPr id="70" name="Gerade Verbindung mit Pfeil 69"/>
+          <p:cNvCxnSpPr>
+            <a:stCxn id="63" idx="2"/>
+            <a:endCxn id="66" idx="0"/>
+          </p:cNvCxnSpPr>
+          <p:nvPr/>
+        </p:nvCxnSpPr>
+        <p:spPr>
+          <a:xfrm flipH="1">
+            <a:off x="4807842" y="10513358"/>
+            <a:ext cx="1" cy="504056"/>
+          </a:xfrm>
+          <a:prstGeom prst="straightConnector1">
+            <a:avLst/>
+          </a:prstGeom>
+          <a:ln w="38100">
+            <a:solidFill>
+              <a:schemeClr val="tx1"/>
+            </a:solidFill>
+            <a:headEnd type="none" w="med" len="med"/>
+            <a:tailEnd type="triangle" w="med" len="med"/>
+          </a:ln>
+        </p:spPr>
+        <p:style>
+          <a:lnRef idx="1">
+            <a:schemeClr val="accent1"/>
+          </a:lnRef>
+          <a:fillRef idx="0">
+            <a:schemeClr val="accent1"/>
+          </a:fillRef>
+          <a:effectRef idx="0">
+            <a:schemeClr val="accent1"/>
+          </a:effectRef>
+          <a:fontRef idx="minor">
+            <a:schemeClr val="tx1"/>
+          </a:fontRef>
+        </p:style>
+      </p:cxnSp>
+      <p:sp>
+        <p:nvSpPr>
+          <p:cNvPr id="100" name="Abgerundetes Rechteck 99"/>
+          <p:cNvSpPr/>
+          <p:nvPr/>
+        </p:nvSpPr>
+        <p:spPr>
+          <a:xfrm>
+            <a:off x="6480845" y="10009302"/>
+            <a:ext cx="1741121" cy="504056"/>
+          </a:xfrm>
+          <a:prstGeom prst="roundRect">
+            <a:avLst/>
+          </a:prstGeom>
+          <a:solidFill>
+            <a:schemeClr val="accent1">
+              <a:lumMod val="40000"/>
+              <a:lumOff val="60000"/>
+            </a:schemeClr>
+          </a:solidFill>
+        </p:spPr>
+        <p:style>
+          <a:lnRef idx="2">
+            <a:schemeClr val="accent1">
+              <a:shade val="50000"/>
+            </a:schemeClr>
+          </a:lnRef>
+          <a:fillRef idx="1">
+            <a:schemeClr val="accent1"/>
+          </a:fillRef>
+          <a:effectRef idx="0">
+            <a:schemeClr val="accent1"/>
+          </a:effectRef>
+          <a:fontRef idx="minor">
+            <a:schemeClr val="lt1"/>
+          </a:fontRef>
+        </p:style>
+        <p:txBody>
+          <a:bodyPr lIns="0" tIns="72000" rIns="0" bIns="72000" rtlCol="0" anchor="ctr"/>
+          <a:lstStyle/>
+          <a:p>
+            <a:pPr algn="ctr"/>
+            <a:r>
+              <a:rPr lang="de-DE" sz="1800" dirty="0" smtClean="0">
+                <a:solidFill>
+                  <a:schemeClr val="tx1"/>
+                </a:solidFill>
+              </a:rPr>
+              <a:t>Interpretation</a:t>
+            </a:r>
+            <a:endParaRPr lang="de-DE" sz="1800" i="1" baseline="-25000" dirty="0">
+              <a:solidFill>
+                <a:schemeClr val="tx1"/>
+              </a:solidFill>
+            </a:endParaRPr>
+          </a:p>
+        </p:txBody>
+      </p:sp>
+      <p:cxnSp>
+        <p:nvCxnSpPr>
+          <p:cNvPr id="101" name="Gerade Verbindung mit Pfeil 100"/>
+          <p:cNvCxnSpPr>
+            <a:stCxn id="100" idx="2"/>
+            <a:endCxn id="67" idx="0"/>
+          </p:cNvCxnSpPr>
+          <p:nvPr/>
+        </p:nvCxnSpPr>
+        <p:spPr>
+          <a:xfrm>
+            <a:off x="7351406" y="10513358"/>
+            <a:ext cx="0" cy="504056"/>
+          </a:xfrm>
+          <a:prstGeom prst="straightConnector1">
+            <a:avLst/>
+          </a:prstGeom>
+          <a:ln w="38100">
+            <a:solidFill>
+              <a:schemeClr val="tx1"/>
+            </a:solidFill>
+            <a:headEnd type="none" w="med" len="med"/>
+            <a:tailEnd type="triangle" w="med" len="med"/>
+          </a:ln>
+        </p:spPr>
+        <p:style>
+          <a:lnRef idx="1">
+            <a:schemeClr val="accent1"/>
+          </a:lnRef>
+          <a:fillRef idx="0">
+            <a:schemeClr val="accent1"/>
+          </a:fillRef>
+          <a:effectRef idx="0">
+            <a:schemeClr val="accent1"/>
+          </a:effectRef>
+          <a:fontRef idx="minor">
+            <a:schemeClr val="tx1"/>
+          </a:fontRef>
+        </p:style>
+      </p:cxnSp>
+      <p:sp>
+        <p:nvSpPr>
+          <p:cNvPr id="107" name="Abgerundetes Rechteck 106"/>
+          <p:cNvSpPr/>
+          <p:nvPr/>
+        </p:nvSpPr>
+        <p:spPr>
+          <a:xfrm>
+            <a:off x="2312816" y="15805845"/>
+            <a:ext cx="1885135" cy="504056"/>
+          </a:xfrm>
+          <a:prstGeom prst="roundRect">
+            <a:avLst/>
+          </a:prstGeom>
+          <a:solidFill>
+            <a:schemeClr val="accent6"/>
+          </a:solidFill>
+          <a:ln>
+            <a:solidFill>
+              <a:schemeClr val="accent6">
+                <a:lumMod val="75000"/>
+              </a:schemeClr>
+            </a:solidFill>
+          </a:ln>
+        </p:spPr>
+        <p:style>
+          <a:lnRef idx="2">
+            <a:schemeClr val="accent1">
+              <a:shade val="50000"/>
+            </a:schemeClr>
+          </a:lnRef>
+          <a:fillRef idx="1">
+            <a:schemeClr val="accent1"/>
+          </a:fillRef>
+          <a:effectRef idx="0">
+            <a:schemeClr val="accent1"/>
+          </a:effectRef>
+          <a:fontRef idx="minor">
+            <a:schemeClr val="lt1"/>
+          </a:fontRef>
+        </p:style>
+        <p:txBody>
+          <a:bodyPr lIns="0" tIns="72000" rIns="0" bIns="72000" rtlCol="0" anchor="ctr"/>
+          <a:lstStyle/>
+          <a:p>
+            <a:pPr algn="ctr"/>
+            <a:r>
+              <a:rPr lang="de-DE" sz="1800" dirty="0" smtClean="0">
+                <a:solidFill>
+                  <a:schemeClr val="tx1"/>
+                </a:solidFill>
+              </a:rPr>
+              <a:t>Agenten</a:t>
+            </a:r>
+            <a:endParaRPr lang="de-DE" sz="1800" i="1" baseline="-25000" dirty="0">
+              <a:solidFill>
+                <a:schemeClr val="tx1"/>
+              </a:solidFill>
+            </a:endParaRPr>
+          </a:p>
+        </p:txBody>
+      </p:sp>
+      <p:cxnSp>
+        <p:nvCxnSpPr>
+          <p:cNvPr id="153" name="Gewinkelte Verbindung 152"/>
+          <p:cNvCxnSpPr>
+            <a:stCxn id="107" idx="3"/>
+            <a:endCxn id="105" idx="2"/>
+          </p:cNvCxnSpPr>
+          <p:nvPr/>
+        </p:nvCxnSpPr>
+        <p:spPr>
+          <a:xfrm flipV="1">
+            <a:off x="4197951" y="14509838"/>
+            <a:ext cx="2282894" cy="1548035"/>
+          </a:xfrm>
+          <a:prstGeom prst="bentConnector2">
+            <a:avLst/>
+          </a:prstGeom>
+          <a:ln w="38100">
+            <a:solidFill>
+              <a:schemeClr val="tx1"/>
+            </a:solidFill>
+            <a:headEnd type="none" w="med" len="med"/>
+            <a:tailEnd type="triangle" w="med" len="med"/>
+          </a:ln>
+        </p:spPr>
+        <p:style>
+          <a:lnRef idx="1">
+            <a:schemeClr val="accent1"/>
+          </a:lnRef>
+          <a:fillRef idx="0">
+            <a:schemeClr val="accent1"/>
+          </a:fillRef>
+          <a:effectRef idx="0">
+            <a:schemeClr val="accent1"/>
+          </a:effectRef>
+          <a:fontRef idx="minor">
+            <a:schemeClr val="tx1"/>
+          </a:fontRef>
+        </p:style>
+      </p:cxnSp>
+      <p:sp>
+        <p:nvSpPr>
+          <p:cNvPr id="161" name="Abgerundetes Rechteck 160"/>
+          <p:cNvSpPr/>
+          <p:nvPr/>
+        </p:nvSpPr>
+        <p:spPr>
+          <a:xfrm>
+            <a:off x="6480845" y="14509838"/>
+            <a:ext cx="1116124" cy="1548035"/>
+          </a:xfrm>
+          <a:prstGeom prst="roundRect">
+            <a:avLst/>
+          </a:prstGeom>
+          <a:noFill/>
+          <a:ln>
+            <a:noFill/>
+          </a:ln>
+        </p:spPr>
+        <p:style>
+          <a:lnRef idx="2">
+            <a:schemeClr val="accent1">
+              <a:shade val="50000"/>
+            </a:schemeClr>
+          </a:lnRef>
+          <a:fillRef idx="1">
+            <a:schemeClr val="accent1"/>
+          </a:fillRef>
+          <a:effectRef idx="0">
+            <a:schemeClr val="accent1"/>
+          </a:effectRef>
+          <a:fontRef idx="minor">
+            <a:schemeClr val="lt1"/>
+          </a:fontRef>
+        </p:style>
+        <p:txBody>
+          <a:bodyPr lIns="0" tIns="72000" rIns="0" bIns="72000" rtlCol="0" anchor="ctr"/>
+          <a:lstStyle/>
+          <a:p>
+            <a:pPr algn="ctr"/>
+            <a:r>
+              <a:rPr lang="de-DE" sz="1800" dirty="0" smtClean="0">
+                <a:solidFill>
+                  <a:schemeClr val="tx1"/>
+                </a:solidFill>
+              </a:rPr>
+              <a:t>Aktion</a:t>
+            </a:r>
+            <a:endParaRPr lang="de-DE" sz="1800" i="1" baseline="-25000" dirty="0">
+              <a:solidFill>
+                <a:schemeClr val="tx1"/>
+              </a:solidFill>
+            </a:endParaRPr>
+          </a:p>
+        </p:txBody>
+      </p:sp>
+      <p:sp>
+        <p:nvSpPr>
+          <p:cNvPr id="162" name="Abgerundetes Rechteck 161"/>
+          <p:cNvSpPr/>
+          <p:nvPr/>
+        </p:nvSpPr>
+        <p:spPr>
+          <a:xfrm>
+            <a:off x="3727617" y="13537695"/>
+            <a:ext cx="1286656" cy="2268152"/>
+          </a:xfrm>
+          <a:prstGeom prst="roundRect">
+            <a:avLst/>
+          </a:prstGeom>
+          <a:noFill/>
+          <a:ln>
+            <a:noFill/>
+          </a:ln>
+        </p:spPr>
+        <p:style>
+          <a:lnRef idx="2">
+            <a:schemeClr val="accent1">
+              <a:shade val="50000"/>
+            </a:schemeClr>
+          </a:lnRef>
+          <a:fillRef idx="1">
+            <a:schemeClr val="accent1"/>
+          </a:fillRef>
+          <a:effectRef idx="0">
+            <a:schemeClr val="accent1"/>
+          </a:effectRef>
+          <a:fontRef idx="minor">
+            <a:schemeClr val="lt1"/>
+          </a:fontRef>
+        </p:style>
+        <p:txBody>
+          <a:bodyPr lIns="0" tIns="72000" rIns="0" bIns="72000" rtlCol="0" anchor="ctr"/>
+          <a:lstStyle/>
+          <a:p>
+            <a:pPr algn="ctr"/>
+            <a:r>
+              <a:rPr lang="de-DE" sz="1800" dirty="0" smtClean="0">
+                <a:solidFill>
+                  <a:schemeClr val="tx1"/>
+                </a:solidFill>
+              </a:rPr>
+              <a:t>Zustand</a:t>
+            </a:r>
+            <a:endParaRPr lang="de-DE" sz="1800" i="1" baseline="-25000" dirty="0">
+              <a:solidFill>
+                <a:schemeClr val="tx1"/>
+              </a:solidFill>
+            </a:endParaRPr>
+          </a:p>
+        </p:txBody>
+      </p:sp>
+      <p:sp>
+        <p:nvSpPr>
+          <p:cNvPr id="163" name="Abgerundetes Rechteck 162"/>
+          <p:cNvSpPr/>
+          <p:nvPr/>
+        </p:nvSpPr>
+        <p:spPr>
+          <a:xfrm>
+            <a:off x="1393720" y="13537694"/>
+            <a:ext cx="1390697" cy="2268152"/>
+          </a:xfrm>
+          <a:prstGeom prst="roundRect">
+            <a:avLst/>
+          </a:prstGeom>
+          <a:noFill/>
+          <a:ln>
+            <a:noFill/>
+          </a:ln>
+        </p:spPr>
+        <p:style>
+          <a:lnRef idx="2">
+            <a:schemeClr val="accent1">
+              <a:shade val="50000"/>
+            </a:schemeClr>
+          </a:lnRef>
+          <a:fillRef idx="1">
+            <a:schemeClr val="accent1"/>
+          </a:fillRef>
+          <a:effectRef idx="0">
+            <a:schemeClr val="accent1"/>
+          </a:effectRef>
+          <a:fontRef idx="minor">
+            <a:schemeClr val="lt1"/>
+          </a:fontRef>
+        </p:style>
+        <p:txBody>
+          <a:bodyPr lIns="0" tIns="72000" rIns="0" bIns="72000" rtlCol="0" anchor="ctr"/>
+          <a:lstStyle/>
+          <a:p>
+            <a:pPr algn="ctr"/>
+            <a:r>
+              <a:rPr lang="de-DE" sz="1800" dirty="0" smtClean="0">
+                <a:solidFill>
+                  <a:schemeClr val="tx1"/>
+                </a:solidFill>
+              </a:rPr>
+              <a:t>Belohnung</a:t>
+            </a:r>
+            <a:endParaRPr lang="de-DE" sz="1800" i="1" baseline="-25000" dirty="0">
+              <a:solidFill>
+                <a:schemeClr val="tx1"/>
+              </a:solidFill>
+            </a:endParaRPr>
+          </a:p>
+        </p:txBody>
+      </p:sp>
+      <p:cxnSp>
+        <p:nvCxnSpPr>
+          <p:cNvPr id="176" name="Gewinkelte Verbindung 175"/>
+          <p:cNvCxnSpPr>
+            <a:stCxn id="190" idx="2"/>
+            <a:endCxn id="183" idx="1"/>
+          </p:cNvCxnSpPr>
+          <p:nvPr/>
+        </p:nvCxnSpPr>
+        <p:spPr>
+          <a:xfrm rot="16200000" flipH="1">
+            <a:off x="11515466" y="11532000"/>
+            <a:ext cx="819743" cy="942567"/>
+          </a:xfrm>
+          <a:prstGeom prst="bentConnector2">
+            <a:avLst/>
+          </a:prstGeom>
+          <a:ln w="38100">
+            <a:solidFill>
+              <a:schemeClr val="tx1"/>
+            </a:solidFill>
+            <a:headEnd type="none" w="med" len="med"/>
+            <a:tailEnd type="triangle" w="med" len="med"/>
+          </a:ln>
+        </p:spPr>
+        <p:style>
+          <a:lnRef idx="1">
+            <a:schemeClr val="accent1"/>
+          </a:lnRef>
+          <a:fillRef idx="0">
+            <a:schemeClr val="accent1"/>
+          </a:fillRef>
+          <a:effectRef idx="0">
+            <a:schemeClr val="accent1"/>
+          </a:effectRef>
+          <a:fontRef idx="minor">
+            <a:schemeClr val="tx1"/>
+          </a:fontRef>
+        </p:style>
+      </p:cxnSp>
+      <p:cxnSp>
+        <p:nvCxnSpPr>
+          <p:cNvPr id="177" name="Gewinkelte Verbindung 176"/>
+          <p:cNvCxnSpPr>
+            <a:stCxn id="192" idx="2"/>
+            <a:endCxn id="183" idx="3"/>
+          </p:cNvCxnSpPr>
+          <p:nvPr/>
+        </p:nvCxnSpPr>
+        <p:spPr>
+          <a:xfrm rot="5400000">
+            <a:off x="14748321" y="11533636"/>
+            <a:ext cx="841390" cy="917650"/>
+          </a:xfrm>
+          <a:prstGeom prst="bentConnector2">
+            <a:avLst/>
+          </a:prstGeom>
+          <a:ln w="38100">
+            <a:solidFill>
+              <a:schemeClr val="tx1"/>
+            </a:solidFill>
+            <a:headEnd type="none" w="med" len="med"/>
+            <a:tailEnd type="triangle" w="med" len="med"/>
+          </a:ln>
+        </p:spPr>
+        <p:style>
+          <a:lnRef idx="1">
+            <a:schemeClr val="accent1"/>
+          </a:lnRef>
+          <a:fillRef idx="0">
+            <a:schemeClr val="accent1"/>
+          </a:fillRef>
+          <a:effectRef idx="0">
+            <a:schemeClr val="accent1"/>
+          </a:effectRef>
+          <a:fontRef idx="minor">
+            <a:schemeClr val="tx1"/>
+          </a:fontRef>
+        </p:style>
+      </p:cxnSp>
+      <p:sp>
+        <p:nvSpPr>
+          <p:cNvPr id="183" name="Abgerundetes Rechteck 182"/>
+          <p:cNvSpPr/>
+          <p:nvPr/>
+        </p:nvSpPr>
+        <p:spPr>
+          <a:xfrm>
+            <a:off x="12396621" y="12161128"/>
+            <a:ext cx="2313570" cy="504056"/>
+          </a:xfrm>
+          <a:prstGeom prst="roundRect">
+            <a:avLst/>
+          </a:prstGeom>
+          <a:solidFill>
+            <a:schemeClr val="accent6"/>
+          </a:solidFill>
+          <a:ln>
+            <a:solidFill>
+              <a:schemeClr val="accent6">
+                <a:lumMod val="75000"/>
+              </a:schemeClr>
+            </a:solidFill>
+          </a:ln>
+        </p:spPr>
+        <p:style>
+          <a:lnRef idx="2">
+            <a:schemeClr val="accent1">
+              <a:shade val="50000"/>
+            </a:schemeClr>
+          </a:lnRef>
+          <a:fillRef idx="1">
+            <a:schemeClr val="accent1"/>
+          </a:fillRef>
+          <a:effectRef idx="0">
+            <a:schemeClr val="accent1"/>
+          </a:effectRef>
+          <a:fontRef idx="minor">
+            <a:schemeClr val="lt1"/>
+          </a:fontRef>
+        </p:style>
+        <p:txBody>
+          <a:bodyPr lIns="0" tIns="72000" rIns="0" bIns="72000" rtlCol="0" anchor="ctr"/>
+          <a:lstStyle/>
+          <a:p>
+            <a:pPr algn="ctr"/>
+            <a:r>
+              <a:rPr lang="de-DE" sz="1800" dirty="0" smtClean="0">
+                <a:solidFill>
+                  <a:schemeClr val="tx1"/>
+                </a:solidFill>
+              </a:rPr>
+              <a:t>Agenten</a:t>
+            </a:r>
+            <a:endParaRPr lang="de-DE" sz="1800" i="1" baseline="-25000" dirty="0">
+              <a:solidFill>
+                <a:schemeClr val="tx1"/>
+              </a:solidFill>
+            </a:endParaRPr>
+          </a:p>
+        </p:txBody>
+      </p:sp>
+      <p:sp>
+        <p:nvSpPr>
+          <p:cNvPr id="186" name="Abgerundetes Rechteck 185"/>
+          <p:cNvSpPr/>
+          <p:nvPr/>
+        </p:nvSpPr>
+        <p:spPr>
+          <a:xfrm>
+            <a:off x="10167398" y="11571766"/>
+            <a:ext cx="1286656" cy="841391"/>
+          </a:xfrm>
+          <a:prstGeom prst="roundRect">
+            <a:avLst/>
+          </a:prstGeom>
+          <a:noFill/>
+          <a:ln>
+            <a:noFill/>
+          </a:ln>
+        </p:spPr>
+        <p:style>
+          <a:lnRef idx="2">
+            <a:schemeClr val="accent1">
+              <a:shade val="50000"/>
+            </a:schemeClr>
+          </a:lnRef>
+          <a:fillRef idx="1">
+            <a:schemeClr val="accent1"/>
+          </a:fillRef>
+          <a:effectRef idx="0">
+            <a:schemeClr val="accent1"/>
+          </a:effectRef>
+          <a:fontRef idx="minor">
+            <a:schemeClr val="lt1"/>
+          </a:fontRef>
+        </p:style>
+        <p:txBody>
+          <a:bodyPr lIns="0" tIns="72000" rIns="0" bIns="72000" rtlCol="0" anchor="ctr"/>
+          <a:lstStyle/>
+          <a:p>
+            <a:pPr algn="ctr"/>
+            <a:r>
+              <a:rPr lang="de-DE" sz="1800" dirty="0" smtClean="0">
+                <a:solidFill>
+                  <a:schemeClr val="tx1"/>
+                </a:solidFill>
+              </a:rPr>
+              <a:t>Zustand</a:t>
+            </a:r>
+            <a:endParaRPr lang="de-DE" sz="1800" i="1" baseline="-25000" dirty="0">
+              <a:solidFill>
+                <a:schemeClr val="tx1"/>
+              </a:solidFill>
+            </a:endParaRPr>
+          </a:p>
+        </p:txBody>
+      </p:sp>
+      <p:sp>
+        <p:nvSpPr>
+          <p:cNvPr id="187" name="Abgerundetes Rechteck 186"/>
+          <p:cNvSpPr/>
+          <p:nvPr/>
+        </p:nvSpPr>
+        <p:spPr>
+          <a:xfrm>
+            <a:off x="15627842" y="11593412"/>
+            <a:ext cx="1425910" cy="819745"/>
+          </a:xfrm>
+          <a:prstGeom prst="roundRect">
+            <a:avLst/>
+          </a:prstGeom>
+          <a:noFill/>
+          <a:ln>
+            <a:noFill/>
+          </a:ln>
+        </p:spPr>
+        <p:style>
+          <a:lnRef idx="2">
+            <a:schemeClr val="accent1">
+              <a:shade val="50000"/>
+            </a:schemeClr>
+          </a:lnRef>
+          <a:fillRef idx="1">
+            <a:schemeClr val="accent1"/>
+          </a:fillRef>
+          <a:effectRef idx="0">
+            <a:schemeClr val="accent1"/>
+          </a:effectRef>
+          <a:fontRef idx="minor">
+            <a:schemeClr val="lt1"/>
+          </a:fontRef>
+        </p:style>
+        <p:txBody>
+          <a:bodyPr lIns="0" tIns="72000" rIns="0" bIns="72000" rtlCol="0" anchor="ctr"/>
+          <a:lstStyle/>
+          <a:p>
+            <a:pPr algn="ctr"/>
+            <a:r>
+              <a:rPr lang="de-DE" sz="1800" dirty="0" smtClean="0">
+                <a:solidFill>
+                  <a:schemeClr val="tx1"/>
+                </a:solidFill>
+              </a:rPr>
+              <a:t>Belohnung</a:t>
+            </a:r>
+            <a:endParaRPr lang="de-DE" sz="1800" i="1" baseline="-25000" dirty="0">
+              <a:solidFill>
+                <a:schemeClr val="tx1"/>
+              </a:solidFill>
+            </a:endParaRPr>
+          </a:p>
+        </p:txBody>
+      </p:sp>
+      <p:sp>
+        <p:nvSpPr>
+          <p:cNvPr id="190" name="Abgerundetes Rechteck 189"/>
+          <p:cNvSpPr/>
+          <p:nvPr/>
+        </p:nvSpPr>
+        <p:spPr>
+          <a:xfrm>
+            <a:off x="10297269" y="11089357"/>
+            <a:ext cx="2313570" cy="504056"/>
+          </a:xfrm>
+          <a:prstGeom prst="roundRect">
+            <a:avLst/>
+          </a:prstGeom>
+          <a:solidFill>
+            <a:schemeClr val="accent1">
+              <a:lumMod val="40000"/>
+              <a:lumOff val="60000"/>
+            </a:schemeClr>
+          </a:solidFill>
+        </p:spPr>
+        <p:style>
+          <a:lnRef idx="2">
+            <a:schemeClr val="accent1">
+              <a:shade val="50000"/>
+            </a:schemeClr>
+          </a:lnRef>
+          <a:fillRef idx="1">
+            <a:schemeClr val="accent1"/>
+          </a:fillRef>
+          <a:effectRef idx="0">
+            <a:schemeClr val="accent1"/>
+          </a:effectRef>
+          <a:fontRef idx="minor">
+            <a:schemeClr val="lt1"/>
+          </a:fontRef>
+        </p:style>
+        <p:txBody>
+          <a:bodyPr lIns="0" tIns="72000" rIns="0" bIns="72000" rtlCol="0" anchor="ctr"/>
+          <a:lstStyle/>
+          <a:p>
+            <a:pPr algn="ctr"/>
+            <a:r>
+              <a:rPr lang="de-DE" sz="1800" dirty="0" smtClean="0">
+                <a:solidFill>
+                  <a:schemeClr val="tx1"/>
+                </a:solidFill>
+              </a:rPr>
+              <a:t>Umgebung</a:t>
+            </a:r>
+            <a:endParaRPr lang="de-DE" sz="1800" i="1" baseline="-25000" dirty="0">
+              <a:solidFill>
+                <a:schemeClr val="tx1"/>
+              </a:solidFill>
+            </a:endParaRPr>
+          </a:p>
+        </p:txBody>
+      </p:sp>
+      <p:sp>
+        <p:nvSpPr>
+          <p:cNvPr id="191" name="Abgerundetes Rechteck 190"/>
+          <p:cNvSpPr/>
+          <p:nvPr/>
+        </p:nvSpPr>
+        <p:spPr>
+          <a:xfrm>
+            <a:off x="12396621" y="13484929"/>
+            <a:ext cx="2313570" cy="504056"/>
+          </a:xfrm>
+          <a:prstGeom prst="roundRect">
+            <a:avLst/>
+          </a:prstGeom>
+          <a:solidFill>
+            <a:schemeClr val="accent1">
+              <a:lumMod val="40000"/>
+              <a:lumOff val="60000"/>
+            </a:schemeClr>
+          </a:solidFill>
+        </p:spPr>
+        <p:style>
+          <a:lnRef idx="2">
+            <a:schemeClr val="accent1">
+              <a:shade val="50000"/>
+            </a:schemeClr>
+          </a:lnRef>
+          <a:fillRef idx="1">
+            <a:schemeClr val="accent1"/>
+          </a:fillRef>
+          <a:effectRef idx="0">
+            <a:schemeClr val="accent1"/>
+          </a:effectRef>
+          <a:fontRef idx="minor">
+            <a:schemeClr val="lt1"/>
+          </a:fontRef>
+        </p:style>
+        <p:txBody>
+          <a:bodyPr lIns="0" tIns="72000" rIns="0" bIns="72000" rtlCol="0" anchor="ctr"/>
+          <a:lstStyle/>
+          <a:p>
+            <a:pPr algn="ctr"/>
+            <a:r>
+              <a:rPr lang="de-DE" sz="1800" dirty="0" smtClean="0">
+                <a:solidFill>
+                  <a:schemeClr val="tx1"/>
+                </a:solidFill>
+              </a:rPr>
+              <a:t>Verhalten</a:t>
+            </a:r>
+            <a:endParaRPr lang="de-DE" sz="1800" i="1" baseline="-25000" dirty="0">
+              <a:solidFill>
+                <a:schemeClr val="tx1"/>
+              </a:solidFill>
+            </a:endParaRPr>
+          </a:p>
+        </p:txBody>
+      </p:sp>
+      <p:sp>
+        <p:nvSpPr>
+          <p:cNvPr id="192" name="Abgerundetes Rechteck 191"/>
+          <p:cNvSpPr/>
+          <p:nvPr/>
+        </p:nvSpPr>
+        <p:spPr>
+          <a:xfrm>
+            <a:off x="14471056" y="11067710"/>
+            <a:ext cx="2313570" cy="504056"/>
+          </a:xfrm>
+          <a:prstGeom prst="roundRect">
+            <a:avLst/>
+          </a:prstGeom>
+          <a:solidFill>
+            <a:schemeClr val="accent1">
+              <a:lumMod val="40000"/>
+              <a:lumOff val="60000"/>
+            </a:schemeClr>
+          </a:solidFill>
+        </p:spPr>
+        <p:style>
+          <a:lnRef idx="2">
+            <a:schemeClr val="accent1">
+              <a:shade val="50000"/>
+            </a:schemeClr>
+          </a:lnRef>
+          <a:fillRef idx="1">
+            <a:schemeClr val="accent1"/>
+          </a:fillRef>
+          <a:effectRef idx="0">
+            <a:schemeClr val="accent1"/>
+          </a:effectRef>
+          <a:fontRef idx="minor">
+            <a:schemeClr val="lt1"/>
+          </a:fontRef>
+        </p:style>
+        <p:txBody>
+          <a:bodyPr lIns="0" tIns="72000" rIns="0" bIns="72000" rtlCol="0" anchor="ctr"/>
+          <a:lstStyle/>
+          <a:p>
+            <a:pPr algn="ctr"/>
+            <a:r>
+              <a:rPr lang="de-DE" sz="1800" dirty="0" smtClean="0">
+                <a:solidFill>
+                  <a:schemeClr val="tx1"/>
+                </a:solidFill>
+              </a:rPr>
+              <a:t>Belohnungsfunktion</a:t>
+            </a:r>
+            <a:endParaRPr lang="de-DE" sz="1800" i="1" baseline="-25000" dirty="0">
+              <a:solidFill>
+                <a:schemeClr val="tx1"/>
+              </a:solidFill>
+            </a:endParaRPr>
+          </a:p>
+        </p:txBody>
+      </p:sp>
+      <p:cxnSp>
+        <p:nvCxnSpPr>
+          <p:cNvPr id="208" name="Gerade Verbindung mit Pfeil 207"/>
+          <p:cNvCxnSpPr>
+            <a:stCxn id="183" idx="2"/>
+            <a:endCxn id="191" idx="0"/>
+          </p:cNvCxnSpPr>
+          <p:nvPr/>
+        </p:nvCxnSpPr>
+        <p:spPr>
+          <a:xfrm>
+            <a:off x="13553406" y="12665184"/>
+            <a:ext cx="0" cy="819745"/>
+          </a:xfrm>
+          <a:prstGeom prst="straightConnector1">
+            <a:avLst/>
+          </a:prstGeom>
+          <a:ln w="38100">
+            <a:solidFill>
+              <a:schemeClr val="tx1"/>
+            </a:solidFill>
+            <a:headEnd type="none" w="med" len="med"/>
+            <a:tailEnd type="triangle" w="med" len="med"/>
+          </a:ln>
+        </p:spPr>
+        <p:style>
+          <a:lnRef idx="1">
+            <a:schemeClr val="accent1"/>
+          </a:lnRef>
+          <a:fillRef idx="0">
+            <a:schemeClr val="accent1"/>
+          </a:fillRef>
+          <a:effectRef idx="0">
+            <a:schemeClr val="accent1"/>
+          </a:effectRef>
+          <a:fontRef idx="minor">
+            <a:schemeClr val="tx1"/>
+          </a:fontRef>
+        </p:style>
+      </p:cxnSp>
+      <p:cxnSp>
+        <p:nvCxnSpPr>
+          <p:cNvPr id="214" name="Gewinkelte Verbindung 213"/>
+          <p:cNvCxnSpPr>
+            <a:stCxn id="219" idx="2"/>
+            <a:endCxn id="216" idx="1"/>
+          </p:cNvCxnSpPr>
+          <p:nvPr/>
+        </p:nvCxnSpPr>
+        <p:spPr>
+          <a:xfrm rot="16200000" flipH="1">
+            <a:off x="11515466" y="14916442"/>
+            <a:ext cx="819743" cy="942567"/>
+          </a:xfrm>
+          <a:prstGeom prst="bentConnector2">
+            <a:avLst/>
+          </a:prstGeom>
+          <a:ln w="38100">
+            <a:solidFill>
+              <a:schemeClr val="tx1"/>
+            </a:solidFill>
+            <a:headEnd type="none" w="med" len="med"/>
+            <a:tailEnd type="triangle" w="med" len="med"/>
+          </a:ln>
+        </p:spPr>
+        <p:style>
+          <a:lnRef idx="1">
+            <a:schemeClr val="accent1"/>
+          </a:lnRef>
+          <a:fillRef idx="0">
+            <a:schemeClr val="accent1"/>
+          </a:fillRef>
+          <a:effectRef idx="0">
+            <a:schemeClr val="accent1"/>
+          </a:effectRef>
+          <a:fontRef idx="minor">
+            <a:schemeClr val="tx1"/>
+          </a:fontRef>
+        </p:style>
+      </p:cxnSp>
+      <p:cxnSp>
+        <p:nvCxnSpPr>
+          <p:cNvPr id="215" name="Gewinkelte Verbindung 214"/>
+          <p:cNvCxnSpPr>
+            <a:stCxn id="216" idx="3"/>
+            <a:endCxn id="221" idx="2"/>
+          </p:cNvCxnSpPr>
+          <p:nvPr/>
+        </p:nvCxnSpPr>
+        <p:spPr>
+          <a:xfrm flipV="1">
+            <a:off x="14710191" y="14956208"/>
+            <a:ext cx="917650" cy="841390"/>
+          </a:xfrm>
+          <a:prstGeom prst="bentConnector2">
+            <a:avLst/>
+          </a:prstGeom>
+          <a:ln w="38100">
+            <a:solidFill>
+              <a:schemeClr val="tx1"/>
+            </a:solidFill>
+            <a:headEnd type="none" w="med" len="med"/>
+            <a:tailEnd type="triangle" w="med" len="med"/>
+          </a:ln>
+        </p:spPr>
+        <p:style>
+          <a:lnRef idx="1">
+            <a:schemeClr val="accent1"/>
+          </a:lnRef>
+          <a:fillRef idx="0">
+            <a:schemeClr val="accent1"/>
+          </a:fillRef>
+          <a:effectRef idx="0">
+            <a:schemeClr val="accent1"/>
+          </a:effectRef>
+          <a:fontRef idx="minor">
+            <a:schemeClr val="tx1"/>
+          </a:fontRef>
+        </p:style>
+      </p:cxnSp>
+      <p:sp>
+        <p:nvSpPr>
+          <p:cNvPr id="216" name="Abgerundetes Rechteck 215"/>
+          <p:cNvSpPr/>
+          <p:nvPr/>
+        </p:nvSpPr>
+        <p:spPr>
+          <a:xfrm>
+            <a:off x="12396621" y="15545570"/>
+            <a:ext cx="2313570" cy="504056"/>
+          </a:xfrm>
+          <a:prstGeom prst="roundRect">
+            <a:avLst/>
+          </a:prstGeom>
+          <a:solidFill>
+            <a:schemeClr val="accent6"/>
+          </a:solidFill>
+          <a:ln>
+            <a:solidFill>
+              <a:schemeClr val="accent6">
+                <a:lumMod val="75000"/>
+              </a:schemeClr>
+            </a:solidFill>
+          </a:ln>
+        </p:spPr>
+        <p:style>
+          <a:lnRef idx="2">
+            <a:schemeClr val="accent1">
+              <a:shade val="50000"/>
+            </a:schemeClr>
+          </a:lnRef>
+          <a:fillRef idx="1">
+            <a:schemeClr val="accent1"/>
+          </a:fillRef>
+          <a:effectRef idx="0">
+            <a:schemeClr val="accent1"/>
+          </a:effectRef>
+          <a:fontRef idx="minor">
+            <a:schemeClr val="lt1"/>
+          </a:fontRef>
+        </p:style>
+        <p:txBody>
+          <a:bodyPr lIns="0" tIns="72000" rIns="0" bIns="72000" rtlCol="0" anchor="ctr"/>
+          <a:lstStyle/>
+          <a:p>
+            <a:pPr algn="ctr"/>
+            <a:r>
+              <a:rPr lang="de-DE" sz="1800" dirty="0" smtClean="0">
+                <a:solidFill>
+                  <a:schemeClr val="tx1"/>
+                </a:solidFill>
+              </a:rPr>
+              <a:t>Agenten</a:t>
+            </a:r>
+            <a:endParaRPr lang="de-DE" sz="1800" i="1" baseline="-25000" dirty="0">
+              <a:solidFill>
+                <a:schemeClr val="tx1"/>
+              </a:solidFill>
+            </a:endParaRPr>
+          </a:p>
+        </p:txBody>
+      </p:sp>
+      <p:sp>
+        <p:nvSpPr>
+          <p:cNvPr id="217" name="Abgerundetes Rechteck 216"/>
+          <p:cNvSpPr/>
+          <p:nvPr/>
+        </p:nvSpPr>
+        <p:spPr>
+          <a:xfrm>
+            <a:off x="10167398" y="14956208"/>
+            <a:ext cx="1286656" cy="841391"/>
+          </a:xfrm>
+          <a:prstGeom prst="roundRect">
+            <a:avLst/>
+          </a:prstGeom>
+          <a:noFill/>
+          <a:ln>
+            <a:noFill/>
+          </a:ln>
+        </p:spPr>
+        <p:style>
+          <a:lnRef idx="2">
+            <a:schemeClr val="accent1">
+              <a:shade val="50000"/>
+            </a:schemeClr>
+          </a:lnRef>
+          <a:fillRef idx="1">
+            <a:schemeClr val="accent1"/>
+          </a:fillRef>
+          <a:effectRef idx="0">
+            <a:schemeClr val="accent1"/>
+          </a:effectRef>
+          <a:fontRef idx="minor">
+            <a:schemeClr val="lt1"/>
+          </a:fontRef>
+        </p:style>
+        <p:txBody>
+          <a:bodyPr lIns="0" tIns="72000" rIns="0" bIns="72000" rtlCol="0" anchor="ctr"/>
+          <a:lstStyle/>
+          <a:p>
+            <a:pPr algn="ctr"/>
+            <a:r>
+              <a:rPr lang="de-DE" sz="1800" dirty="0" smtClean="0">
+                <a:solidFill>
+                  <a:schemeClr val="tx1"/>
+                </a:solidFill>
+              </a:rPr>
+              <a:t>Zustand</a:t>
+            </a:r>
+            <a:endParaRPr lang="de-DE" sz="1800" i="1" baseline="-25000" dirty="0">
+              <a:solidFill>
+                <a:schemeClr val="tx1"/>
+              </a:solidFill>
+            </a:endParaRPr>
+          </a:p>
+        </p:txBody>
+      </p:sp>
+      <p:sp>
+        <p:nvSpPr>
+          <p:cNvPr id="218" name="Abgerundetes Rechteck 217"/>
+          <p:cNvSpPr/>
+          <p:nvPr/>
+        </p:nvSpPr>
+        <p:spPr>
+          <a:xfrm>
+            <a:off x="15627842" y="14977854"/>
+            <a:ext cx="1425910" cy="819745"/>
+          </a:xfrm>
+          <a:prstGeom prst="roundRect">
+            <a:avLst/>
+          </a:prstGeom>
+          <a:noFill/>
+          <a:ln>
+            <a:noFill/>
+          </a:ln>
+        </p:spPr>
+        <p:style>
+          <a:lnRef idx="2">
+            <a:schemeClr val="accent1">
+              <a:shade val="50000"/>
+            </a:schemeClr>
+          </a:lnRef>
+          <a:fillRef idx="1">
+            <a:schemeClr val="accent1"/>
+          </a:fillRef>
+          <a:effectRef idx="0">
+            <a:schemeClr val="accent1"/>
+          </a:effectRef>
+          <a:fontRef idx="minor">
+            <a:schemeClr val="lt1"/>
+          </a:fontRef>
+        </p:style>
+        <p:txBody>
+          <a:bodyPr lIns="0" tIns="72000" rIns="0" bIns="72000" rtlCol="0" anchor="ctr"/>
+          <a:lstStyle/>
+          <a:p>
+            <a:pPr algn="ctr"/>
+            <a:r>
+              <a:rPr lang="de-DE" sz="1800" dirty="0" smtClean="0">
+                <a:solidFill>
+                  <a:schemeClr val="tx1"/>
+                </a:solidFill>
+              </a:rPr>
+              <a:t>Belohnung</a:t>
+            </a:r>
+            <a:endParaRPr lang="de-DE" sz="1800" i="1" baseline="-25000" dirty="0">
+              <a:solidFill>
+                <a:schemeClr val="tx1"/>
+              </a:solidFill>
+            </a:endParaRPr>
+          </a:p>
+        </p:txBody>
+      </p:sp>
+      <p:sp>
+        <p:nvSpPr>
+          <p:cNvPr id="219" name="Abgerundetes Rechteck 218"/>
+          <p:cNvSpPr/>
+          <p:nvPr/>
+        </p:nvSpPr>
+        <p:spPr>
+          <a:xfrm>
+            <a:off x="10297269" y="14473799"/>
+            <a:ext cx="2313570" cy="504056"/>
+          </a:xfrm>
+          <a:prstGeom prst="roundRect">
+            <a:avLst/>
+          </a:prstGeom>
+          <a:solidFill>
+            <a:schemeClr val="accent1">
+              <a:lumMod val="40000"/>
+              <a:lumOff val="60000"/>
+            </a:schemeClr>
+          </a:solidFill>
+        </p:spPr>
+        <p:style>
+          <a:lnRef idx="2">
+            <a:schemeClr val="accent1">
+              <a:shade val="50000"/>
+            </a:schemeClr>
+          </a:lnRef>
+          <a:fillRef idx="1">
+            <a:schemeClr val="accent1"/>
+          </a:fillRef>
+          <a:effectRef idx="0">
+            <a:schemeClr val="accent1"/>
+          </a:effectRef>
+          <a:fontRef idx="minor">
+            <a:schemeClr val="lt1"/>
+          </a:fontRef>
+        </p:style>
+        <p:txBody>
+          <a:bodyPr lIns="0" tIns="72000" rIns="0" bIns="72000" rtlCol="0" anchor="ctr"/>
+          <a:lstStyle/>
+          <a:p>
+            <a:pPr algn="ctr"/>
+            <a:r>
+              <a:rPr lang="de-DE" sz="1800" dirty="0" smtClean="0">
+                <a:solidFill>
+                  <a:schemeClr val="tx1"/>
+                </a:solidFill>
+              </a:rPr>
+              <a:t>Umgebung</a:t>
+            </a:r>
+            <a:endParaRPr lang="de-DE" sz="1800" i="1" baseline="-25000" dirty="0">
+              <a:solidFill>
+                <a:schemeClr val="tx1"/>
+              </a:solidFill>
+            </a:endParaRPr>
+          </a:p>
+        </p:txBody>
+      </p:sp>
+      <p:sp>
+        <p:nvSpPr>
+          <p:cNvPr id="220" name="Abgerundetes Rechteck 219"/>
+          <p:cNvSpPr/>
+          <p:nvPr/>
+        </p:nvSpPr>
+        <p:spPr>
+          <a:xfrm>
+            <a:off x="12396621" y="16869371"/>
+            <a:ext cx="2313570" cy="504056"/>
+          </a:xfrm>
+          <a:prstGeom prst="roundRect">
+            <a:avLst/>
+          </a:prstGeom>
+          <a:solidFill>
+            <a:schemeClr val="accent1">
+              <a:lumMod val="40000"/>
+              <a:lumOff val="60000"/>
+            </a:schemeClr>
+          </a:solidFill>
+        </p:spPr>
+        <p:style>
+          <a:lnRef idx="2">
+            <a:schemeClr val="accent1">
+              <a:shade val="50000"/>
+            </a:schemeClr>
+          </a:lnRef>
+          <a:fillRef idx="1">
+            <a:schemeClr val="accent1"/>
+          </a:fillRef>
+          <a:effectRef idx="0">
+            <a:schemeClr val="accent1"/>
+          </a:effectRef>
+          <a:fontRef idx="minor">
+            <a:schemeClr val="lt1"/>
+          </a:fontRef>
+        </p:style>
+        <p:txBody>
+          <a:bodyPr lIns="0" tIns="72000" rIns="0" bIns="72000" rtlCol="0" anchor="ctr"/>
+          <a:lstStyle/>
+          <a:p>
+            <a:pPr algn="ctr"/>
+            <a:r>
+              <a:rPr lang="de-DE" sz="1800" dirty="0" smtClean="0">
+                <a:solidFill>
+                  <a:schemeClr val="tx1"/>
+                </a:solidFill>
+              </a:rPr>
+              <a:t>Verhalten</a:t>
+            </a:r>
+            <a:endParaRPr lang="de-DE" sz="1800" i="1" baseline="-25000" dirty="0">
+              <a:solidFill>
+                <a:schemeClr val="tx1"/>
+              </a:solidFill>
+            </a:endParaRPr>
+          </a:p>
+        </p:txBody>
+      </p:sp>
+      <p:sp>
+        <p:nvSpPr>
+          <p:cNvPr id="221" name="Abgerundetes Rechteck 220"/>
+          <p:cNvSpPr/>
+          <p:nvPr/>
+        </p:nvSpPr>
+        <p:spPr>
+          <a:xfrm>
+            <a:off x="14471056" y="14452152"/>
+            <a:ext cx="2313570" cy="504056"/>
+          </a:xfrm>
+          <a:prstGeom prst="roundRect">
+            <a:avLst/>
+          </a:prstGeom>
+          <a:solidFill>
+            <a:schemeClr val="accent1">
+              <a:lumMod val="40000"/>
+              <a:lumOff val="60000"/>
+            </a:schemeClr>
+          </a:solidFill>
+        </p:spPr>
+        <p:style>
+          <a:lnRef idx="2">
+            <a:schemeClr val="accent1">
+              <a:shade val="50000"/>
+            </a:schemeClr>
+          </a:lnRef>
+          <a:fillRef idx="1">
+            <a:schemeClr val="accent1"/>
+          </a:fillRef>
+          <a:effectRef idx="0">
+            <a:schemeClr val="accent1"/>
+          </a:effectRef>
+          <a:fontRef idx="minor">
+            <a:schemeClr val="lt1"/>
+          </a:fontRef>
+        </p:style>
+        <p:txBody>
+          <a:bodyPr lIns="0" tIns="72000" rIns="0" bIns="72000" rtlCol="0" anchor="ctr"/>
+          <a:lstStyle/>
+          <a:p>
+            <a:pPr algn="ctr"/>
+            <a:r>
+              <a:rPr lang="de-DE" sz="1800" dirty="0" smtClean="0">
+                <a:solidFill>
+                  <a:schemeClr val="tx1"/>
+                </a:solidFill>
+              </a:rPr>
+              <a:t>Belohnungsfunktion</a:t>
+            </a:r>
+            <a:endParaRPr lang="de-DE" sz="1800" i="1" baseline="-25000" dirty="0">
+              <a:solidFill>
+                <a:schemeClr val="tx1"/>
+              </a:solidFill>
+            </a:endParaRPr>
+          </a:p>
+        </p:txBody>
+      </p:sp>
+      <p:cxnSp>
+        <p:nvCxnSpPr>
+          <p:cNvPr id="222" name="Gerade Verbindung mit Pfeil 221"/>
+          <p:cNvCxnSpPr>
+            <a:stCxn id="220" idx="0"/>
+            <a:endCxn id="216" idx="2"/>
+          </p:cNvCxnSpPr>
+          <p:nvPr/>
+        </p:nvCxnSpPr>
+        <p:spPr>
+          <a:xfrm flipV="1">
+            <a:off x="13553406" y="16049626"/>
+            <a:ext cx="0" cy="819745"/>
+          </a:xfrm>
+          <a:prstGeom prst="straightConnector1">
+            <a:avLst/>
+          </a:prstGeom>
+          <a:ln w="38100">
+            <a:solidFill>
+              <a:schemeClr val="tx1"/>
+            </a:solidFill>
+            <a:headEnd type="none" w="med" len="med"/>
+            <a:tailEnd type="triangle" w="med" len="med"/>
+          </a:ln>
+        </p:spPr>
+        <p:style>
+          <a:lnRef idx="1">
+            <a:schemeClr val="accent1"/>
+          </a:lnRef>
+          <a:fillRef idx="0">
+            <a:schemeClr val="accent1"/>
+          </a:fillRef>
+          <a:effectRef idx="0">
+            <a:schemeClr val="accent1"/>
+          </a:effectRef>
+          <a:fontRef idx="minor">
+            <a:schemeClr val="tx1"/>
+          </a:fontRef>
+        </p:style>
+      </p:cxnSp>
+      <p:sp>
+        <p:nvSpPr>
+          <p:cNvPr id="223" name="Abgerundetes Rechteck 222"/>
+          <p:cNvSpPr/>
+          <p:nvPr/>
+        </p:nvSpPr>
+        <p:spPr>
+          <a:xfrm>
+            <a:off x="13553406" y="16049416"/>
+            <a:ext cx="1425910" cy="819745"/>
+          </a:xfrm>
+          <a:prstGeom prst="roundRect">
+            <a:avLst/>
+          </a:prstGeom>
+          <a:noFill/>
+          <a:ln>
+            <a:noFill/>
+          </a:ln>
+        </p:spPr>
+        <p:style>
+          <a:lnRef idx="2">
+            <a:schemeClr val="accent1">
+              <a:shade val="50000"/>
+            </a:schemeClr>
+          </a:lnRef>
+          <a:fillRef idx="1">
+            <a:schemeClr val="accent1"/>
+          </a:fillRef>
+          <a:effectRef idx="0">
+            <a:schemeClr val="accent1"/>
+          </a:effectRef>
+          <a:fontRef idx="minor">
+            <a:schemeClr val="lt1"/>
+          </a:fontRef>
+        </p:style>
+        <p:txBody>
+          <a:bodyPr lIns="0" tIns="72000" rIns="0" bIns="72000" rtlCol="0" anchor="ctr"/>
+          <a:lstStyle/>
+          <a:p>
+            <a:pPr algn="ctr"/>
+            <a:r>
+              <a:rPr lang="de-DE" sz="1800" dirty="0" smtClean="0">
+                <a:solidFill>
+                  <a:schemeClr val="tx1"/>
+                </a:solidFill>
+              </a:rPr>
+              <a:t>Aktion</a:t>
+            </a:r>
+            <a:endParaRPr lang="de-DE" sz="1800" i="1" baseline="-25000" dirty="0">
+              <a:solidFill>
+                <a:schemeClr val="tx1"/>
+              </a:solidFill>
+            </a:endParaRPr>
+          </a:p>
+        </p:txBody>
+      </p:sp>
+    </p:spTree>
+    <p:extLst>
+      <p:ext uri="{BB962C8B-B14F-4D97-AF65-F5344CB8AC3E}">
+        <p14:creationId xmlns:p14="http://schemas.microsoft.com/office/powerpoint/2010/main" val="1564404312"/>
+      </p:ext>
+    </p:extLst>
+  </p:cSld>
+  <p:clrMapOvr>
+    <a:masterClrMapping/>
+  </p:clrMapOvr>
+</p:sld>
+</file>
+
+<file path=ppt/slides/slide4.xml><?xml version="1.0" encoding="utf-8"?>
+<p:sld xmlns:a="http://schemas.openxmlformats.org/drawingml/2006/main" xmlns:r="http://schemas.openxmlformats.org/officeDocument/2006/relationships" xmlns:p="http://schemas.openxmlformats.org/presentationml/2006/main">
+  <p:cSld>
+    <p:spTree>
+      <p:nvGrpSpPr>
+        <p:cNvPr id="1" name=""/>
+        <p:cNvGrpSpPr/>
+        <p:nvPr/>
+      </p:nvGrpSpPr>
+      <p:grpSpPr>
+        <a:xfrm>
+          <a:off x="0" y="0"/>
+          <a:ext cx="0" cy="0"/>
+          <a:chOff x="0" y="0"/>
+          <a:chExt cx="0" cy="0"/>
+        </a:xfrm>
+      </p:grpSpPr>
+      <p:grpSp>
+        <p:nvGrpSpPr>
+          <p:cNvPr id="27" name="Gruppieren 26"/>
+          <p:cNvGrpSpPr/>
+          <p:nvPr/>
+        </p:nvGrpSpPr>
+        <p:grpSpPr>
+          <a:xfrm>
+            <a:off x="1095770" y="3165592"/>
+            <a:ext cx="15618075" cy="4395371"/>
+            <a:chOff x="1382422" y="3165594"/>
+            <a:chExt cx="14663218" cy="4126647"/>
+          </a:xfrm>
+        </p:grpSpPr>
+        <p:cxnSp>
+          <p:nvCxnSpPr>
+            <p:cNvPr id="4" name="Gewinkelte Verbindung 3"/>
+            <p:cNvCxnSpPr>
+              <a:stCxn id="9" idx="2"/>
+              <a:endCxn id="6" idx="1"/>
+            </p:cNvCxnSpPr>
+            <p:nvPr/>
+          </p:nvCxnSpPr>
+          <p:spPr>
+            <a:xfrm rot="16200000" flipH="1">
+              <a:off x="2730490" y="4835256"/>
+              <a:ext cx="819743" cy="942567"/>
+            </a:xfrm>
+            <a:prstGeom prst="bentConnector2">
+              <a:avLst/>
+            </a:prstGeom>
+            <a:ln w="38100">
+              <a:solidFill>
+                <a:schemeClr val="tx1"/>
+              </a:solidFill>
+              <a:headEnd type="none" w="med" len="med"/>
+              <a:tailEnd type="triangle" w="med" len="med"/>
+            </a:ln>
+          </p:spPr>
+          <p:style>
+            <a:lnRef idx="1">
+              <a:schemeClr val="accent1"/>
+            </a:lnRef>
+            <a:fillRef idx="0">
+              <a:schemeClr val="accent1"/>
+            </a:fillRef>
+            <a:effectRef idx="0">
+              <a:schemeClr val="accent1"/>
+            </a:effectRef>
+            <a:fontRef idx="minor">
+              <a:schemeClr val="tx1"/>
+            </a:fontRef>
+          </p:style>
+        </p:cxnSp>
+        <p:cxnSp>
+          <p:nvCxnSpPr>
+            <p:cNvPr id="5" name="Gewinkelte Verbindung 4"/>
+            <p:cNvCxnSpPr>
+              <a:stCxn id="11" idx="2"/>
+              <a:endCxn id="6" idx="3"/>
+            </p:cNvCxnSpPr>
+            <p:nvPr/>
+          </p:nvCxnSpPr>
+          <p:spPr>
+            <a:xfrm rot="5400000">
+              <a:off x="5963345" y="4836892"/>
+              <a:ext cx="841390" cy="917650"/>
+            </a:xfrm>
+            <a:prstGeom prst="bentConnector2">
+              <a:avLst/>
+            </a:prstGeom>
+            <a:ln w="38100">
+              <a:solidFill>
+                <a:schemeClr val="tx1"/>
+              </a:solidFill>
+              <a:headEnd type="none" w="med" len="med"/>
+              <a:tailEnd type="triangle" w="med" len="med"/>
+            </a:ln>
+          </p:spPr>
+          <p:style>
+            <a:lnRef idx="1">
+              <a:schemeClr val="accent1"/>
+            </a:lnRef>
+            <a:fillRef idx="0">
+              <a:schemeClr val="accent1"/>
+            </a:fillRef>
+            <a:effectRef idx="0">
+              <a:schemeClr val="accent1"/>
+            </a:effectRef>
+            <a:fontRef idx="minor">
+              <a:schemeClr val="tx1"/>
+            </a:fontRef>
+          </p:style>
+        </p:cxnSp>
+        <p:sp>
+          <p:nvSpPr>
+            <p:cNvPr id="6" name="Abgerundetes Rechteck 5"/>
+            <p:cNvSpPr/>
+            <p:nvPr/>
+          </p:nvSpPr>
+          <p:spPr>
+            <a:xfrm>
+              <a:off x="3611645" y="5464384"/>
+              <a:ext cx="2313570" cy="504056"/>
+            </a:xfrm>
+            <a:prstGeom prst="roundRect">
+              <a:avLst/>
+            </a:prstGeom>
+            <a:solidFill>
+              <a:schemeClr val="accent6"/>
+            </a:solidFill>
+            <a:ln>
+              <a:solidFill>
+                <a:schemeClr val="accent6">
+                  <a:lumMod val="75000"/>
+                </a:schemeClr>
+              </a:solidFill>
+            </a:ln>
+          </p:spPr>
+          <p:style>
+            <a:lnRef idx="2">
+              <a:schemeClr val="accent1">
+                <a:shade val="50000"/>
+              </a:schemeClr>
+            </a:lnRef>
+            <a:fillRef idx="1">
+              <a:schemeClr val="accent1"/>
+            </a:fillRef>
+            <a:effectRef idx="0">
+              <a:schemeClr val="accent1"/>
+            </a:effectRef>
+            <a:fontRef idx="minor">
+              <a:schemeClr val="lt1"/>
+            </a:fontRef>
+          </p:style>
+          <p:txBody>
+            <a:bodyPr lIns="0" tIns="72000" rIns="0" bIns="72000" rtlCol="0" anchor="ctr"/>
+            <a:lstStyle/>
+            <a:p>
+              <a:pPr algn="ctr"/>
+              <a:r>
+                <a:rPr lang="de-DE" sz="2000" dirty="0" smtClean="0">
+                  <a:solidFill>
+                    <a:schemeClr val="tx1"/>
+                  </a:solidFill>
+                </a:rPr>
+                <a:t>Agenten</a:t>
+              </a:r>
+              <a:endParaRPr lang="de-DE" sz="2000" i="1" baseline="-25000" dirty="0">
+                <a:solidFill>
+                  <a:schemeClr val="tx1"/>
+                </a:solidFill>
+              </a:endParaRPr>
+            </a:p>
+          </p:txBody>
+        </p:sp>
+        <p:sp>
+          <p:nvSpPr>
+            <p:cNvPr id="7" name="Abgerundetes Rechteck 6"/>
+            <p:cNvSpPr/>
+            <p:nvPr/>
+          </p:nvSpPr>
+          <p:spPr>
+            <a:xfrm>
+              <a:off x="1382422" y="4875022"/>
+              <a:ext cx="1286656" cy="841391"/>
+            </a:xfrm>
+            <a:prstGeom prst="roundRect">
+              <a:avLst/>
+            </a:prstGeom>
+            <a:noFill/>
+            <a:ln>
+              <a:noFill/>
+            </a:ln>
+          </p:spPr>
+          <p:style>
+            <a:lnRef idx="2">
+              <a:schemeClr val="accent1">
+                <a:shade val="50000"/>
+              </a:schemeClr>
+            </a:lnRef>
+            <a:fillRef idx="1">
+              <a:schemeClr val="accent1"/>
+            </a:fillRef>
+            <a:effectRef idx="0">
+              <a:schemeClr val="accent1"/>
+            </a:effectRef>
+            <a:fontRef idx="minor">
+              <a:schemeClr val="lt1"/>
+            </a:fontRef>
+          </p:style>
+          <p:txBody>
+            <a:bodyPr lIns="0" tIns="72000" rIns="0" bIns="72000" rtlCol="0" anchor="ctr"/>
+            <a:lstStyle/>
+            <a:p>
+              <a:pPr algn="ctr"/>
+              <a:r>
+                <a:rPr lang="de-DE" sz="2000" dirty="0" smtClean="0">
+                  <a:solidFill>
+                    <a:schemeClr val="tx1"/>
+                  </a:solidFill>
+                </a:rPr>
+                <a:t>Zustand</a:t>
+              </a:r>
+              <a:endParaRPr lang="de-DE" sz="2000" i="1" baseline="-25000" dirty="0">
+                <a:solidFill>
+                  <a:schemeClr val="tx1"/>
+                </a:solidFill>
+              </a:endParaRPr>
+            </a:p>
+          </p:txBody>
+        </p:sp>
+        <p:sp>
+          <p:nvSpPr>
+            <p:cNvPr id="8" name="Abgerundetes Rechteck 7"/>
+            <p:cNvSpPr/>
+            <p:nvPr/>
+          </p:nvSpPr>
+          <p:spPr>
+            <a:xfrm>
+              <a:off x="6842866" y="4896668"/>
+              <a:ext cx="1425910" cy="819745"/>
+            </a:xfrm>
+            <a:prstGeom prst="roundRect">
+              <a:avLst/>
+            </a:prstGeom>
+            <a:noFill/>
+            <a:ln>
+              <a:noFill/>
+            </a:ln>
+          </p:spPr>
+          <p:style>
+            <a:lnRef idx="2">
+              <a:schemeClr val="accent1">
+                <a:shade val="50000"/>
+              </a:schemeClr>
+            </a:lnRef>
+            <a:fillRef idx="1">
+              <a:schemeClr val="accent1"/>
+            </a:fillRef>
+            <a:effectRef idx="0">
+              <a:schemeClr val="accent1"/>
+            </a:effectRef>
+            <a:fontRef idx="minor">
+              <a:schemeClr val="lt1"/>
+            </a:fontRef>
+          </p:style>
+          <p:txBody>
+            <a:bodyPr lIns="0" tIns="72000" rIns="0" bIns="72000" rtlCol="0" anchor="ctr"/>
+            <a:lstStyle/>
+            <a:p>
+              <a:pPr algn="ctr"/>
+              <a:r>
+                <a:rPr lang="de-DE" sz="2000" dirty="0" smtClean="0">
+                  <a:solidFill>
+                    <a:schemeClr val="tx1"/>
+                  </a:solidFill>
+                </a:rPr>
+                <a:t>Belohnung</a:t>
+              </a:r>
+              <a:endParaRPr lang="de-DE" sz="2000" i="1" baseline="-25000" dirty="0">
+                <a:solidFill>
+                  <a:schemeClr val="tx1"/>
+                </a:solidFill>
+              </a:endParaRPr>
+            </a:p>
+          </p:txBody>
+        </p:sp>
+        <p:sp>
+          <p:nvSpPr>
+            <p:cNvPr id="9" name="Abgerundetes Rechteck 8"/>
+            <p:cNvSpPr/>
+            <p:nvPr/>
+          </p:nvSpPr>
+          <p:spPr>
+            <a:xfrm>
+              <a:off x="1512293" y="4392613"/>
+              <a:ext cx="2313570" cy="504056"/>
+            </a:xfrm>
+            <a:prstGeom prst="roundRect">
+              <a:avLst/>
+            </a:prstGeom>
+            <a:solidFill>
+              <a:schemeClr val="accent1">
+                <a:lumMod val="40000"/>
+                <a:lumOff val="60000"/>
+              </a:schemeClr>
+            </a:solidFill>
+          </p:spPr>
+          <p:style>
+            <a:lnRef idx="2">
+              <a:schemeClr val="accent1">
+                <a:shade val="50000"/>
+              </a:schemeClr>
+            </a:lnRef>
+            <a:fillRef idx="1">
+              <a:schemeClr val="accent1"/>
+            </a:fillRef>
+            <a:effectRef idx="0">
+              <a:schemeClr val="accent1"/>
+            </a:effectRef>
+            <a:fontRef idx="minor">
+              <a:schemeClr val="lt1"/>
+            </a:fontRef>
+          </p:style>
+          <p:txBody>
+            <a:bodyPr lIns="0" tIns="72000" rIns="0" bIns="72000" rtlCol="0" anchor="ctr"/>
+            <a:lstStyle/>
+            <a:p>
+              <a:pPr algn="ctr"/>
+              <a:r>
+                <a:rPr lang="de-DE" sz="2000" dirty="0" smtClean="0">
+                  <a:solidFill>
+                    <a:schemeClr val="tx1"/>
+                  </a:solidFill>
+                </a:rPr>
+                <a:t>Umgebung</a:t>
+              </a:r>
+              <a:endParaRPr lang="de-DE" sz="2000" i="1" baseline="-25000" dirty="0">
+                <a:solidFill>
+                  <a:schemeClr val="tx1"/>
+                </a:solidFill>
+              </a:endParaRPr>
+            </a:p>
+          </p:txBody>
+        </p:sp>
+        <p:sp>
+          <p:nvSpPr>
+            <p:cNvPr id="10" name="Abgerundetes Rechteck 9"/>
+            <p:cNvSpPr/>
+            <p:nvPr/>
+          </p:nvSpPr>
+          <p:spPr>
+            <a:xfrm>
+              <a:off x="3611645" y="6788185"/>
+              <a:ext cx="2313570" cy="504056"/>
+            </a:xfrm>
+            <a:prstGeom prst="roundRect">
+              <a:avLst/>
+            </a:prstGeom>
+            <a:solidFill>
+              <a:schemeClr val="accent1">
+                <a:lumMod val="40000"/>
+                <a:lumOff val="60000"/>
+              </a:schemeClr>
+            </a:solidFill>
+          </p:spPr>
+          <p:style>
+            <a:lnRef idx="2">
+              <a:schemeClr val="accent1">
+                <a:shade val="50000"/>
+              </a:schemeClr>
+            </a:lnRef>
+            <a:fillRef idx="1">
+              <a:schemeClr val="accent1"/>
+            </a:fillRef>
+            <a:effectRef idx="0">
+              <a:schemeClr val="accent1"/>
+            </a:effectRef>
+            <a:fontRef idx="minor">
+              <a:schemeClr val="lt1"/>
+            </a:fontRef>
+          </p:style>
+          <p:txBody>
+            <a:bodyPr lIns="0" tIns="72000" rIns="0" bIns="72000" rtlCol="0" anchor="ctr"/>
+            <a:lstStyle/>
+            <a:p>
+              <a:pPr algn="ctr"/>
+              <a:r>
+                <a:rPr lang="de-DE" sz="2000" dirty="0" smtClean="0">
+                  <a:solidFill>
+                    <a:schemeClr val="tx1"/>
+                  </a:solidFill>
+                </a:rPr>
+                <a:t>Verhalten</a:t>
+              </a:r>
+              <a:endParaRPr lang="de-DE" sz="2000" i="1" baseline="-25000" dirty="0">
+                <a:solidFill>
+                  <a:schemeClr val="tx1"/>
+                </a:solidFill>
+              </a:endParaRPr>
+            </a:p>
+          </p:txBody>
+        </p:sp>
+        <p:sp>
+          <p:nvSpPr>
+            <p:cNvPr id="11" name="Abgerundetes Rechteck 10"/>
+            <p:cNvSpPr/>
+            <p:nvPr/>
+          </p:nvSpPr>
+          <p:spPr>
+            <a:xfrm>
+              <a:off x="5686080" y="4370966"/>
+              <a:ext cx="2313570" cy="504056"/>
+            </a:xfrm>
+            <a:prstGeom prst="roundRect">
+              <a:avLst/>
+            </a:prstGeom>
+            <a:solidFill>
+              <a:schemeClr val="accent1">
+                <a:lumMod val="40000"/>
+                <a:lumOff val="60000"/>
+              </a:schemeClr>
+            </a:solidFill>
+          </p:spPr>
+          <p:style>
+            <a:lnRef idx="2">
+              <a:schemeClr val="accent1">
+                <a:shade val="50000"/>
+              </a:schemeClr>
+            </a:lnRef>
+            <a:fillRef idx="1">
+              <a:schemeClr val="accent1"/>
+            </a:fillRef>
+            <a:effectRef idx="0">
+              <a:schemeClr val="accent1"/>
+            </a:effectRef>
+            <a:fontRef idx="minor">
+              <a:schemeClr val="lt1"/>
+            </a:fontRef>
+          </p:style>
+          <p:txBody>
+            <a:bodyPr lIns="0" tIns="72000" rIns="0" bIns="72000" rtlCol="0" anchor="ctr"/>
+            <a:lstStyle/>
+            <a:p>
+              <a:pPr algn="ctr"/>
+              <a:r>
+                <a:rPr lang="de-DE" sz="2000" dirty="0" smtClean="0">
+                  <a:solidFill>
+                    <a:schemeClr val="tx1"/>
+                  </a:solidFill>
+                </a:rPr>
+                <a:t>Belohnungsfunktion</a:t>
+              </a:r>
+              <a:endParaRPr lang="de-DE" sz="2000" i="1" baseline="-25000" dirty="0">
+                <a:solidFill>
+                  <a:schemeClr val="tx1"/>
+                </a:solidFill>
+              </a:endParaRPr>
+            </a:p>
+          </p:txBody>
+        </p:sp>
+        <p:cxnSp>
+          <p:nvCxnSpPr>
+            <p:cNvPr id="12" name="Gerade Verbindung mit Pfeil 11"/>
+            <p:cNvCxnSpPr>
+              <a:stCxn id="6" idx="2"/>
+              <a:endCxn id="10" idx="0"/>
+            </p:cNvCxnSpPr>
+            <p:nvPr/>
+          </p:nvCxnSpPr>
+          <p:spPr>
+            <a:xfrm>
+              <a:off x="4768430" y="5968440"/>
+              <a:ext cx="0" cy="819745"/>
+            </a:xfrm>
+            <a:prstGeom prst="straightConnector1">
+              <a:avLst/>
+            </a:prstGeom>
+            <a:ln w="38100">
+              <a:solidFill>
+                <a:schemeClr val="tx1"/>
+              </a:solidFill>
+              <a:headEnd type="none" w="med" len="med"/>
+              <a:tailEnd type="triangle" w="med" len="med"/>
+            </a:ln>
+          </p:spPr>
+          <p:style>
+            <a:lnRef idx="1">
+              <a:schemeClr val="accent1"/>
+            </a:lnRef>
+            <a:fillRef idx="0">
+              <a:schemeClr val="accent1"/>
+            </a:fillRef>
+            <a:effectRef idx="0">
+              <a:schemeClr val="accent1"/>
+            </a:effectRef>
+            <a:fontRef idx="minor">
+              <a:schemeClr val="tx1"/>
+            </a:fontRef>
+          </p:style>
+        </p:cxnSp>
+        <p:cxnSp>
+          <p:nvCxnSpPr>
+            <p:cNvPr id="13" name="Gewinkelte Verbindung 12"/>
+            <p:cNvCxnSpPr>
+              <a:stCxn id="18" idx="2"/>
+              <a:endCxn id="15" idx="1"/>
+            </p:cNvCxnSpPr>
+            <p:nvPr/>
+          </p:nvCxnSpPr>
+          <p:spPr>
+            <a:xfrm rot="16200000" flipH="1">
+              <a:off x="10507354" y="4835254"/>
+              <a:ext cx="819743" cy="942567"/>
+            </a:xfrm>
+            <a:prstGeom prst="bentConnector2">
+              <a:avLst/>
+            </a:prstGeom>
+            <a:ln w="38100">
+              <a:solidFill>
+                <a:schemeClr val="tx1"/>
+              </a:solidFill>
+              <a:headEnd type="none" w="med" len="med"/>
+              <a:tailEnd type="triangle" w="med" len="med"/>
+            </a:ln>
+          </p:spPr>
+          <p:style>
+            <a:lnRef idx="1">
+              <a:schemeClr val="accent1"/>
+            </a:lnRef>
+            <a:fillRef idx="0">
+              <a:schemeClr val="accent1"/>
+            </a:fillRef>
+            <a:effectRef idx="0">
+              <a:schemeClr val="accent1"/>
+            </a:effectRef>
+            <a:fontRef idx="minor">
+              <a:schemeClr val="tx1"/>
+            </a:fontRef>
+          </p:style>
+        </p:cxnSp>
+        <p:cxnSp>
+          <p:nvCxnSpPr>
+            <p:cNvPr id="14" name="Gewinkelte Verbindung 13"/>
+            <p:cNvCxnSpPr>
+              <a:stCxn id="15" idx="3"/>
+              <a:endCxn id="20" idx="2"/>
+            </p:cNvCxnSpPr>
+            <p:nvPr/>
+          </p:nvCxnSpPr>
+          <p:spPr>
+            <a:xfrm flipV="1">
+              <a:off x="13702079" y="4875020"/>
+              <a:ext cx="917650" cy="841390"/>
+            </a:xfrm>
+            <a:prstGeom prst="bentConnector2">
+              <a:avLst/>
+            </a:prstGeom>
+            <a:ln w="38100">
+              <a:solidFill>
+                <a:schemeClr val="tx1"/>
+              </a:solidFill>
+              <a:headEnd type="none" w="med" len="med"/>
+              <a:tailEnd type="triangle" w="med" len="med"/>
+            </a:ln>
+          </p:spPr>
+          <p:style>
+            <a:lnRef idx="1">
+              <a:schemeClr val="accent1"/>
+            </a:lnRef>
+            <a:fillRef idx="0">
+              <a:schemeClr val="accent1"/>
+            </a:fillRef>
+            <a:effectRef idx="0">
+              <a:schemeClr val="accent1"/>
+            </a:effectRef>
+            <a:fontRef idx="minor">
+              <a:schemeClr val="tx1"/>
+            </a:fontRef>
+          </p:style>
+        </p:cxnSp>
+        <p:sp>
+          <p:nvSpPr>
+            <p:cNvPr id="15" name="Abgerundetes Rechteck 14"/>
+            <p:cNvSpPr/>
+            <p:nvPr/>
+          </p:nvSpPr>
+          <p:spPr>
+            <a:xfrm>
+              <a:off x="11388509" y="5464382"/>
+              <a:ext cx="2313570" cy="504056"/>
+            </a:xfrm>
+            <a:prstGeom prst="roundRect">
+              <a:avLst/>
+            </a:prstGeom>
+            <a:solidFill>
+              <a:schemeClr val="accent6"/>
+            </a:solidFill>
+            <a:ln>
+              <a:solidFill>
+                <a:schemeClr val="accent6">
+                  <a:lumMod val="75000"/>
+                </a:schemeClr>
+              </a:solidFill>
+            </a:ln>
+          </p:spPr>
+          <p:style>
+            <a:lnRef idx="2">
+              <a:schemeClr val="accent1">
+                <a:shade val="50000"/>
+              </a:schemeClr>
+            </a:lnRef>
+            <a:fillRef idx="1">
+              <a:schemeClr val="accent1"/>
+            </a:fillRef>
+            <a:effectRef idx="0">
+              <a:schemeClr val="accent1"/>
+            </a:effectRef>
+            <a:fontRef idx="minor">
+              <a:schemeClr val="lt1"/>
+            </a:fontRef>
+          </p:style>
+          <p:txBody>
+            <a:bodyPr lIns="0" tIns="72000" rIns="0" bIns="72000" rtlCol="0" anchor="ctr"/>
+            <a:lstStyle/>
+            <a:p>
+              <a:pPr algn="ctr"/>
+              <a:r>
+                <a:rPr lang="de-DE" sz="2000" dirty="0" smtClean="0">
+                  <a:solidFill>
+                    <a:schemeClr val="tx1"/>
+                  </a:solidFill>
+                </a:rPr>
+                <a:t>Agenten</a:t>
+              </a:r>
+              <a:endParaRPr lang="de-DE" sz="2000" i="1" baseline="-25000" dirty="0">
+                <a:solidFill>
+                  <a:schemeClr val="tx1"/>
+                </a:solidFill>
+              </a:endParaRPr>
+            </a:p>
+          </p:txBody>
+        </p:sp>
+        <p:sp>
+          <p:nvSpPr>
+            <p:cNvPr id="16" name="Abgerundetes Rechteck 15"/>
+            <p:cNvSpPr/>
+            <p:nvPr/>
+          </p:nvSpPr>
+          <p:spPr>
+            <a:xfrm>
+              <a:off x="9159286" y="4875020"/>
+              <a:ext cx="1286656" cy="841391"/>
+            </a:xfrm>
+            <a:prstGeom prst="roundRect">
+              <a:avLst/>
+            </a:prstGeom>
+            <a:noFill/>
+            <a:ln>
+              <a:noFill/>
+            </a:ln>
+          </p:spPr>
+          <p:style>
+            <a:lnRef idx="2">
+              <a:schemeClr val="accent1">
+                <a:shade val="50000"/>
+              </a:schemeClr>
+            </a:lnRef>
+            <a:fillRef idx="1">
+              <a:schemeClr val="accent1"/>
+            </a:fillRef>
+            <a:effectRef idx="0">
+              <a:schemeClr val="accent1"/>
+            </a:effectRef>
+            <a:fontRef idx="minor">
+              <a:schemeClr val="lt1"/>
+            </a:fontRef>
+          </p:style>
+          <p:txBody>
+            <a:bodyPr lIns="0" tIns="72000" rIns="0" bIns="72000" rtlCol="0" anchor="ctr"/>
+            <a:lstStyle/>
+            <a:p>
+              <a:pPr algn="ctr"/>
+              <a:r>
+                <a:rPr lang="de-DE" sz="2000" dirty="0" smtClean="0">
+                  <a:solidFill>
+                    <a:schemeClr val="tx1"/>
+                  </a:solidFill>
+                </a:rPr>
+                <a:t>Zustand</a:t>
+              </a:r>
+              <a:endParaRPr lang="de-DE" sz="2000" i="1" baseline="-25000" dirty="0">
+                <a:solidFill>
+                  <a:schemeClr val="tx1"/>
+                </a:solidFill>
+              </a:endParaRPr>
+            </a:p>
+          </p:txBody>
+        </p:sp>
+        <p:sp>
+          <p:nvSpPr>
+            <p:cNvPr id="17" name="Abgerundetes Rechteck 16"/>
+            <p:cNvSpPr/>
+            <p:nvPr/>
+          </p:nvSpPr>
+          <p:spPr>
+            <a:xfrm>
+              <a:off x="14619730" y="4896666"/>
+              <a:ext cx="1425910" cy="819745"/>
+            </a:xfrm>
+            <a:prstGeom prst="roundRect">
+              <a:avLst/>
+            </a:prstGeom>
+            <a:noFill/>
+            <a:ln>
+              <a:noFill/>
+            </a:ln>
+          </p:spPr>
+          <p:style>
+            <a:lnRef idx="2">
+              <a:schemeClr val="accent1">
+                <a:shade val="50000"/>
+              </a:schemeClr>
+            </a:lnRef>
+            <a:fillRef idx="1">
+              <a:schemeClr val="accent1"/>
+            </a:fillRef>
+            <a:effectRef idx="0">
+              <a:schemeClr val="accent1"/>
+            </a:effectRef>
+            <a:fontRef idx="minor">
+              <a:schemeClr val="lt1"/>
+            </a:fontRef>
+          </p:style>
+          <p:txBody>
+            <a:bodyPr lIns="0" tIns="72000" rIns="0" bIns="72000" rtlCol="0" anchor="ctr"/>
+            <a:lstStyle/>
+            <a:p>
+              <a:pPr algn="ctr"/>
+              <a:r>
+                <a:rPr lang="de-DE" sz="2000" dirty="0" smtClean="0">
+                  <a:solidFill>
+                    <a:schemeClr val="tx1"/>
+                  </a:solidFill>
+                </a:rPr>
+                <a:t>Belohnung</a:t>
+              </a:r>
+              <a:endParaRPr lang="de-DE" sz="2000" i="1" baseline="-25000" dirty="0">
+                <a:solidFill>
+                  <a:schemeClr val="tx1"/>
+                </a:solidFill>
+              </a:endParaRPr>
+            </a:p>
+          </p:txBody>
+        </p:sp>
+        <p:sp>
+          <p:nvSpPr>
+            <p:cNvPr id="18" name="Abgerundetes Rechteck 17"/>
+            <p:cNvSpPr/>
+            <p:nvPr/>
+          </p:nvSpPr>
+          <p:spPr>
+            <a:xfrm>
+              <a:off x="9289157" y="4392611"/>
+              <a:ext cx="2313570" cy="504056"/>
+            </a:xfrm>
+            <a:prstGeom prst="roundRect">
+              <a:avLst/>
+            </a:prstGeom>
+            <a:solidFill>
+              <a:schemeClr val="accent1">
+                <a:lumMod val="40000"/>
+                <a:lumOff val="60000"/>
+              </a:schemeClr>
+            </a:solidFill>
+          </p:spPr>
+          <p:style>
+            <a:lnRef idx="2">
+              <a:schemeClr val="accent1">
+                <a:shade val="50000"/>
+              </a:schemeClr>
+            </a:lnRef>
+            <a:fillRef idx="1">
+              <a:schemeClr val="accent1"/>
+            </a:fillRef>
+            <a:effectRef idx="0">
+              <a:schemeClr val="accent1"/>
+            </a:effectRef>
+            <a:fontRef idx="minor">
+              <a:schemeClr val="lt1"/>
+            </a:fontRef>
+          </p:style>
+          <p:txBody>
+            <a:bodyPr lIns="0" tIns="72000" rIns="0" bIns="72000" rtlCol="0" anchor="ctr"/>
+            <a:lstStyle/>
+            <a:p>
+              <a:pPr algn="ctr"/>
+              <a:r>
+                <a:rPr lang="de-DE" sz="2000" dirty="0" smtClean="0">
+                  <a:solidFill>
+                    <a:schemeClr val="tx1"/>
+                  </a:solidFill>
+                </a:rPr>
+                <a:t>Umgebung</a:t>
+              </a:r>
+              <a:endParaRPr lang="de-DE" sz="2000" i="1" baseline="-25000" dirty="0">
+                <a:solidFill>
+                  <a:schemeClr val="tx1"/>
+                </a:solidFill>
+              </a:endParaRPr>
+            </a:p>
+          </p:txBody>
+        </p:sp>
+        <p:sp>
+          <p:nvSpPr>
+            <p:cNvPr id="19" name="Abgerundetes Rechteck 18"/>
+            <p:cNvSpPr/>
+            <p:nvPr/>
+          </p:nvSpPr>
+          <p:spPr>
+            <a:xfrm>
+              <a:off x="11388509" y="6788183"/>
+              <a:ext cx="2313570" cy="504056"/>
+            </a:xfrm>
+            <a:prstGeom prst="roundRect">
+              <a:avLst/>
+            </a:prstGeom>
+            <a:solidFill>
+              <a:schemeClr val="accent1">
+                <a:lumMod val="40000"/>
+                <a:lumOff val="60000"/>
+              </a:schemeClr>
+            </a:solidFill>
+          </p:spPr>
+          <p:style>
+            <a:lnRef idx="2">
+              <a:schemeClr val="accent1">
+                <a:shade val="50000"/>
+              </a:schemeClr>
+            </a:lnRef>
+            <a:fillRef idx="1">
+              <a:schemeClr val="accent1"/>
+            </a:fillRef>
+            <a:effectRef idx="0">
+              <a:schemeClr val="accent1"/>
+            </a:effectRef>
+            <a:fontRef idx="minor">
+              <a:schemeClr val="lt1"/>
+            </a:fontRef>
+          </p:style>
+          <p:txBody>
+            <a:bodyPr lIns="0" tIns="72000" rIns="0" bIns="72000" rtlCol="0" anchor="ctr"/>
+            <a:lstStyle/>
+            <a:p>
+              <a:pPr algn="ctr"/>
+              <a:r>
+                <a:rPr lang="de-DE" sz="2000" dirty="0" smtClean="0">
+                  <a:solidFill>
+                    <a:schemeClr val="tx1"/>
+                  </a:solidFill>
+                </a:rPr>
+                <a:t>Verhalten</a:t>
+              </a:r>
+              <a:endParaRPr lang="de-DE" sz="2000" i="1" baseline="-25000" dirty="0">
+                <a:solidFill>
+                  <a:schemeClr val="tx1"/>
+                </a:solidFill>
+              </a:endParaRPr>
+            </a:p>
+          </p:txBody>
+        </p:sp>
+        <p:sp>
+          <p:nvSpPr>
+            <p:cNvPr id="20" name="Abgerundetes Rechteck 19"/>
+            <p:cNvSpPr/>
+            <p:nvPr/>
+          </p:nvSpPr>
+          <p:spPr>
+            <a:xfrm>
+              <a:off x="13462944" y="4370964"/>
+              <a:ext cx="2313570" cy="504056"/>
+            </a:xfrm>
+            <a:prstGeom prst="roundRect">
+              <a:avLst/>
+            </a:prstGeom>
+            <a:solidFill>
+              <a:schemeClr val="accent1">
+                <a:lumMod val="40000"/>
+                <a:lumOff val="60000"/>
+              </a:schemeClr>
+            </a:solidFill>
+          </p:spPr>
+          <p:style>
+            <a:lnRef idx="2">
+              <a:schemeClr val="accent1">
+                <a:shade val="50000"/>
+              </a:schemeClr>
+            </a:lnRef>
+            <a:fillRef idx="1">
+              <a:schemeClr val="accent1"/>
+            </a:fillRef>
+            <a:effectRef idx="0">
+              <a:schemeClr val="accent1"/>
+            </a:effectRef>
+            <a:fontRef idx="minor">
+              <a:schemeClr val="lt1"/>
+            </a:fontRef>
+          </p:style>
+          <p:txBody>
+            <a:bodyPr lIns="0" tIns="72000" rIns="0" bIns="72000" rtlCol="0" anchor="ctr"/>
+            <a:lstStyle/>
+            <a:p>
+              <a:pPr algn="ctr"/>
+              <a:r>
+                <a:rPr lang="de-DE" sz="2000" dirty="0" smtClean="0">
+                  <a:solidFill>
+                    <a:schemeClr val="tx1"/>
+                  </a:solidFill>
+                </a:rPr>
+                <a:t>Belohnungsfunktion</a:t>
+              </a:r>
+              <a:endParaRPr lang="de-DE" sz="2000" i="1" baseline="-25000" dirty="0">
+                <a:solidFill>
+                  <a:schemeClr val="tx1"/>
+                </a:solidFill>
+              </a:endParaRPr>
+            </a:p>
+          </p:txBody>
+        </p:sp>
+        <p:cxnSp>
+          <p:nvCxnSpPr>
+            <p:cNvPr id="21" name="Gerade Verbindung mit Pfeil 20"/>
+            <p:cNvCxnSpPr>
+              <a:stCxn id="19" idx="0"/>
+              <a:endCxn id="15" idx="2"/>
+            </p:cNvCxnSpPr>
+            <p:nvPr/>
+          </p:nvCxnSpPr>
+          <p:spPr>
+            <a:xfrm flipV="1">
+              <a:off x="12545294" y="5968438"/>
+              <a:ext cx="0" cy="819745"/>
+            </a:xfrm>
+            <a:prstGeom prst="straightConnector1">
+              <a:avLst/>
+            </a:prstGeom>
+            <a:ln w="38100">
+              <a:solidFill>
+                <a:schemeClr val="tx1"/>
+              </a:solidFill>
+              <a:headEnd type="none" w="med" len="med"/>
+              <a:tailEnd type="triangle" w="med" len="med"/>
+            </a:ln>
+          </p:spPr>
+          <p:style>
+            <a:lnRef idx="1">
+              <a:schemeClr val="accent1"/>
+            </a:lnRef>
+            <a:fillRef idx="0">
+              <a:schemeClr val="accent1"/>
+            </a:fillRef>
+            <a:effectRef idx="0">
+              <a:schemeClr val="accent1"/>
+            </a:effectRef>
+            <a:fontRef idx="minor">
+              <a:schemeClr val="tx1"/>
+            </a:fontRef>
+          </p:style>
+        </p:cxnSp>
+        <p:sp>
+          <p:nvSpPr>
+            <p:cNvPr id="22" name="Abgerundetes Rechteck 21"/>
+            <p:cNvSpPr/>
+            <p:nvPr/>
+          </p:nvSpPr>
+          <p:spPr>
+            <a:xfrm>
+              <a:off x="12545294" y="5968228"/>
+              <a:ext cx="1156785" cy="819745"/>
+            </a:xfrm>
+            <a:prstGeom prst="roundRect">
+              <a:avLst/>
+            </a:prstGeom>
+            <a:noFill/>
+            <a:ln>
+              <a:noFill/>
+            </a:ln>
+          </p:spPr>
+          <p:style>
+            <a:lnRef idx="2">
+              <a:schemeClr val="accent1">
+                <a:shade val="50000"/>
+              </a:schemeClr>
+            </a:lnRef>
+            <a:fillRef idx="1">
+              <a:schemeClr val="accent1"/>
+            </a:fillRef>
+            <a:effectRef idx="0">
+              <a:schemeClr val="accent1"/>
+            </a:effectRef>
+            <a:fontRef idx="minor">
+              <a:schemeClr val="lt1"/>
+            </a:fontRef>
+          </p:style>
+          <p:txBody>
+            <a:bodyPr lIns="0" tIns="72000" rIns="0" bIns="72000" rtlCol="0" anchor="ctr"/>
+            <a:lstStyle/>
+            <a:p>
+              <a:pPr algn="ctr"/>
+              <a:r>
+                <a:rPr lang="de-DE" sz="2000" dirty="0" smtClean="0">
+                  <a:solidFill>
+                    <a:schemeClr val="tx1"/>
+                  </a:solidFill>
+                </a:rPr>
+                <a:t>Aktion</a:t>
+              </a:r>
+              <a:endParaRPr lang="de-DE" sz="2000" i="1" baseline="-25000" dirty="0">
+                <a:solidFill>
+                  <a:schemeClr val="tx1"/>
+                </a:solidFill>
+              </a:endParaRPr>
+            </a:p>
+          </p:txBody>
+        </p:sp>
+        <p:sp>
+          <p:nvSpPr>
+            <p:cNvPr id="23" name="Abgerundetes Rechteck 22"/>
+            <p:cNvSpPr/>
+            <p:nvPr/>
+          </p:nvSpPr>
+          <p:spPr>
+            <a:xfrm>
+              <a:off x="1512292" y="3165594"/>
+              <a:ext cx="6487357" cy="819745"/>
+            </a:xfrm>
+            <a:prstGeom prst="roundRect">
+              <a:avLst/>
+            </a:prstGeom>
+            <a:noFill/>
+            <a:ln>
+              <a:noFill/>
+            </a:ln>
+          </p:spPr>
+          <p:style>
+            <a:lnRef idx="2">
+              <a:schemeClr val="accent1">
+                <a:shade val="50000"/>
+              </a:schemeClr>
+            </a:lnRef>
+            <a:fillRef idx="1">
+              <a:schemeClr val="accent1"/>
+            </a:fillRef>
+            <a:effectRef idx="0">
+              <a:schemeClr val="accent1"/>
+            </a:effectRef>
+            <a:fontRef idx="minor">
+              <a:schemeClr val="lt1"/>
+            </a:fontRef>
+          </p:style>
+          <p:txBody>
+            <a:bodyPr lIns="0" tIns="72000" rIns="0" bIns="72000" rtlCol="0" anchor="ctr"/>
+            <a:lstStyle/>
+            <a:p>
+              <a:pPr algn="ctr"/>
+              <a:r>
+                <a:rPr lang="de-DE" dirty="0" smtClean="0">
+                  <a:solidFill>
+                    <a:schemeClr val="tx1"/>
+                  </a:solidFill>
+                </a:rPr>
+                <a:t>Reinforcement Learning</a:t>
+              </a:r>
+              <a:endParaRPr lang="de-DE" i="1" baseline="-25000" dirty="0">
+                <a:solidFill>
+                  <a:schemeClr val="tx1"/>
+                </a:solidFill>
+              </a:endParaRPr>
+            </a:p>
+          </p:txBody>
+        </p:sp>
+        <p:sp>
+          <p:nvSpPr>
+            <p:cNvPr id="24" name="Abgerundetes Rechteck 23"/>
+            <p:cNvSpPr/>
+            <p:nvPr/>
+          </p:nvSpPr>
+          <p:spPr>
+            <a:xfrm>
+              <a:off x="9289157" y="3165594"/>
+              <a:ext cx="6487357" cy="819745"/>
+            </a:xfrm>
+            <a:prstGeom prst="roundRect">
+              <a:avLst/>
+            </a:prstGeom>
+            <a:noFill/>
+            <a:ln>
+              <a:noFill/>
+            </a:ln>
+          </p:spPr>
+          <p:style>
+            <a:lnRef idx="2">
+              <a:schemeClr val="accent1">
+                <a:shade val="50000"/>
+              </a:schemeClr>
+            </a:lnRef>
+            <a:fillRef idx="1">
+              <a:schemeClr val="accent1"/>
+            </a:fillRef>
+            <a:effectRef idx="0">
+              <a:schemeClr val="accent1"/>
+            </a:effectRef>
+            <a:fontRef idx="minor">
+              <a:schemeClr val="lt1"/>
+            </a:fontRef>
+          </p:style>
+          <p:txBody>
+            <a:bodyPr lIns="0" tIns="72000" rIns="0" bIns="72000" rtlCol="0" anchor="ctr"/>
+            <a:lstStyle/>
+            <a:p>
+              <a:pPr algn="ctr"/>
+              <a:r>
+                <a:rPr lang="de-DE" dirty="0" smtClean="0">
+                  <a:solidFill>
+                    <a:schemeClr val="tx1"/>
+                  </a:solidFill>
+                </a:rPr>
+                <a:t>Inverse Reinforcement Learning</a:t>
+              </a:r>
+              <a:endParaRPr lang="de-DE" i="1" baseline="-25000" dirty="0">
+                <a:solidFill>
+                  <a:schemeClr val="tx1"/>
+                </a:solidFill>
+              </a:endParaRPr>
+            </a:p>
+          </p:txBody>
+        </p:sp>
+      </p:grpSp>
+    </p:spTree>
+    <p:extLst>
+      <p:ext uri="{BB962C8B-B14F-4D97-AF65-F5344CB8AC3E}">
+        <p14:creationId xmlns:p14="http://schemas.microsoft.com/office/powerpoint/2010/main" val="3700900820"/>
       </p:ext>
     </p:extLst>
   </p:cSld>

--- a/Konzept.pptx
+++ b/Konzept.pptx
@@ -9,6 +9,8 @@
     <p:sldId id="257" r:id="rId3"/>
     <p:sldId id="258" r:id="rId4"/>
     <p:sldId id="259" r:id="rId5"/>
+    <p:sldId id="260" r:id="rId6"/>
+    <p:sldId id="261" r:id="rId7"/>
   </p:sldIdLst>
   <p:sldSz cx="18002250" cy="18002250"/>
   <p:notesSz cx="6858000" cy="9144000"/>
@@ -291,7 +293,7 @@
           <a:p>
             <a:fld id="{1CCCA6E5-FB09-4E0A-B419-5D4DB54BC018}" type="datetimeFigureOut">
               <a:rPr lang="de-DE" smtClean="0"/>
-              <a:t>23.03.2020</a:t>
+              <a:t>03.04.2020</a:t>
             </a:fld>
             <a:endParaRPr lang="de-DE"/>
           </a:p>
@@ -461,7 +463,7 @@
           <a:p>
             <a:fld id="{1CCCA6E5-FB09-4E0A-B419-5D4DB54BC018}" type="datetimeFigureOut">
               <a:rPr lang="de-DE" smtClean="0"/>
-              <a:t>23.03.2020</a:t>
+              <a:t>03.04.2020</a:t>
             </a:fld>
             <a:endParaRPr lang="de-DE"/>
           </a:p>
@@ -641,7 +643,7 @@
           <a:p>
             <a:fld id="{1CCCA6E5-FB09-4E0A-B419-5D4DB54BC018}" type="datetimeFigureOut">
               <a:rPr lang="de-DE" smtClean="0"/>
-              <a:t>23.03.2020</a:t>
+              <a:t>03.04.2020</a:t>
             </a:fld>
             <a:endParaRPr lang="de-DE"/>
           </a:p>
@@ -811,7 +813,7 @@
           <a:p>
             <a:fld id="{1CCCA6E5-FB09-4E0A-B419-5D4DB54BC018}" type="datetimeFigureOut">
               <a:rPr lang="de-DE" smtClean="0"/>
-              <a:t>23.03.2020</a:t>
+              <a:t>03.04.2020</a:t>
             </a:fld>
             <a:endParaRPr lang="de-DE"/>
           </a:p>
@@ -1057,7 +1059,7 @@
           <a:p>
             <a:fld id="{1CCCA6E5-FB09-4E0A-B419-5D4DB54BC018}" type="datetimeFigureOut">
               <a:rPr lang="de-DE" smtClean="0"/>
-              <a:t>23.03.2020</a:t>
+              <a:t>03.04.2020</a:t>
             </a:fld>
             <a:endParaRPr lang="de-DE"/>
           </a:p>
@@ -1345,7 +1347,7 @@
           <a:p>
             <a:fld id="{1CCCA6E5-FB09-4E0A-B419-5D4DB54BC018}" type="datetimeFigureOut">
               <a:rPr lang="de-DE" smtClean="0"/>
-              <a:t>23.03.2020</a:t>
+              <a:t>03.04.2020</a:t>
             </a:fld>
             <a:endParaRPr lang="de-DE"/>
           </a:p>
@@ -1767,7 +1769,7 @@
           <a:p>
             <a:fld id="{1CCCA6E5-FB09-4E0A-B419-5D4DB54BC018}" type="datetimeFigureOut">
               <a:rPr lang="de-DE" smtClean="0"/>
-              <a:t>23.03.2020</a:t>
+              <a:t>03.04.2020</a:t>
             </a:fld>
             <a:endParaRPr lang="de-DE"/>
           </a:p>
@@ -1885,7 +1887,7 @@
           <a:p>
             <a:fld id="{1CCCA6E5-FB09-4E0A-B419-5D4DB54BC018}" type="datetimeFigureOut">
               <a:rPr lang="de-DE" smtClean="0"/>
-              <a:t>23.03.2020</a:t>
+              <a:t>03.04.2020</a:t>
             </a:fld>
             <a:endParaRPr lang="de-DE"/>
           </a:p>
@@ -1980,7 +1982,7 @@
           <a:p>
             <a:fld id="{1CCCA6E5-FB09-4E0A-B419-5D4DB54BC018}" type="datetimeFigureOut">
               <a:rPr lang="de-DE" smtClean="0"/>
-              <a:t>23.03.2020</a:t>
+              <a:t>03.04.2020</a:t>
             </a:fld>
             <a:endParaRPr lang="de-DE"/>
           </a:p>
@@ -2257,7 +2259,7 @@
           <a:p>
             <a:fld id="{1CCCA6E5-FB09-4E0A-B419-5D4DB54BC018}" type="datetimeFigureOut">
               <a:rPr lang="de-DE" smtClean="0"/>
-              <a:t>23.03.2020</a:t>
+              <a:t>03.04.2020</a:t>
             </a:fld>
             <a:endParaRPr lang="de-DE"/>
           </a:p>
@@ -2510,7 +2512,7 @@
           <a:p>
             <a:fld id="{1CCCA6E5-FB09-4E0A-B419-5D4DB54BC018}" type="datetimeFigureOut">
               <a:rPr lang="de-DE" smtClean="0"/>
-              <a:t>23.03.2020</a:t>
+              <a:t>03.04.2020</a:t>
             </a:fld>
             <a:endParaRPr lang="de-DE"/>
           </a:p>
@@ -2723,7 +2725,7 @@
           <a:p>
             <a:fld id="{1CCCA6E5-FB09-4E0A-B419-5D4DB54BC018}" type="datetimeFigureOut">
               <a:rPr lang="de-DE" smtClean="0"/>
-              <a:t>23.03.2020</a:t>
+              <a:t>03.04.2020</a:t>
             </a:fld>
             <a:endParaRPr lang="de-DE"/>
           </a:p>
@@ -14285,6 +14287,4374 @@
 </p:sld>
 </file>
 
+<file path=ppt/slides/slide5.xml><?xml version="1.0" encoding="utf-8"?>
+<p:sld xmlns:a="http://schemas.openxmlformats.org/drawingml/2006/main" xmlns:r="http://schemas.openxmlformats.org/officeDocument/2006/relationships" xmlns:p="http://schemas.openxmlformats.org/presentationml/2006/main">
+  <p:cSld>
+    <p:spTree>
+      <p:nvGrpSpPr>
+        <p:cNvPr id="1" name=""/>
+        <p:cNvGrpSpPr/>
+        <p:nvPr/>
+      </p:nvGrpSpPr>
+      <p:grpSpPr>
+        <a:xfrm>
+          <a:off x="0" y="0"/>
+          <a:ext cx="0" cy="0"/>
+          <a:chOff x="0" y="0"/>
+          <a:chExt cx="0" cy="0"/>
+        </a:xfrm>
+      </p:grpSpPr>
+      <p:sp>
+        <p:nvSpPr>
+          <p:cNvPr id="54" name="Abgerundetes Rechteck 53"/>
+          <p:cNvSpPr/>
+          <p:nvPr/>
+        </p:nvSpPr>
+        <p:spPr>
+          <a:xfrm>
+            <a:off x="3382043" y="7021041"/>
+            <a:ext cx="5127428" cy="3780284"/>
+          </a:xfrm>
+          <a:prstGeom prst="roundRect">
+            <a:avLst>
+              <a:gd name="adj" fmla="val 10607"/>
+            </a:avLst>
+          </a:prstGeom>
+          <a:solidFill>
+            <a:schemeClr val="accent6">
+              <a:lumMod val="20000"/>
+              <a:lumOff val="80000"/>
+            </a:schemeClr>
+          </a:solidFill>
+          <a:ln>
+            <a:solidFill>
+              <a:schemeClr val="accent6">
+                <a:lumMod val="75000"/>
+              </a:schemeClr>
+            </a:solidFill>
+            <a:prstDash val="dash"/>
+          </a:ln>
+        </p:spPr>
+        <p:style>
+          <a:lnRef idx="2">
+            <a:schemeClr val="accent1">
+              <a:shade val="50000"/>
+            </a:schemeClr>
+          </a:lnRef>
+          <a:fillRef idx="1">
+            <a:schemeClr val="accent1"/>
+          </a:fillRef>
+          <a:effectRef idx="0">
+            <a:schemeClr val="accent1"/>
+          </a:effectRef>
+          <a:fontRef idx="minor">
+            <a:schemeClr val="lt1"/>
+          </a:fontRef>
+        </p:style>
+        <p:txBody>
+          <a:bodyPr lIns="0" tIns="72000" rIns="0" bIns="72000" rtlCol="0" anchor="b"/>
+          <a:lstStyle/>
+          <a:p>
+            <a:pPr algn="ctr"/>
+            <a:r>
+              <a:rPr lang="de-DE" sz="3200" baseline="-25000" dirty="0" smtClean="0">
+                <a:solidFill>
+                  <a:schemeClr val="tx1"/>
+                </a:solidFill>
+              </a:rPr>
+              <a:t>Agent</a:t>
+            </a:r>
+            <a:endParaRPr lang="de-DE" sz="1800" baseline="-25000" dirty="0">
+              <a:solidFill>
+                <a:schemeClr val="tx1"/>
+              </a:solidFill>
+            </a:endParaRPr>
+          </a:p>
+        </p:txBody>
+      </p:sp>
+      <p:sp>
+        <p:nvSpPr>
+          <p:cNvPr id="6" name="Abgerundetes Rechteck 5"/>
+          <p:cNvSpPr/>
+          <p:nvPr/>
+        </p:nvSpPr>
+        <p:spPr>
+          <a:xfrm>
+            <a:off x="8952928" y="5184701"/>
+            <a:ext cx="2232248" cy="648000"/>
+          </a:xfrm>
+          <a:prstGeom prst="roundRect">
+            <a:avLst/>
+          </a:prstGeom>
+          <a:noFill/>
+          <a:ln>
+            <a:noFill/>
+          </a:ln>
+        </p:spPr>
+        <p:style>
+          <a:lnRef idx="2">
+            <a:schemeClr val="accent1">
+              <a:shade val="50000"/>
+            </a:schemeClr>
+          </a:lnRef>
+          <a:fillRef idx="1">
+            <a:schemeClr val="accent1"/>
+          </a:fillRef>
+          <a:effectRef idx="0">
+            <a:schemeClr val="accent1"/>
+          </a:effectRef>
+          <a:fontRef idx="minor">
+            <a:schemeClr val="lt1"/>
+          </a:fontRef>
+        </p:style>
+        <p:txBody>
+          <a:bodyPr lIns="0" tIns="72000" rIns="0" bIns="72000" rtlCol="0" anchor="ctr"/>
+          <a:lstStyle/>
+          <a:p>
+            <a:pPr algn="ctr"/>
+            <a:endParaRPr lang="de-DE" sz="1800" i="1" baseline="-25000" dirty="0">
+              <a:solidFill>
+                <a:schemeClr val="tx1"/>
+              </a:solidFill>
+            </a:endParaRPr>
+          </a:p>
+        </p:txBody>
+      </p:sp>
+      <p:sp>
+        <p:nvSpPr>
+          <p:cNvPr id="7" name="Abgerundetes Rechteck 6"/>
+          <p:cNvSpPr/>
+          <p:nvPr/>
+        </p:nvSpPr>
+        <p:spPr>
+          <a:xfrm>
+            <a:off x="8952928" y="5832773"/>
+            <a:ext cx="2232248" cy="648000"/>
+          </a:xfrm>
+          <a:prstGeom prst="roundRect">
+            <a:avLst/>
+          </a:prstGeom>
+          <a:noFill/>
+          <a:ln>
+            <a:noFill/>
+          </a:ln>
+        </p:spPr>
+        <p:style>
+          <a:lnRef idx="2">
+            <a:schemeClr val="accent1">
+              <a:shade val="50000"/>
+            </a:schemeClr>
+          </a:lnRef>
+          <a:fillRef idx="1">
+            <a:schemeClr val="accent1"/>
+          </a:fillRef>
+          <a:effectRef idx="0">
+            <a:schemeClr val="accent1"/>
+          </a:effectRef>
+          <a:fontRef idx="minor">
+            <a:schemeClr val="lt1"/>
+          </a:fontRef>
+        </p:style>
+        <p:txBody>
+          <a:bodyPr lIns="0" tIns="72000" rIns="0" bIns="72000" rtlCol="0" anchor="ctr"/>
+          <a:lstStyle/>
+          <a:p>
+            <a:pPr algn="ctr"/>
+            <a:endParaRPr lang="de-DE" sz="1800" i="1" baseline="-25000" dirty="0">
+              <a:solidFill>
+                <a:schemeClr val="tx1"/>
+              </a:solidFill>
+            </a:endParaRPr>
+          </a:p>
+        </p:txBody>
+      </p:sp>
+      <p:sp>
+        <p:nvSpPr>
+          <p:cNvPr id="8" name="Abgerundetes Rechteck 7"/>
+          <p:cNvSpPr/>
+          <p:nvPr/>
+        </p:nvSpPr>
+        <p:spPr>
+          <a:xfrm>
+            <a:off x="8952929" y="5184701"/>
+            <a:ext cx="2232247" cy="1296144"/>
+          </a:xfrm>
+          <a:prstGeom prst="roundRect">
+            <a:avLst>
+              <a:gd name="adj" fmla="val 10607"/>
+            </a:avLst>
+          </a:prstGeom>
+          <a:solidFill>
+            <a:schemeClr val="tx2">
+              <a:lumMod val="20000"/>
+              <a:lumOff val="80000"/>
+            </a:schemeClr>
+          </a:solidFill>
+          <a:ln>
+            <a:solidFill>
+              <a:schemeClr val="tx2"/>
+            </a:solidFill>
+          </a:ln>
+        </p:spPr>
+        <p:style>
+          <a:lnRef idx="2">
+            <a:schemeClr val="accent1">
+              <a:shade val="50000"/>
+            </a:schemeClr>
+          </a:lnRef>
+          <a:fillRef idx="1">
+            <a:schemeClr val="accent1"/>
+          </a:fillRef>
+          <a:effectRef idx="0">
+            <a:schemeClr val="accent1"/>
+          </a:effectRef>
+          <a:fontRef idx="minor">
+            <a:schemeClr val="lt1"/>
+          </a:fontRef>
+        </p:style>
+        <p:txBody>
+          <a:bodyPr lIns="0" tIns="72000" rIns="0" bIns="72000" rtlCol="0" anchor="ctr"/>
+          <a:lstStyle/>
+          <a:p>
+            <a:pPr algn="ctr"/>
+            <a:r>
+              <a:rPr lang="de-DE" sz="1800" dirty="0" smtClean="0">
+                <a:solidFill>
+                  <a:schemeClr val="tx1"/>
+                </a:solidFill>
+              </a:rPr>
+              <a:t>Umgebung</a:t>
+            </a:r>
+            <a:endParaRPr lang="de-DE" sz="1800" i="1" baseline="-25000" dirty="0">
+              <a:solidFill>
+                <a:schemeClr val="tx1"/>
+              </a:solidFill>
+            </a:endParaRPr>
+          </a:p>
+        </p:txBody>
+      </p:sp>
+      <p:sp>
+        <p:nvSpPr>
+          <p:cNvPr id="9" name="Abgerundetes Rechteck 8"/>
+          <p:cNvSpPr/>
+          <p:nvPr/>
+        </p:nvSpPr>
+        <p:spPr>
+          <a:xfrm>
+            <a:off x="3842967" y="7309074"/>
+            <a:ext cx="943200" cy="504056"/>
+          </a:xfrm>
+          <a:prstGeom prst="roundRect">
+            <a:avLst/>
+          </a:prstGeom>
+          <a:noFill/>
+          <a:ln>
+            <a:noFill/>
+          </a:ln>
+        </p:spPr>
+        <p:style>
+          <a:lnRef idx="2">
+            <a:schemeClr val="accent1">
+              <a:shade val="50000"/>
+            </a:schemeClr>
+          </a:lnRef>
+          <a:fillRef idx="1">
+            <a:schemeClr val="accent1"/>
+          </a:fillRef>
+          <a:effectRef idx="0">
+            <a:schemeClr val="accent1"/>
+          </a:effectRef>
+          <a:fontRef idx="minor">
+            <a:schemeClr val="lt1"/>
+          </a:fontRef>
+        </p:style>
+        <p:txBody>
+          <a:bodyPr lIns="0" tIns="72000" rIns="0" bIns="72000" rtlCol="0" anchor="ctr"/>
+          <a:lstStyle/>
+          <a:p>
+            <a:pPr algn="ctr"/>
+            <a:endParaRPr lang="de-DE" sz="1800" i="1" baseline="-25000" dirty="0">
+              <a:solidFill>
+                <a:schemeClr val="tx1"/>
+              </a:solidFill>
+            </a:endParaRPr>
+          </a:p>
+        </p:txBody>
+      </p:sp>
+      <p:sp>
+        <p:nvSpPr>
+          <p:cNvPr id="10" name="Abgerundetes Rechteck 9"/>
+          <p:cNvSpPr/>
+          <p:nvPr/>
+        </p:nvSpPr>
+        <p:spPr>
+          <a:xfrm>
+            <a:off x="4786167" y="7309074"/>
+            <a:ext cx="943200" cy="504056"/>
+          </a:xfrm>
+          <a:prstGeom prst="roundRect">
+            <a:avLst/>
+          </a:prstGeom>
+          <a:noFill/>
+          <a:ln>
+            <a:noFill/>
+          </a:ln>
+        </p:spPr>
+        <p:style>
+          <a:lnRef idx="2">
+            <a:schemeClr val="accent1">
+              <a:shade val="50000"/>
+            </a:schemeClr>
+          </a:lnRef>
+          <a:fillRef idx="1">
+            <a:schemeClr val="accent1"/>
+          </a:fillRef>
+          <a:effectRef idx="0">
+            <a:schemeClr val="accent1"/>
+          </a:effectRef>
+          <a:fontRef idx="minor">
+            <a:schemeClr val="lt1"/>
+          </a:fontRef>
+        </p:style>
+        <p:txBody>
+          <a:bodyPr lIns="0" tIns="72000" rIns="0" bIns="72000" rtlCol="0" anchor="ctr"/>
+          <a:lstStyle/>
+          <a:p>
+            <a:pPr algn="ctr"/>
+            <a:endParaRPr lang="de-DE" sz="1800" i="1" baseline="-25000" dirty="0">
+              <a:solidFill>
+                <a:schemeClr val="tx1"/>
+              </a:solidFill>
+            </a:endParaRPr>
+          </a:p>
+        </p:txBody>
+      </p:sp>
+      <p:sp>
+        <p:nvSpPr>
+          <p:cNvPr id="11" name="Abgerundetes Rechteck 10"/>
+          <p:cNvSpPr/>
+          <p:nvPr/>
+        </p:nvSpPr>
+        <p:spPr>
+          <a:xfrm>
+            <a:off x="3842966" y="7309074"/>
+            <a:ext cx="1885135" cy="504056"/>
+          </a:xfrm>
+          <a:prstGeom prst="roundRect">
+            <a:avLst/>
+          </a:prstGeom>
+          <a:solidFill>
+            <a:schemeClr val="accent6"/>
+          </a:solidFill>
+          <a:ln>
+            <a:solidFill>
+              <a:schemeClr val="accent6">
+                <a:lumMod val="75000"/>
+              </a:schemeClr>
+            </a:solidFill>
+          </a:ln>
+        </p:spPr>
+        <p:style>
+          <a:lnRef idx="2">
+            <a:schemeClr val="accent1">
+              <a:shade val="50000"/>
+            </a:schemeClr>
+          </a:lnRef>
+          <a:fillRef idx="1">
+            <a:schemeClr val="accent1"/>
+          </a:fillRef>
+          <a:effectRef idx="0">
+            <a:schemeClr val="accent1"/>
+          </a:effectRef>
+          <a:fontRef idx="minor">
+            <a:schemeClr val="lt1"/>
+          </a:fontRef>
+        </p:style>
+        <p:txBody>
+          <a:bodyPr lIns="0" tIns="72000" rIns="0" bIns="72000" rtlCol="0" anchor="ctr"/>
+          <a:lstStyle/>
+          <a:p>
+            <a:pPr algn="ctr"/>
+            <a:r>
+              <a:rPr lang="de-DE" sz="1800" dirty="0" smtClean="0">
+                <a:solidFill>
+                  <a:schemeClr val="tx1"/>
+                </a:solidFill>
+              </a:rPr>
+              <a:t>Agenten</a:t>
+            </a:r>
+            <a:endParaRPr lang="de-DE" sz="1800" i="1" baseline="-25000" dirty="0">
+              <a:solidFill>
+                <a:schemeClr val="tx1"/>
+              </a:solidFill>
+            </a:endParaRPr>
+          </a:p>
+        </p:txBody>
+      </p:sp>
+      <p:cxnSp>
+        <p:nvCxnSpPr>
+          <p:cNvPr id="12" name="Gewinkelte Verbindung 11"/>
+          <p:cNvCxnSpPr>
+            <a:stCxn id="17" idx="3"/>
+            <a:endCxn id="8" idx="2"/>
+          </p:cNvCxnSpPr>
+          <p:nvPr/>
+        </p:nvCxnSpPr>
+        <p:spPr>
+          <a:xfrm flipV="1">
+            <a:off x="8221471" y="6480845"/>
+            <a:ext cx="1847582" cy="3168352"/>
+          </a:xfrm>
+          <a:prstGeom prst="bentConnector2">
+            <a:avLst/>
+          </a:prstGeom>
+          <a:ln w="38100">
+            <a:solidFill>
+              <a:schemeClr val="tx1"/>
+            </a:solidFill>
+            <a:headEnd type="none" w="med" len="med"/>
+            <a:tailEnd type="triangle" w="med" len="med"/>
+          </a:ln>
+        </p:spPr>
+        <p:style>
+          <a:lnRef idx="1">
+            <a:schemeClr val="accent1"/>
+          </a:lnRef>
+          <a:fillRef idx="0">
+            <a:schemeClr val="accent1"/>
+          </a:fillRef>
+          <a:effectRef idx="0">
+            <a:schemeClr val="accent1"/>
+          </a:effectRef>
+          <a:fontRef idx="minor">
+            <a:schemeClr val="tx1"/>
+          </a:fontRef>
+        </p:style>
+      </p:cxnSp>
+      <p:sp>
+        <p:nvSpPr>
+          <p:cNvPr id="13" name="Abgerundetes Rechteck 12"/>
+          <p:cNvSpPr/>
+          <p:nvPr/>
+        </p:nvSpPr>
+        <p:spPr>
+          <a:xfrm>
+            <a:off x="10069053" y="6480845"/>
+            <a:ext cx="1116124" cy="2520280"/>
+          </a:xfrm>
+          <a:prstGeom prst="roundRect">
+            <a:avLst/>
+          </a:prstGeom>
+          <a:noFill/>
+          <a:ln>
+            <a:noFill/>
+          </a:ln>
+        </p:spPr>
+        <p:style>
+          <a:lnRef idx="2">
+            <a:schemeClr val="accent1">
+              <a:shade val="50000"/>
+            </a:schemeClr>
+          </a:lnRef>
+          <a:fillRef idx="1">
+            <a:schemeClr val="accent1"/>
+          </a:fillRef>
+          <a:effectRef idx="0">
+            <a:schemeClr val="accent1"/>
+          </a:effectRef>
+          <a:fontRef idx="minor">
+            <a:schemeClr val="lt1"/>
+          </a:fontRef>
+        </p:style>
+        <p:txBody>
+          <a:bodyPr lIns="0" tIns="72000" rIns="0" bIns="72000" rtlCol="0" anchor="ctr"/>
+          <a:lstStyle/>
+          <a:p>
+            <a:pPr algn="ctr"/>
+            <a:r>
+              <a:rPr lang="de-DE" sz="1800" dirty="0" smtClean="0">
+                <a:solidFill>
+                  <a:schemeClr val="tx1"/>
+                </a:solidFill>
+              </a:rPr>
+              <a:t>Aktion</a:t>
+            </a:r>
+            <a:endParaRPr lang="de-DE" sz="1800" i="1" baseline="-25000" dirty="0">
+              <a:solidFill>
+                <a:schemeClr val="tx1"/>
+              </a:solidFill>
+            </a:endParaRPr>
+          </a:p>
+        </p:txBody>
+      </p:sp>
+      <p:sp>
+        <p:nvSpPr>
+          <p:cNvPr id="14" name="Abgerundetes Rechteck 13"/>
+          <p:cNvSpPr/>
+          <p:nvPr/>
+        </p:nvSpPr>
+        <p:spPr>
+          <a:xfrm>
+            <a:off x="5257767" y="6156772"/>
+            <a:ext cx="1847580" cy="864269"/>
+          </a:xfrm>
+          <a:prstGeom prst="roundRect">
+            <a:avLst/>
+          </a:prstGeom>
+          <a:noFill/>
+          <a:ln>
+            <a:noFill/>
+          </a:ln>
+        </p:spPr>
+        <p:style>
+          <a:lnRef idx="2">
+            <a:schemeClr val="accent1">
+              <a:shade val="50000"/>
+            </a:schemeClr>
+          </a:lnRef>
+          <a:fillRef idx="1">
+            <a:schemeClr val="accent1"/>
+          </a:fillRef>
+          <a:effectRef idx="0">
+            <a:schemeClr val="accent1"/>
+          </a:effectRef>
+          <a:fontRef idx="minor">
+            <a:schemeClr val="lt1"/>
+          </a:fontRef>
+        </p:style>
+        <p:txBody>
+          <a:bodyPr lIns="0" tIns="72000" rIns="0" bIns="72000" rtlCol="0" anchor="ctr"/>
+          <a:lstStyle/>
+          <a:p>
+            <a:pPr algn="ctr"/>
+            <a:r>
+              <a:rPr lang="de-DE" sz="1800" dirty="0" smtClean="0">
+                <a:solidFill>
+                  <a:schemeClr val="tx1"/>
+                </a:solidFill>
+              </a:rPr>
+              <a:t>Zustand</a:t>
+            </a:r>
+            <a:endParaRPr lang="de-DE" sz="1800" i="1" baseline="-25000" dirty="0">
+              <a:solidFill>
+                <a:schemeClr val="tx1"/>
+              </a:solidFill>
+            </a:endParaRPr>
+          </a:p>
+        </p:txBody>
+      </p:sp>
+      <p:sp>
+        <p:nvSpPr>
+          <p:cNvPr id="15" name="Abgerundetes Rechteck 14"/>
+          <p:cNvSpPr/>
+          <p:nvPr/>
+        </p:nvSpPr>
+        <p:spPr>
+          <a:xfrm>
+            <a:off x="2923870" y="6156773"/>
+            <a:ext cx="1390697" cy="864269"/>
+          </a:xfrm>
+          <a:prstGeom prst="roundRect">
+            <a:avLst/>
+          </a:prstGeom>
+          <a:noFill/>
+          <a:ln>
+            <a:noFill/>
+          </a:ln>
+        </p:spPr>
+        <p:style>
+          <a:lnRef idx="2">
+            <a:schemeClr val="accent1">
+              <a:shade val="50000"/>
+            </a:schemeClr>
+          </a:lnRef>
+          <a:fillRef idx="1">
+            <a:schemeClr val="accent1"/>
+          </a:fillRef>
+          <a:effectRef idx="0">
+            <a:schemeClr val="accent1"/>
+          </a:effectRef>
+          <a:fontRef idx="minor">
+            <a:schemeClr val="lt1"/>
+          </a:fontRef>
+        </p:style>
+        <p:txBody>
+          <a:bodyPr lIns="0" tIns="72000" rIns="0" bIns="72000" rtlCol="0" anchor="ctr"/>
+          <a:lstStyle/>
+          <a:p>
+            <a:pPr algn="ctr"/>
+            <a:r>
+              <a:rPr lang="de-DE" sz="1800" dirty="0" smtClean="0">
+                <a:solidFill>
+                  <a:schemeClr val="tx1"/>
+                </a:solidFill>
+              </a:rPr>
+              <a:t>Belohnung</a:t>
+            </a:r>
+            <a:endParaRPr lang="de-DE" sz="1800" i="1" baseline="-25000" dirty="0">
+              <a:solidFill>
+                <a:schemeClr val="tx1"/>
+              </a:solidFill>
+            </a:endParaRPr>
+          </a:p>
+        </p:txBody>
+      </p:sp>
+      <p:sp>
+        <p:nvSpPr>
+          <p:cNvPr id="17" name="Abgerundetes Rechteck 16"/>
+          <p:cNvSpPr/>
+          <p:nvPr/>
+        </p:nvSpPr>
+        <p:spPr>
+          <a:xfrm>
+            <a:off x="5989224" y="9001125"/>
+            <a:ext cx="2232247" cy="1296144"/>
+          </a:xfrm>
+          <a:prstGeom prst="roundRect">
+            <a:avLst>
+              <a:gd name="adj" fmla="val 10607"/>
+            </a:avLst>
+          </a:prstGeom>
+          <a:solidFill>
+            <a:schemeClr val="accent6"/>
+          </a:solidFill>
+          <a:ln>
+            <a:solidFill>
+              <a:schemeClr val="accent6">
+                <a:lumMod val="75000"/>
+              </a:schemeClr>
+            </a:solidFill>
+          </a:ln>
+        </p:spPr>
+        <p:style>
+          <a:lnRef idx="2">
+            <a:schemeClr val="accent1">
+              <a:shade val="50000"/>
+            </a:schemeClr>
+          </a:lnRef>
+          <a:fillRef idx="1">
+            <a:schemeClr val="accent1"/>
+          </a:fillRef>
+          <a:effectRef idx="0">
+            <a:schemeClr val="accent1"/>
+          </a:effectRef>
+          <a:fontRef idx="minor">
+            <a:schemeClr val="lt1"/>
+          </a:fontRef>
+        </p:style>
+        <p:txBody>
+          <a:bodyPr lIns="0" tIns="72000" rIns="0" bIns="72000" rtlCol="0" anchor="ctr"/>
+          <a:lstStyle/>
+          <a:p>
+            <a:pPr algn="ctr"/>
+            <a:r>
+              <a:rPr lang="de-DE" sz="1800" dirty="0" smtClean="0">
+                <a:solidFill>
+                  <a:schemeClr val="tx1"/>
+                </a:solidFill>
+              </a:rPr>
+              <a:t>Ausführende</a:t>
+            </a:r>
+          </a:p>
+          <a:p>
+            <a:pPr algn="ctr"/>
+            <a:r>
+              <a:rPr lang="de-DE" sz="1800" dirty="0" smtClean="0">
+                <a:solidFill>
+                  <a:schemeClr val="tx1"/>
+                </a:solidFill>
+              </a:rPr>
+              <a:t>Richtlinie</a:t>
+            </a:r>
+          </a:p>
+          <a:p>
+            <a:pPr algn="ctr"/>
+            <a:r>
+              <a:rPr lang="de-DE" sz="1800" dirty="0" smtClean="0">
+                <a:solidFill>
+                  <a:schemeClr val="tx1"/>
+                </a:solidFill>
+              </a:rPr>
+              <a:t>(</a:t>
+            </a:r>
+            <a:r>
+              <a:rPr lang="de-DE" sz="1800" dirty="0" err="1" smtClean="0">
+                <a:solidFill>
+                  <a:schemeClr val="tx1"/>
+                </a:solidFill>
+              </a:rPr>
+              <a:t>Actor</a:t>
+            </a:r>
+            <a:r>
+              <a:rPr lang="de-DE" sz="1800" dirty="0" smtClean="0">
+                <a:solidFill>
+                  <a:schemeClr val="tx1"/>
+                </a:solidFill>
+              </a:rPr>
+              <a:t>)</a:t>
+            </a:r>
+            <a:endParaRPr lang="de-DE" sz="1800" i="1" baseline="-25000" dirty="0">
+              <a:solidFill>
+                <a:schemeClr val="tx1"/>
+              </a:solidFill>
+            </a:endParaRPr>
+          </a:p>
+        </p:txBody>
+      </p:sp>
+      <p:sp>
+        <p:nvSpPr>
+          <p:cNvPr id="18" name="Abgerundetes Rechteck 17"/>
+          <p:cNvSpPr/>
+          <p:nvPr/>
+        </p:nvSpPr>
+        <p:spPr>
+          <a:xfrm>
+            <a:off x="3670043" y="7309074"/>
+            <a:ext cx="2232247" cy="1296144"/>
+          </a:xfrm>
+          <a:prstGeom prst="roundRect">
+            <a:avLst>
+              <a:gd name="adj" fmla="val 10607"/>
+            </a:avLst>
+          </a:prstGeom>
+          <a:solidFill>
+            <a:schemeClr val="accent6"/>
+          </a:solidFill>
+          <a:ln>
+            <a:solidFill>
+              <a:schemeClr val="accent6">
+                <a:lumMod val="75000"/>
+              </a:schemeClr>
+            </a:solidFill>
+          </a:ln>
+        </p:spPr>
+        <p:style>
+          <a:lnRef idx="2">
+            <a:schemeClr val="accent1">
+              <a:shade val="50000"/>
+            </a:schemeClr>
+          </a:lnRef>
+          <a:fillRef idx="1">
+            <a:schemeClr val="accent1"/>
+          </a:fillRef>
+          <a:effectRef idx="0">
+            <a:schemeClr val="accent1"/>
+          </a:effectRef>
+          <a:fontRef idx="minor">
+            <a:schemeClr val="lt1"/>
+          </a:fontRef>
+        </p:style>
+        <p:txBody>
+          <a:bodyPr lIns="0" tIns="72000" rIns="0" bIns="72000" rtlCol="0" anchor="ctr"/>
+          <a:lstStyle/>
+          <a:p>
+            <a:pPr algn="ctr"/>
+            <a:r>
+              <a:rPr lang="de-DE" sz="1800" dirty="0" smtClean="0">
+                <a:solidFill>
+                  <a:schemeClr val="tx1"/>
+                </a:solidFill>
+              </a:rPr>
+              <a:t>Wertetabelle /</a:t>
+            </a:r>
+          </a:p>
+          <a:p>
+            <a:pPr algn="ctr"/>
+            <a:r>
+              <a:rPr lang="de-DE" sz="1800" dirty="0" smtClean="0">
+                <a:solidFill>
+                  <a:schemeClr val="tx1"/>
+                </a:solidFill>
+              </a:rPr>
+              <a:t>Wertefunktion</a:t>
+            </a:r>
+          </a:p>
+          <a:p>
+            <a:pPr algn="ctr"/>
+            <a:r>
+              <a:rPr lang="de-DE" sz="1800" dirty="0" smtClean="0">
+                <a:solidFill>
+                  <a:schemeClr val="tx1"/>
+                </a:solidFill>
+              </a:rPr>
+              <a:t>(</a:t>
+            </a:r>
+            <a:r>
+              <a:rPr lang="de-DE" sz="1800" dirty="0" err="1" smtClean="0">
+                <a:solidFill>
+                  <a:schemeClr val="tx1"/>
+                </a:solidFill>
+              </a:rPr>
+              <a:t>Critic</a:t>
+            </a:r>
+            <a:r>
+              <a:rPr lang="de-DE" sz="1800" dirty="0" smtClean="0">
+                <a:solidFill>
+                  <a:schemeClr val="tx1"/>
+                </a:solidFill>
+              </a:rPr>
+              <a:t>)</a:t>
+            </a:r>
+            <a:endParaRPr lang="de-DE" sz="1800" i="1" baseline="-25000" dirty="0">
+              <a:solidFill>
+                <a:schemeClr val="tx1"/>
+              </a:solidFill>
+            </a:endParaRPr>
+          </a:p>
+        </p:txBody>
+      </p:sp>
+      <p:cxnSp>
+        <p:nvCxnSpPr>
+          <p:cNvPr id="4" name="Gewinkelte Verbindung 3"/>
+          <p:cNvCxnSpPr>
+            <a:stCxn id="6" idx="1"/>
+            <a:endCxn id="9" idx="0"/>
+          </p:cNvCxnSpPr>
+          <p:nvPr/>
+        </p:nvCxnSpPr>
+        <p:spPr>
+          <a:xfrm rot="10800000" flipV="1">
+            <a:off x="4314568" y="5508700"/>
+            <a:ext cx="4638361" cy="1800373"/>
+          </a:xfrm>
+          <a:prstGeom prst="bentConnector2">
+            <a:avLst/>
+          </a:prstGeom>
+          <a:ln w="38100">
+            <a:solidFill>
+              <a:schemeClr val="tx1"/>
+            </a:solidFill>
+            <a:headEnd type="none" w="med" len="med"/>
+            <a:tailEnd type="triangle" w="med" len="med"/>
+          </a:ln>
+        </p:spPr>
+        <p:style>
+          <a:lnRef idx="1">
+            <a:schemeClr val="accent1"/>
+          </a:lnRef>
+          <a:fillRef idx="0">
+            <a:schemeClr val="accent1"/>
+          </a:fillRef>
+          <a:effectRef idx="0">
+            <a:schemeClr val="accent1"/>
+          </a:effectRef>
+          <a:fontRef idx="minor">
+            <a:schemeClr val="tx1"/>
+          </a:fontRef>
+        </p:style>
+      </p:cxnSp>
+      <p:cxnSp>
+        <p:nvCxnSpPr>
+          <p:cNvPr id="5" name="Gewinkelte Verbindung 4"/>
+          <p:cNvCxnSpPr>
+            <a:stCxn id="7" idx="1"/>
+            <a:endCxn id="10" idx="0"/>
+          </p:cNvCxnSpPr>
+          <p:nvPr/>
+        </p:nvCxnSpPr>
+        <p:spPr>
+          <a:xfrm rot="10800000" flipV="1">
+            <a:off x="5257768" y="6156772"/>
+            <a:ext cx="3695161" cy="1152301"/>
+          </a:xfrm>
+          <a:prstGeom prst="bentConnector2">
+            <a:avLst/>
+          </a:prstGeom>
+          <a:ln w="38100">
+            <a:solidFill>
+              <a:schemeClr val="tx1"/>
+            </a:solidFill>
+            <a:headEnd type="none" w="med" len="med"/>
+            <a:tailEnd type="triangle" w="med" len="med"/>
+          </a:ln>
+        </p:spPr>
+        <p:style>
+          <a:lnRef idx="1">
+            <a:schemeClr val="accent1"/>
+          </a:lnRef>
+          <a:fillRef idx="0">
+            <a:schemeClr val="accent1"/>
+          </a:fillRef>
+          <a:effectRef idx="0">
+            <a:schemeClr val="accent1"/>
+          </a:effectRef>
+          <a:fontRef idx="minor">
+            <a:schemeClr val="tx1"/>
+          </a:fontRef>
+        </p:style>
+      </p:cxnSp>
+      <p:sp>
+        <p:nvSpPr>
+          <p:cNvPr id="32" name="Abgerundetes Rechteck 31"/>
+          <p:cNvSpPr/>
+          <p:nvPr/>
+        </p:nvSpPr>
+        <p:spPr>
+          <a:xfrm>
+            <a:off x="4786812" y="8605218"/>
+            <a:ext cx="1116124" cy="1043978"/>
+          </a:xfrm>
+          <a:prstGeom prst="roundRect">
+            <a:avLst/>
+          </a:prstGeom>
+          <a:noFill/>
+          <a:ln>
+            <a:noFill/>
+          </a:ln>
+        </p:spPr>
+        <p:style>
+          <a:lnRef idx="2">
+            <a:schemeClr val="accent1">
+              <a:shade val="50000"/>
+            </a:schemeClr>
+          </a:lnRef>
+          <a:fillRef idx="1">
+            <a:schemeClr val="accent1"/>
+          </a:fillRef>
+          <a:effectRef idx="0">
+            <a:schemeClr val="accent1"/>
+          </a:effectRef>
+          <a:fontRef idx="minor">
+            <a:schemeClr val="lt1"/>
+          </a:fontRef>
+        </p:style>
+        <p:txBody>
+          <a:bodyPr lIns="0" tIns="72000" rIns="0" bIns="72000" rtlCol="0" anchor="ctr"/>
+          <a:lstStyle/>
+          <a:p>
+            <a:pPr algn="ctr"/>
+            <a:r>
+              <a:rPr lang="de-DE" sz="1800" dirty="0" smtClean="0">
+                <a:solidFill>
+                  <a:schemeClr val="tx1"/>
+                </a:solidFill>
+              </a:rPr>
+              <a:t>Kritik</a:t>
+            </a:r>
+            <a:endParaRPr lang="de-DE" sz="1800" i="1" baseline="-25000" dirty="0">
+              <a:solidFill>
+                <a:schemeClr val="tx1"/>
+              </a:solidFill>
+            </a:endParaRPr>
+          </a:p>
+        </p:txBody>
+      </p:sp>
+      <p:cxnSp>
+        <p:nvCxnSpPr>
+          <p:cNvPr id="35" name="Gewinkelte Verbindung 34"/>
+          <p:cNvCxnSpPr>
+            <a:stCxn id="18" idx="2"/>
+            <a:endCxn id="17" idx="1"/>
+          </p:cNvCxnSpPr>
+          <p:nvPr/>
+        </p:nvCxnSpPr>
+        <p:spPr>
+          <a:xfrm rot="16200000" flipH="1">
+            <a:off x="4865706" y="8525678"/>
+            <a:ext cx="1043979" cy="1203057"/>
+          </a:xfrm>
+          <a:prstGeom prst="bentConnector2">
+            <a:avLst/>
+          </a:prstGeom>
+          <a:ln w="38100">
+            <a:solidFill>
+              <a:schemeClr val="tx1"/>
+            </a:solidFill>
+            <a:headEnd type="none" w="med" len="med"/>
+            <a:tailEnd type="triangle" w="med" len="med"/>
+          </a:ln>
+        </p:spPr>
+        <p:style>
+          <a:lnRef idx="1">
+            <a:schemeClr val="accent1"/>
+          </a:lnRef>
+          <a:fillRef idx="0">
+            <a:schemeClr val="accent1"/>
+          </a:fillRef>
+          <a:effectRef idx="0">
+            <a:schemeClr val="accent1"/>
+          </a:effectRef>
+          <a:fontRef idx="minor">
+            <a:schemeClr val="tx1"/>
+          </a:fontRef>
+        </p:style>
+      </p:cxnSp>
+      <p:cxnSp>
+        <p:nvCxnSpPr>
+          <p:cNvPr id="40" name="Gewinkelte Verbindung 39"/>
+          <p:cNvCxnSpPr>
+            <a:stCxn id="7" idx="1"/>
+            <a:endCxn id="17" idx="0"/>
+          </p:cNvCxnSpPr>
+          <p:nvPr/>
+        </p:nvCxnSpPr>
+        <p:spPr>
+          <a:xfrm rot="10800000" flipV="1">
+            <a:off x="7105348" y="6156773"/>
+            <a:ext cx="1847580" cy="2844352"/>
+          </a:xfrm>
+          <a:prstGeom prst="bentConnector2">
+            <a:avLst/>
+          </a:prstGeom>
+          <a:ln w="38100">
+            <a:solidFill>
+              <a:schemeClr val="tx1"/>
+            </a:solidFill>
+            <a:headEnd type="none" w="med" len="med"/>
+            <a:tailEnd type="triangle" w="med" len="med"/>
+          </a:ln>
+        </p:spPr>
+        <p:style>
+          <a:lnRef idx="1">
+            <a:schemeClr val="accent1"/>
+          </a:lnRef>
+          <a:fillRef idx="0">
+            <a:schemeClr val="accent1"/>
+          </a:fillRef>
+          <a:effectRef idx="0">
+            <a:schemeClr val="accent1"/>
+          </a:effectRef>
+          <a:fontRef idx="minor">
+            <a:schemeClr val="tx1"/>
+          </a:fontRef>
+        </p:style>
+      </p:cxnSp>
+    </p:spTree>
+    <p:extLst>
+      <p:ext uri="{BB962C8B-B14F-4D97-AF65-F5344CB8AC3E}">
+        <p14:creationId xmlns:p14="http://schemas.microsoft.com/office/powerpoint/2010/main" val="2768230921"/>
+      </p:ext>
+    </p:extLst>
+  </p:cSld>
+  <p:clrMapOvr>
+    <a:masterClrMapping/>
+  </p:clrMapOvr>
+</p:sld>
+</file>
+
+<file path=ppt/slides/slide6.xml><?xml version="1.0" encoding="utf-8"?>
+<p:sld xmlns:a="http://schemas.openxmlformats.org/drawingml/2006/main" xmlns:r="http://schemas.openxmlformats.org/officeDocument/2006/relationships" xmlns:p="http://schemas.openxmlformats.org/presentationml/2006/main">
+  <p:cSld>
+    <p:spTree>
+      <p:nvGrpSpPr>
+        <p:cNvPr id="1" name=""/>
+        <p:cNvGrpSpPr/>
+        <p:nvPr/>
+      </p:nvGrpSpPr>
+      <p:grpSpPr>
+        <a:xfrm>
+          <a:off x="0" y="0"/>
+          <a:ext cx="0" cy="0"/>
+          <a:chOff x="0" y="0"/>
+          <a:chExt cx="0" cy="0"/>
+        </a:xfrm>
+      </p:grpSpPr>
+      <p:sp>
+        <p:nvSpPr>
+          <p:cNvPr id="2" name="Flussdiagramm: Prozess 1"/>
+          <p:cNvSpPr/>
+          <p:nvPr/>
+        </p:nvSpPr>
+        <p:spPr>
+          <a:xfrm>
+            <a:off x="984801" y="2576569"/>
+            <a:ext cx="3002400" cy="432048"/>
+          </a:xfrm>
+          <a:prstGeom prst="flowChartProcess">
+            <a:avLst/>
+          </a:prstGeom>
+          <a:solidFill>
+            <a:schemeClr val="tx2">
+              <a:lumMod val="20000"/>
+              <a:lumOff val="80000"/>
+            </a:schemeClr>
+          </a:solidFill>
+          <a:ln>
+            <a:solidFill>
+              <a:schemeClr val="tx2"/>
+            </a:solidFill>
+          </a:ln>
+        </p:spPr>
+        <p:style>
+          <a:lnRef idx="2">
+            <a:schemeClr val="accent1">
+              <a:shade val="50000"/>
+            </a:schemeClr>
+          </a:lnRef>
+          <a:fillRef idx="1">
+            <a:schemeClr val="accent1"/>
+          </a:fillRef>
+          <a:effectRef idx="0">
+            <a:schemeClr val="accent1"/>
+          </a:effectRef>
+          <a:fontRef idx="minor">
+            <a:schemeClr val="lt1"/>
+          </a:fontRef>
+        </p:style>
+        <p:txBody>
+          <a:bodyPr rtlCol="0" anchor="ctr"/>
+          <a:lstStyle/>
+          <a:p>
+            <a:pPr algn="ctr"/>
+            <a:r>
+              <a:rPr lang="de-DE" sz="1800" dirty="0" smtClean="0">
+                <a:solidFill>
+                  <a:schemeClr val="tx1"/>
+                </a:solidFill>
+              </a:rPr>
+              <a:t>Main</a:t>
+            </a:r>
+            <a:endParaRPr lang="de-DE" sz="1800" dirty="0">
+              <a:solidFill>
+                <a:schemeClr val="tx1"/>
+              </a:solidFill>
+            </a:endParaRPr>
+          </a:p>
+        </p:txBody>
+      </p:sp>
+      <p:sp>
+        <p:nvSpPr>
+          <p:cNvPr id="21" name="Flussdiagramm: Prozess 20"/>
+          <p:cNvSpPr/>
+          <p:nvPr/>
+        </p:nvSpPr>
+        <p:spPr>
+          <a:xfrm>
+            <a:off x="984801" y="3008616"/>
+            <a:ext cx="3002400" cy="2376265"/>
+          </a:xfrm>
+          <a:prstGeom prst="flowChartProcess">
+            <a:avLst/>
+          </a:prstGeom>
+          <a:solidFill>
+            <a:schemeClr val="tx2">
+              <a:lumMod val="20000"/>
+              <a:lumOff val="80000"/>
+            </a:schemeClr>
+          </a:solidFill>
+          <a:ln>
+            <a:solidFill>
+              <a:schemeClr val="tx2"/>
+            </a:solidFill>
+          </a:ln>
+        </p:spPr>
+        <p:style>
+          <a:lnRef idx="2">
+            <a:schemeClr val="accent1">
+              <a:shade val="50000"/>
+            </a:schemeClr>
+          </a:lnRef>
+          <a:fillRef idx="1">
+            <a:schemeClr val="accent1"/>
+          </a:fillRef>
+          <a:effectRef idx="0">
+            <a:schemeClr val="accent1"/>
+          </a:effectRef>
+          <a:fontRef idx="minor">
+            <a:schemeClr val="lt1"/>
+          </a:fontRef>
+        </p:style>
+        <p:txBody>
+          <a:bodyPr rtlCol="0" anchor="t"/>
+          <a:lstStyle/>
+          <a:p>
+            <a:r>
+              <a:rPr lang="de-DE" sz="1800" dirty="0" smtClean="0">
+                <a:solidFill>
+                  <a:schemeClr val="tx1"/>
+                </a:solidFill>
+              </a:rPr>
+              <a:t>+ </a:t>
+            </a:r>
+            <a:r>
+              <a:rPr lang="de-DE" sz="1800" dirty="0" err="1" smtClean="0">
+                <a:solidFill>
+                  <a:schemeClr val="tx1"/>
+                </a:solidFill>
+              </a:rPr>
+              <a:t>argparser</a:t>
+            </a:r>
+            <a:r>
+              <a:rPr lang="de-DE" sz="1800" dirty="0" smtClean="0">
+                <a:solidFill>
+                  <a:schemeClr val="tx1"/>
+                </a:solidFill>
+              </a:rPr>
+              <a:t>()</a:t>
+            </a:r>
+          </a:p>
+          <a:p>
+            <a:r>
+              <a:rPr lang="de-DE" sz="1800" dirty="0" smtClean="0">
+                <a:solidFill>
+                  <a:schemeClr val="tx1"/>
+                </a:solidFill>
+              </a:rPr>
+              <a:t>+ </a:t>
+            </a:r>
+            <a:r>
+              <a:rPr lang="de-DE" sz="1800" dirty="0" err="1" smtClean="0">
+                <a:solidFill>
+                  <a:schemeClr val="tx1"/>
+                </a:solidFill>
+              </a:rPr>
+              <a:t>key_press</a:t>
+            </a:r>
+            <a:r>
+              <a:rPr lang="de-DE" sz="1800" dirty="0" smtClean="0">
+                <a:solidFill>
+                  <a:schemeClr val="tx1"/>
+                </a:solidFill>
+              </a:rPr>
+              <a:t>(</a:t>
+            </a:r>
+            <a:r>
+              <a:rPr lang="de-DE" sz="1800" dirty="0" err="1" smtClean="0">
+                <a:solidFill>
+                  <a:schemeClr val="tx1"/>
+                </a:solidFill>
+              </a:rPr>
+              <a:t>key</a:t>
+            </a:r>
+            <a:r>
+              <a:rPr lang="de-DE" sz="1800" dirty="0" smtClean="0">
+                <a:solidFill>
+                  <a:schemeClr val="tx1"/>
+                </a:solidFill>
+              </a:rPr>
+              <a:t>)</a:t>
+            </a:r>
+            <a:endParaRPr lang="de-DE" sz="1800" dirty="0">
+              <a:solidFill>
+                <a:schemeClr val="tx1"/>
+              </a:solidFill>
+            </a:endParaRPr>
+          </a:p>
+          <a:p>
+            <a:r>
+              <a:rPr lang="de-DE" sz="1800" dirty="0">
+                <a:solidFill>
+                  <a:schemeClr val="tx1"/>
+                </a:solidFill>
+              </a:rPr>
+              <a:t>+ </a:t>
+            </a:r>
+            <a:r>
+              <a:rPr lang="de-DE" sz="1800" dirty="0" err="1" smtClean="0">
+                <a:solidFill>
+                  <a:schemeClr val="tx1"/>
+                </a:solidFill>
+              </a:rPr>
+              <a:t>key_release</a:t>
+            </a:r>
+            <a:r>
+              <a:rPr lang="de-DE" sz="1800" dirty="0" smtClean="0">
+                <a:solidFill>
+                  <a:schemeClr val="tx1"/>
+                </a:solidFill>
+              </a:rPr>
+              <a:t>(</a:t>
+            </a:r>
+            <a:r>
+              <a:rPr lang="de-DE" sz="1800" dirty="0" err="1" smtClean="0">
+                <a:solidFill>
+                  <a:schemeClr val="tx1"/>
+                </a:solidFill>
+              </a:rPr>
+              <a:t>key</a:t>
+            </a:r>
+            <a:r>
+              <a:rPr lang="de-DE" sz="1800" dirty="0" smtClean="0">
+                <a:solidFill>
+                  <a:schemeClr val="tx1"/>
+                </a:solidFill>
+              </a:rPr>
+              <a:t>)</a:t>
+            </a:r>
+          </a:p>
+          <a:p>
+            <a:r>
+              <a:rPr lang="de-DE" sz="1800" dirty="0" smtClean="0">
+                <a:solidFill>
+                  <a:schemeClr val="tx1"/>
+                </a:solidFill>
+              </a:rPr>
+              <a:t>+ </a:t>
+            </a:r>
+            <a:r>
+              <a:rPr lang="de-DE" sz="1800" dirty="0" err="1" smtClean="0">
+                <a:solidFill>
+                  <a:schemeClr val="tx1"/>
+                </a:solidFill>
+              </a:rPr>
+              <a:t>preproces_observation</a:t>
+            </a:r>
+            <a:r>
+              <a:rPr lang="de-DE" sz="1800" dirty="0" smtClean="0">
+                <a:solidFill>
+                  <a:schemeClr val="tx1"/>
+                </a:solidFill>
+              </a:rPr>
+              <a:t>(</a:t>
+            </a:r>
+          </a:p>
+          <a:p>
+            <a:pPr>
+              <a:tabLst>
+                <a:tab pos="177800" algn="l"/>
+              </a:tabLst>
+            </a:pPr>
+            <a:r>
+              <a:rPr lang="de-DE" sz="1800" dirty="0">
+                <a:solidFill>
+                  <a:schemeClr val="tx1"/>
+                </a:solidFill>
+              </a:rPr>
+              <a:t>	</a:t>
+            </a:r>
+            <a:r>
+              <a:rPr lang="de-DE" sz="1800" dirty="0" err="1" smtClean="0">
+                <a:solidFill>
+                  <a:schemeClr val="tx1"/>
+                </a:solidFill>
+              </a:rPr>
+              <a:t>obs</a:t>
+            </a:r>
+            <a:r>
+              <a:rPr lang="de-DE" sz="1800" dirty="0" smtClean="0">
+                <a:solidFill>
+                  <a:schemeClr val="tx1"/>
+                </a:solidFill>
+              </a:rPr>
+              <a:t>, </a:t>
+            </a:r>
+            <a:r>
+              <a:rPr lang="de-DE" sz="1800" dirty="0" err="1" smtClean="0">
+                <a:solidFill>
+                  <a:schemeClr val="tx1"/>
+                </a:solidFill>
+              </a:rPr>
+              <a:t>img_size</a:t>
+            </a:r>
+            <a:r>
+              <a:rPr lang="de-DE" sz="1800" dirty="0" smtClean="0">
+                <a:solidFill>
+                  <a:schemeClr val="tx1"/>
+                </a:solidFill>
+              </a:rPr>
+              <a:t>)</a:t>
+            </a:r>
+          </a:p>
+          <a:p>
+            <a:pPr>
+              <a:tabLst>
+                <a:tab pos="180975" algn="l"/>
+              </a:tabLst>
+            </a:pPr>
+            <a:r>
+              <a:rPr lang="de-DE" sz="1800" dirty="0" smtClean="0">
+                <a:solidFill>
+                  <a:schemeClr val="tx1"/>
+                </a:solidFill>
+              </a:rPr>
+              <a:t>+ </a:t>
+            </a:r>
+            <a:r>
+              <a:rPr lang="de-DE" sz="1800" dirty="0" err="1" smtClean="0">
+                <a:solidFill>
+                  <a:schemeClr val="tx1"/>
+                </a:solidFill>
+              </a:rPr>
+              <a:t>step</a:t>
+            </a:r>
+            <a:r>
+              <a:rPr lang="de-DE" sz="1800" dirty="0" smtClean="0">
+                <a:solidFill>
+                  <a:schemeClr val="tx1"/>
+                </a:solidFill>
+              </a:rPr>
+              <a:t>(</a:t>
+            </a:r>
+            <a:r>
+              <a:rPr lang="de-DE" sz="1800" dirty="0" err="1" smtClean="0">
+                <a:solidFill>
+                  <a:schemeClr val="tx1"/>
+                </a:solidFill>
+              </a:rPr>
+              <a:t>env</a:t>
+            </a:r>
+            <a:r>
+              <a:rPr lang="de-DE" sz="1800" dirty="0" smtClean="0">
+                <a:solidFill>
+                  <a:schemeClr val="tx1"/>
+                </a:solidFill>
+              </a:rPr>
+              <a:t>, </a:t>
+            </a:r>
+            <a:r>
+              <a:rPr lang="de-DE" sz="1800" dirty="0" err="1" smtClean="0">
+                <a:solidFill>
+                  <a:schemeClr val="tx1"/>
+                </a:solidFill>
+              </a:rPr>
+              <a:t>action</a:t>
+            </a:r>
+            <a:r>
+              <a:rPr lang="de-DE" sz="1800" dirty="0" smtClean="0">
+                <a:solidFill>
+                  <a:schemeClr val="tx1"/>
+                </a:solidFill>
+              </a:rPr>
+              <a:t>): </a:t>
+            </a:r>
+            <a:r>
+              <a:rPr lang="de-DE" sz="1800" dirty="0" err="1" smtClean="0">
+                <a:solidFill>
+                  <a:schemeClr val="tx1"/>
+                </a:solidFill>
+              </a:rPr>
+              <a:t>obs</a:t>
+            </a:r>
+            <a:r>
+              <a:rPr lang="de-DE" sz="1800" dirty="0" smtClean="0">
+                <a:solidFill>
+                  <a:schemeClr val="tx1"/>
+                </a:solidFill>
+              </a:rPr>
+              <a:t>, 	</a:t>
+            </a:r>
+            <a:r>
+              <a:rPr lang="de-DE" sz="1800" dirty="0" err="1" smtClean="0">
+                <a:solidFill>
+                  <a:schemeClr val="tx1"/>
+                </a:solidFill>
+              </a:rPr>
+              <a:t>reward</a:t>
+            </a:r>
+            <a:r>
+              <a:rPr lang="de-DE" sz="1800" dirty="0" smtClean="0">
+                <a:solidFill>
+                  <a:schemeClr val="tx1"/>
+                </a:solidFill>
+              </a:rPr>
+              <a:t>, </a:t>
+            </a:r>
+            <a:r>
+              <a:rPr lang="de-DE" sz="1800" dirty="0" err="1" smtClean="0">
+                <a:solidFill>
+                  <a:schemeClr val="tx1"/>
+                </a:solidFill>
+              </a:rPr>
+              <a:t>done</a:t>
+            </a:r>
+            <a:endParaRPr lang="de-DE" sz="1800" dirty="0" smtClean="0">
+              <a:solidFill>
+                <a:schemeClr val="tx1"/>
+              </a:solidFill>
+            </a:endParaRPr>
+          </a:p>
+          <a:p>
+            <a:r>
+              <a:rPr lang="de-DE" sz="1800" dirty="0" smtClean="0">
+                <a:solidFill>
+                  <a:schemeClr val="tx1"/>
+                </a:solidFill>
+              </a:rPr>
+              <a:t>+ </a:t>
+            </a:r>
+            <a:r>
+              <a:rPr lang="de-DE" sz="1800" dirty="0" err="1" smtClean="0">
+                <a:solidFill>
+                  <a:schemeClr val="tx1"/>
+                </a:solidFill>
+              </a:rPr>
+              <a:t>main</a:t>
+            </a:r>
+            <a:r>
+              <a:rPr lang="de-DE" sz="1800" dirty="0" smtClean="0">
+                <a:solidFill>
+                  <a:schemeClr val="tx1"/>
+                </a:solidFill>
+              </a:rPr>
+              <a:t>()</a:t>
+            </a:r>
+            <a:endParaRPr lang="de-DE" sz="1800" dirty="0">
+              <a:solidFill>
+                <a:schemeClr val="tx1"/>
+              </a:solidFill>
+            </a:endParaRPr>
+          </a:p>
+          <a:p>
+            <a:endParaRPr lang="de-DE" sz="1800" dirty="0">
+              <a:solidFill>
+                <a:schemeClr val="tx1"/>
+              </a:solidFill>
+            </a:endParaRPr>
+          </a:p>
+        </p:txBody>
+      </p:sp>
+      <p:sp>
+        <p:nvSpPr>
+          <p:cNvPr id="23" name="Flussdiagramm: Prozess 22"/>
+          <p:cNvSpPr/>
+          <p:nvPr/>
+        </p:nvSpPr>
+        <p:spPr>
+          <a:xfrm>
+            <a:off x="5256709" y="2576570"/>
+            <a:ext cx="3000900" cy="432048"/>
+          </a:xfrm>
+          <a:prstGeom prst="flowChartProcess">
+            <a:avLst/>
+          </a:prstGeom>
+          <a:solidFill>
+            <a:schemeClr val="tx2">
+              <a:lumMod val="20000"/>
+              <a:lumOff val="80000"/>
+            </a:schemeClr>
+          </a:solidFill>
+          <a:ln>
+            <a:solidFill>
+              <a:schemeClr val="tx2"/>
+            </a:solidFill>
+          </a:ln>
+        </p:spPr>
+        <p:style>
+          <a:lnRef idx="2">
+            <a:schemeClr val="accent1">
+              <a:shade val="50000"/>
+            </a:schemeClr>
+          </a:lnRef>
+          <a:fillRef idx="1">
+            <a:schemeClr val="accent1"/>
+          </a:fillRef>
+          <a:effectRef idx="0">
+            <a:schemeClr val="accent1"/>
+          </a:effectRef>
+          <a:fontRef idx="minor">
+            <a:schemeClr val="lt1"/>
+          </a:fontRef>
+        </p:style>
+        <p:txBody>
+          <a:bodyPr rtlCol="0" anchor="ctr"/>
+          <a:lstStyle/>
+          <a:p>
+            <a:pPr algn="ctr"/>
+            <a:r>
+              <a:rPr lang="de-DE" sz="1800" i="1" dirty="0" smtClean="0">
+                <a:solidFill>
+                  <a:schemeClr val="tx1"/>
+                </a:solidFill>
+              </a:rPr>
+              <a:t>Agent</a:t>
+            </a:r>
+            <a:endParaRPr lang="de-DE" sz="1800" i="1" dirty="0">
+              <a:solidFill>
+                <a:schemeClr val="tx1"/>
+              </a:solidFill>
+            </a:endParaRPr>
+          </a:p>
+        </p:txBody>
+      </p:sp>
+      <p:sp>
+        <p:nvSpPr>
+          <p:cNvPr id="24" name="Flussdiagramm: Prozess 23"/>
+          <p:cNvSpPr/>
+          <p:nvPr/>
+        </p:nvSpPr>
+        <p:spPr>
+          <a:xfrm>
+            <a:off x="5256709" y="3008617"/>
+            <a:ext cx="3000900" cy="1528011"/>
+          </a:xfrm>
+          <a:prstGeom prst="flowChartProcess">
+            <a:avLst/>
+          </a:prstGeom>
+          <a:solidFill>
+            <a:schemeClr val="tx2">
+              <a:lumMod val="20000"/>
+              <a:lumOff val="80000"/>
+            </a:schemeClr>
+          </a:solidFill>
+          <a:ln>
+            <a:solidFill>
+              <a:schemeClr val="tx2"/>
+            </a:solidFill>
+          </a:ln>
+        </p:spPr>
+        <p:style>
+          <a:lnRef idx="2">
+            <a:schemeClr val="accent1">
+              <a:shade val="50000"/>
+            </a:schemeClr>
+          </a:lnRef>
+          <a:fillRef idx="1">
+            <a:schemeClr val="accent1"/>
+          </a:fillRef>
+          <a:effectRef idx="0">
+            <a:schemeClr val="accent1"/>
+          </a:effectRef>
+          <a:fontRef idx="minor">
+            <a:schemeClr val="lt1"/>
+          </a:fontRef>
+        </p:style>
+        <p:txBody>
+          <a:bodyPr rtlCol="0" anchor="t"/>
+          <a:lstStyle/>
+          <a:p>
+            <a:pPr>
+              <a:tabLst>
+                <a:tab pos="177800" algn="l"/>
+              </a:tabLst>
+            </a:pPr>
+            <a:r>
+              <a:rPr lang="de-DE" sz="1800" dirty="0">
+                <a:solidFill>
+                  <a:schemeClr val="tx1"/>
+                </a:solidFill>
+              </a:rPr>
+              <a:t>–</a:t>
+            </a:r>
+            <a:r>
+              <a:rPr lang="de-DE" sz="1800" dirty="0" smtClean="0">
+                <a:solidFill>
+                  <a:schemeClr val="tx1"/>
+                </a:solidFill>
+              </a:rPr>
+              <a:t> _</a:t>
+            </a:r>
+            <a:r>
+              <a:rPr lang="de-DE" sz="1800" dirty="0" err="1" smtClean="0">
+                <a:solidFill>
+                  <a:schemeClr val="tx1"/>
+                </a:solidFill>
+              </a:rPr>
+              <a:t>replay_buffer</a:t>
+            </a:r>
+            <a:r>
+              <a:rPr lang="de-DE" sz="1800" dirty="0" smtClean="0">
+                <a:solidFill>
+                  <a:schemeClr val="tx1"/>
+                </a:solidFill>
+              </a:rPr>
+              <a:t>: 	</a:t>
+            </a:r>
+            <a:r>
+              <a:rPr lang="de-DE" sz="1800" dirty="0" err="1" smtClean="0">
+                <a:solidFill>
+                  <a:schemeClr val="tx1"/>
+                </a:solidFill>
+              </a:rPr>
+              <a:t>ReplayBuffer</a:t>
+            </a:r>
+            <a:endParaRPr lang="de-DE" sz="1800" dirty="0">
+              <a:solidFill>
+                <a:schemeClr val="tx1"/>
+              </a:solidFill>
+            </a:endParaRPr>
+          </a:p>
+          <a:p>
+            <a:r>
+              <a:rPr lang="de-DE" sz="1800" dirty="0" smtClean="0">
+                <a:solidFill>
+                  <a:schemeClr val="tx1"/>
+                </a:solidFill>
+              </a:rPr>
+              <a:t>– _</a:t>
+            </a:r>
+            <a:r>
+              <a:rPr lang="de-DE" sz="1800" dirty="0" err="1" smtClean="0">
+                <a:solidFill>
+                  <a:schemeClr val="tx1"/>
+                </a:solidFill>
+              </a:rPr>
+              <a:t>name</a:t>
+            </a:r>
+            <a:r>
+              <a:rPr lang="de-DE" sz="1800" dirty="0" smtClean="0">
+                <a:solidFill>
+                  <a:schemeClr val="tx1"/>
+                </a:solidFill>
+              </a:rPr>
+              <a:t>: </a:t>
+            </a:r>
+            <a:r>
+              <a:rPr lang="de-DE" sz="1800" dirty="0" err="1" smtClean="0">
+                <a:solidFill>
+                  <a:schemeClr val="tx1"/>
+                </a:solidFill>
+              </a:rPr>
+              <a:t>string</a:t>
+            </a:r>
+            <a:endParaRPr lang="de-DE" sz="1800" dirty="0" smtClean="0">
+              <a:solidFill>
+                <a:schemeClr val="tx1"/>
+              </a:solidFill>
+            </a:endParaRPr>
+          </a:p>
+          <a:p>
+            <a:r>
+              <a:rPr lang="de-DE" sz="1800" dirty="0" smtClean="0">
+                <a:solidFill>
+                  <a:schemeClr val="tx1"/>
+                </a:solidFill>
+              </a:rPr>
+              <a:t>– _</a:t>
+            </a:r>
+            <a:r>
+              <a:rPr lang="de-DE" sz="1800" dirty="0" err="1" smtClean="0">
+                <a:solidFill>
+                  <a:schemeClr val="tx1"/>
+                </a:solidFill>
+              </a:rPr>
+              <a:t>t_conf</a:t>
+            </a:r>
+            <a:r>
+              <a:rPr lang="de-DE" sz="1800" dirty="0" smtClean="0">
+                <a:solidFill>
+                  <a:schemeClr val="tx1"/>
+                </a:solidFill>
+              </a:rPr>
+              <a:t>: </a:t>
+            </a:r>
+            <a:r>
+              <a:rPr lang="de-DE" sz="1800" dirty="0" err="1" smtClean="0">
+                <a:solidFill>
+                  <a:schemeClr val="tx1"/>
+                </a:solidFill>
+              </a:rPr>
+              <a:t>float</a:t>
+            </a:r>
+            <a:endParaRPr lang="de-DE" sz="1800" dirty="0" smtClean="0">
+              <a:solidFill>
+                <a:schemeClr val="tx1"/>
+              </a:solidFill>
+            </a:endParaRPr>
+          </a:p>
+          <a:p>
+            <a:r>
+              <a:rPr lang="de-DE" sz="1800" dirty="0" smtClean="0">
+                <a:solidFill>
+                  <a:schemeClr val="tx1"/>
+                </a:solidFill>
+              </a:rPr>
+              <a:t>– _</a:t>
+            </a:r>
+            <a:r>
+              <a:rPr lang="de-DE" sz="1800" dirty="0" err="1" smtClean="0">
+                <a:solidFill>
+                  <a:schemeClr val="tx1"/>
+                </a:solidFill>
+              </a:rPr>
+              <a:t>rollout</a:t>
+            </a:r>
+            <a:r>
+              <a:rPr lang="de-DE" sz="1800" dirty="0" smtClean="0">
+                <a:solidFill>
+                  <a:schemeClr val="tx1"/>
+                </a:solidFill>
+              </a:rPr>
+              <a:t>: </a:t>
+            </a:r>
+            <a:r>
+              <a:rPr lang="de-DE" sz="1800" dirty="0" err="1" smtClean="0">
+                <a:solidFill>
+                  <a:schemeClr val="tx1"/>
+                </a:solidFill>
+              </a:rPr>
+              <a:t>int</a:t>
+            </a:r>
+            <a:endParaRPr lang="de-DE" sz="1800" dirty="0" smtClean="0">
+              <a:solidFill>
+                <a:schemeClr val="tx1"/>
+              </a:solidFill>
+            </a:endParaRPr>
+          </a:p>
+        </p:txBody>
+      </p:sp>
+      <p:sp>
+        <p:nvSpPr>
+          <p:cNvPr id="25" name="Flussdiagramm: Prozess 24"/>
+          <p:cNvSpPr/>
+          <p:nvPr/>
+        </p:nvSpPr>
+        <p:spPr>
+          <a:xfrm>
+            <a:off x="5256709" y="4536628"/>
+            <a:ext cx="3000900" cy="3022593"/>
+          </a:xfrm>
+          <a:prstGeom prst="flowChartProcess">
+            <a:avLst/>
+          </a:prstGeom>
+          <a:solidFill>
+            <a:schemeClr val="tx2">
+              <a:lumMod val="20000"/>
+              <a:lumOff val="80000"/>
+            </a:schemeClr>
+          </a:solidFill>
+          <a:ln>
+            <a:solidFill>
+              <a:schemeClr val="tx2"/>
+            </a:solidFill>
+          </a:ln>
+        </p:spPr>
+        <p:style>
+          <a:lnRef idx="2">
+            <a:schemeClr val="accent1">
+              <a:shade val="50000"/>
+            </a:schemeClr>
+          </a:lnRef>
+          <a:fillRef idx="1">
+            <a:schemeClr val="accent1"/>
+          </a:fillRef>
+          <a:effectRef idx="0">
+            <a:schemeClr val="accent1"/>
+          </a:effectRef>
+          <a:fontRef idx="minor">
+            <a:schemeClr val="lt1"/>
+          </a:fontRef>
+        </p:style>
+        <p:txBody>
+          <a:bodyPr rtlCol="0" anchor="t"/>
+          <a:lstStyle/>
+          <a:p>
+            <a:r>
+              <a:rPr lang="de-DE" sz="1800" i="1" dirty="0">
+                <a:solidFill>
+                  <a:schemeClr val="tx1"/>
+                </a:solidFill>
+              </a:rPr>
+              <a:t>–</a:t>
+            </a:r>
+            <a:r>
+              <a:rPr lang="de-DE" sz="1800" i="1" dirty="0" smtClean="0">
+                <a:solidFill>
+                  <a:schemeClr val="tx1"/>
+                </a:solidFill>
+              </a:rPr>
+              <a:t> _</a:t>
+            </a:r>
+            <a:r>
+              <a:rPr lang="de-DE" sz="1800" i="1" dirty="0" err="1" smtClean="0">
+                <a:solidFill>
+                  <a:schemeClr val="tx1"/>
+                </a:solidFill>
+              </a:rPr>
+              <a:t>train</a:t>
+            </a:r>
+            <a:r>
+              <a:rPr lang="de-DE" sz="1800" i="1" dirty="0" smtClean="0">
+                <a:solidFill>
+                  <a:schemeClr val="tx1"/>
+                </a:solidFill>
+              </a:rPr>
+              <a:t>()</a:t>
+            </a:r>
+          </a:p>
+          <a:p>
+            <a:r>
+              <a:rPr lang="de-DE" sz="1800" dirty="0" smtClean="0">
+                <a:solidFill>
+                  <a:schemeClr val="tx1"/>
+                </a:solidFill>
+              </a:rPr>
+              <a:t>+ </a:t>
+            </a:r>
+            <a:r>
+              <a:rPr lang="de-DE" sz="1800" i="1" dirty="0" err="1" smtClean="0">
+                <a:solidFill>
+                  <a:schemeClr val="tx1"/>
+                </a:solidFill>
+              </a:rPr>
+              <a:t>get_action</a:t>
+            </a:r>
+            <a:r>
+              <a:rPr lang="de-DE" sz="1800" i="1" dirty="0" smtClean="0">
+                <a:solidFill>
+                  <a:schemeClr val="tx1"/>
+                </a:solidFill>
+              </a:rPr>
+              <a:t>(</a:t>
+            </a:r>
+            <a:r>
+              <a:rPr lang="de-DE" sz="1800" i="1" dirty="0" err="1" smtClean="0">
+                <a:solidFill>
+                  <a:schemeClr val="tx1"/>
+                </a:solidFill>
+              </a:rPr>
+              <a:t>state</a:t>
+            </a:r>
+            <a:r>
+              <a:rPr lang="de-DE" sz="1800" i="1" dirty="0" smtClean="0">
+                <a:solidFill>
+                  <a:schemeClr val="tx1"/>
+                </a:solidFill>
+              </a:rPr>
+              <a:t>)</a:t>
+            </a:r>
+            <a:r>
+              <a:rPr lang="de-DE" sz="1800" dirty="0" smtClean="0">
+                <a:solidFill>
+                  <a:schemeClr val="tx1"/>
+                </a:solidFill>
+              </a:rPr>
+              <a:t>: </a:t>
+            </a:r>
+            <a:r>
+              <a:rPr lang="de-DE" sz="1800" dirty="0" err="1" smtClean="0">
+                <a:solidFill>
+                  <a:schemeClr val="tx1"/>
+                </a:solidFill>
+              </a:rPr>
+              <a:t>int</a:t>
+            </a:r>
+            <a:endParaRPr lang="de-DE" sz="1800" dirty="0">
+              <a:solidFill>
+                <a:schemeClr val="tx1"/>
+              </a:solidFill>
+            </a:endParaRPr>
+          </a:p>
+          <a:p>
+            <a:pPr>
+              <a:tabLst>
+                <a:tab pos="180975" algn="l"/>
+              </a:tabLst>
+            </a:pPr>
+            <a:r>
+              <a:rPr lang="de-DE" sz="1800" dirty="0">
+                <a:solidFill>
+                  <a:schemeClr val="tx1"/>
+                </a:solidFill>
+              </a:rPr>
+              <a:t>+</a:t>
+            </a:r>
+            <a:r>
+              <a:rPr lang="de-DE" sz="1800" i="1" dirty="0">
+                <a:solidFill>
+                  <a:schemeClr val="tx1"/>
+                </a:solidFill>
+              </a:rPr>
+              <a:t> </a:t>
+            </a:r>
+            <a:r>
+              <a:rPr lang="de-DE" sz="1800" i="1" dirty="0" err="1" smtClean="0">
+                <a:solidFill>
+                  <a:schemeClr val="tx1"/>
+                </a:solidFill>
+              </a:rPr>
+              <a:t>load_model</a:t>
+            </a:r>
+            <a:r>
+              <a:rPr lang="de-DE" sz="1800" i="1" dirty="0" smtClean="0">
+                <a:solidFill>
+                  <a:schemeClr val="tx1"/>
+                </a:solidFill>
+              </a:rPr>
+              <a:t>(</a:t>
+            </a:r>
+            <a:r>
+              <a:rPr lang="de-DE" sz="1800" i="1" dirty="0" err="1" smtClean="0">
+                <a:solidFill>
+                  <a:schemeClr val="tx1"/>
+                </a:solidFill>
+              </a:rPr>
+              <a:t>path</a:t>
+            </a:r>
+            <a:r>
+              <a:rPr lang="de-DE" sz="1800" i="1" dirty="0" smtClean="0">
+                <a:solidFill>
+                  <a:schemeClr val="tx1"/>
+                </a:solidFill>
+              </a:rPr>
+              <a:t>)</a:t>
+            </a:r>
+            <a:r>
+              <a:rPr lang="de-DE" sz="1800" dirty="0" smtClean="0">
+                <a:solidFill>
+                  <a:schemeClr val="tx1"/>
+                </a:solidFill>
+              </a:rPr>
+              <a:t>: </a:t>
+            </a:r>
+            <a:r>
+              <a:rPr lang="de-DE" sz="1800" dirty="0" err="1" smtClean="0">
+                <a:solidFill>
+                  <a:schemeClr val="tx1"/>
+                </a:solidFill>
+              </a:rPr>
+              <a:t>model</a:t>
+            </a:r>
+            <a:endParaRPr lang="de-DE" sz="1800" dirty="0" smtClean="0">
+              <a:solidFill>
+                <a:schemeClr val="tx1"/>
+              </a:solidFill>
+            </a:endParaRPr>
+          </a:p>
+          <a:p>
+            <a:pPr>
+              <a:tabLst>
+                <a:tab pos="177800" algn="l"/>
+              </a:tabLst>
+            </a:pPr>
+            <a:r>
+              <a:rPr lang="de-DE" sz="1800" dirty="0" smtClean="0">
+                <a:solidFill>
+                  <a:schemeClr val="tx1"/>
+                </a:solidFill>
+              </a:rPr>
+              <a:t>+</a:t>
+            </a:r>
+            <a:r>
+              <a:rPr lang="de-DE" sz="1800" i="1" dirty="0" smtClean="0">
+                <a:solidFill>
+                  <a:schemeClr val="tx1"/>
+                </a:solidFill>
+              </a:rPr>
+              <a:t> </a:t>
+            </a:r>
+            <a:r>
+              <a:rPr lang="de-DE" sz="1800" i="1" dirty="0" err="1" smtClean="0">
+                <a:solidFill>
+                  <a:schemeClr val="tx1"/>
+                </a:solidFill>
+              </a:rPr>
+              <a:t>get_action_confidence</a:t>
+            </a:r>
+            <a:r>
+              <a:rPr lang="de-DE" sz="1800" i="1" dirty="0" smtClean="0">
+                <a:solidFill>
+                  <a:schemeClr val="tx1"/>
+                </a:solidFill>
+              </a:rPr>
+              <a:t>( 	</a:t>
+            </a:r>
+            <a:r>
+              <a:rPr lang="de-DE" sz="1800" i="1" dirty="0" err="1" smtClean="0">
+                <a:solidFill>
+                  <a:schemeClr val="tx1"/>
+                </a:solidFill>
+              </a:rPr>
+              <a:t>state</a:t>
+            </a:r>
+            <a:r>
+              <a:rPr lang="de-DE" sz="1800" i="1" dirty="0" smtClean="0">
+                <a:solidFill>
+                  <a:schemeClr val="tx1"/>
+                </a:solidFill>
+              </a:rPr>
+              <a:t>)</a:t>
+            </a:r>
+            <a:r>
+              <a:rPr lang="de-DE" sz="1800" dirty="0" smtClean="0">
+                <a:solidFill>
+                  <a:schemeClr val="tx1"/>
+                </a:solidFill>
+              </a:rPr>
+              <a:t>: </a:t>
+            </a:r>
+            <a:r>
+              <a:rPr lang="de-DE" sz="1800" dirty="0" err="1" smtClean="0">
+                <a:solidFill>
+                  <a:schemeClr val="tx1"/>
+                </a:solidFill>
+              </a:rPr>
+              <a:t>float</a:t>
+            </a:r>
+            <a:endParaRPr lang="de-DE" sz="1800" dirty="0" smtClean="0">
+              <a:solidFill>
+                <a:schemeClr val="tx1"/>
+              </a:solidFill>
+            </a:endParaRPr>
+          </a:p>
+          <a:p>
+            <a:pPr>
+              <a:tabLst>
+                <a:tab pos="177800" algn="l"/>
+              </a:tabLst>
+            </a:pPr>
+            <a:r>
+              <a:rPr lang="de-DE" sz="1800" dirty="0" smtClean="0">
+                <a:solidFill>
+                  <a:schemeClr val="tx1"/>
+                </a:solidFill>
+              </a:rPr>
+              <a:t>+ </a:t>
+            </a:r>
+            <a:r>
+              <a:rPr lang="de-DE" sz="1800" dirty="0" err="1" smtClean="0">
+                <a:solidFill>
+                  <a:schemeClr val="tx1"/>
+                </a:solidFill>
+              </a:rPr>
+              <a:t>train</a:t>
+            </a:r>
+            <a:r>
+              <a:rPr lang="de-DE" sz="1800" dirty="0" smtClean="0">
+                <a:solidFill>
+                  <a:schemeClr val="tx1"/>
+                </a:solidFill>
+              </a:rPr>
+              <a:t>()</a:t>
+            </a:r>
+          </a:p>
+          <a:p>
+            <a:pPr>
+              <a:tabLst>
+                <a:tab pos="177800" algn="l"/>
+              </a:tabLst>
+            </a:pPr>
+            <a:r>
+              <a:rPr lang="de-DE" sz="1800" dirty="0" smtClean="0">
+                <a:solidFill>
+                  <a:schemeClr val="tx1"/>
+                </a:solidFill>
+              </a:rPr>
+              <a:t>+ </a:t>
+            </a:r>
+            <a:r>
+              <a:rPr lang="de-DE" sz="1800" dirty="0" err="1" smtClean="0">
+                <a:solidFill>
+                  <a:schemeClr val="tx1"/>
+                </a:solidFill>
+              </a:rPr>
+              <a:t>get_tau_confidence</a:t>
+            </a:r>
+            <a:r>
+              <a:rPr lang="de-DE" sz="1800" dirty="0" smtClean="0">
+                <a:solidFill>
+                  <a:schemeClr val="tx1"/>
+                </a:solidFill>
+              </a:rPr>
+              <a:t>():  </a:t>
+            </a:r>
+            <a:r>
+              <a:rPr lang="de-DE" sz="1800" dirty="0" err="1" smtClean="0">
+                <a:solidFill>
+                  <a:schemeClr val="tx1"/>
+                </a:solidFill>
+              </a:rPr>
+              <a:t>float</a:t>
+            </a:r>
+            <a:endParaRPr lang="de-DE" sz="1800" dirty="0" smtClean="0">
+              <a:solidFill>
+                <a:schemeClr val="tx1"/>
+              </a:solidFill>
+            </a:endParaRPr>
+          </a:p>
+          <a:p>
+            <a:pPr>
+              <a:tabLst>
+                <a:tab pos="177800" algn="l"/>
+              </a:tabLst>
+            </a:pPr>
+            <a:r>
+              <a:rPr lang="de-DE" sz="1800" dirty="0" smtClean="0">
+                <a:solidFill>
+                  <a:schemeClr val="tx1"/>
+                </a:solidFill>
+              </a:rPr>
+              <a:t>+ </a:t>
+            </a:r>
+            <a:r>
+              <a:rPr lang="de-DE" sz="1800" dirty="0" err="1" smtClean="0">
+                <a:solidFill>
+                  <a:schemeClr val="tx1"/>
+                </a:solidFill>
+              </a:rPr>
+              <a:t>agent_is_confident</a:t>
+            </a:r>
+            <a:r>
+              <a:rPr lang="de-DE" sz="1800" dirty="0" smtClean="0">
+                <a:solidFill>
+                  <a:schemeClr val="tx1"/>
+                </a:solidFill>
+              </a:rPr>
+              <a:t>(</a:t>
+            </a:r>
+          </a:p>
+          <a:p>
+            <a:pPr>
+              <a:tabLst>
+                <a:tab pos="177800" algn="l"/>
+              </a:tabLst>
+            </a:pPr>
+            <a:r>
+              <a:rPr lang="de-DE" sz="1800" dirty="0">
+                <a:solidFill>
+                  <a:schemeClr val="tx1"/>
+                </a:solidFill>
+              </a:rPr>
+              <a:t>	</a:t>
+            </a:r>
+            <a:r>
+              <a:rPr lang="de-DE" sz="1800" dirty="0" err="1" smtClean="0">
+                <a:solidFill>
+                  <a:schemeClr val="tx1"/>
+                </a:solidFill>
+              </a:rPr>
+              <a:t>state</a:t>
+            </a:r>
+            <a:r>
+              <a:rPr lang="de-DE" sz="1800" dirty="0" smtClean="0">
+                <a:solidFill>
+                  <a:schemeClr val="tx1"/>
+                </a:solidFill>
+              </a:rPr>
+              <a:t>): </a:t>
+            </a:r>
+            <a:r>
+              <a:rPr lang="de-DE" sz="1800" dirty="0" err="1" smtClean="0">
+                <a:solidFill>
+                  <a:schemeClr val="tx1"/>
+                </a:solidFill>
+              </a:rPr>
+              <a:t>boolean</a:t>
+            </a:r>
+            <a:endParaRPr lang="de-DE" sz="1800" dirty="0">
+              <a:solidFill>
+                <a:schemeClr val="tx1"/>
+              </a:solidFill>
+            </a:endParaRPr>
+          </a:p>
+        </p:txBody>
+      </p:sp>
+      <p:sp>
+        <p:nvSpPr>
+          <p:cNvPr id="26" name="Flussdiagramm: Prozess 25"/>
+          <p:cNvSpPr/>
+          <p:nvPr/>
+        </p:nvSpPr>
+        <p:spPr>
+          <a:xfrm>
+            <a:off x="9528617" y="2576570"/>
+            <a:ext cx="3000900" cy="432048"/>
+          </a:xfrm>
+          <a:prstGeom prst="flowChartProcess">
+            <a:avLst/>
+          </a:prstGeom>
+          <a:solidFill>
+            <a:schemeClr val="tx2">
+              <a:lumMod val="20000"/>
+              <a:lumOff val="80000"/>
+            </a:schemeClr>
+          </a:solidFill>
+          <a:ln>
+            <a:solidFill>
+              <a:schemeClr val="tx2"/>
+            </a:solidFill>
+          </a:ln>
+        </p:spPr>
+        <p:style>
+          <a:lnRef idx="2">
+            <a:schemeClr val="accent1">
+              <a:shade val="50000"/>
+            </a:schemeClr>
+          </a:lnRef>
+          <a:fillRef idx="1">
+            <a:schemeClr val="accent1"/>
+          </a:fillRef>
+          <a:effectRef idx="0">
+            <a:schemeClr val="accent1"/>
+          </a:effectRef>
+          <a:fontRef idx="minor">
+            <a:schemeClr val="lt1"/>
+          </a:fontRef>
+        </p:style>
+        <p:txBody>
+          <a:bodyPr rtlCol="0" anchor="ctr"/>
+          <a:lstStyle/>
+          <a:p>
+            <a:pPr algn="ctr"/>
+            <a:r>
+              <a:rPr lang="de-DE" sz="1800" dirty="0" err="1" smtClean="0">
+                <a:solidFill>
+                  <a:schemeClr val="tx1"/>
+                </a:solidFill>
+              </a:rPr>
+              <a:t>ReplayBuffer</a:t>
+            </a:r>
+            <a:endParaRPr lang="de-DE" sz="1800" dirty="0">
+              <a:solidFill>
+                <a:schemeClr val="tx1"/>
+              </a:solidFill>
+            </a:endParaRPr>
+          </a:p>
+        </p:txBody>
+      </p:sp>
+      <p:sp>
+        <p:nvSpPr>
+          <p:cNvPr id="27" name="Flussdiagramm: Prozess 26"/>
+          <p:cNvSpPr/>
+          <p:nvPr/>
+        </p:nvSpPr>
+        <p:spPr>
+          <a:xfrm>
+            <a:off x="9528617" y="3008617"/>
+            <a:ext cx="3000900" cy="1008113"/>
+          </a:xfrm>
+          <a:prstGeom prst="flowChartProcess">
+            <a:avLst/>
+          </a:prstGeom>
+          <a:solidFill>
+            <a:schemeClr val="tx2">
+              <a:lumMod val="20000"/>
+              <a:lumOff val="80000"/>
+            </a:schemeClr>
+          </a:solidFill>
+          <a:ln>
+            <a:solidFill>
+              <a:schemeClr val="tx2"/>
+            </a:solidFill>
+          </a:ln>
+        </p:spPr>
+        <p:style>
+          <a:lnRef idx="2">
+            <a:schemeClr val="accent1">
+              <a:shade val="50000"/>
+            </a:schemeClr>
+          </a:lnRef>
+          <a:fillRef idx="1">
+            <a:schemeClr val="accent1"/>
+          </a:fillRef>
+          <a:effectRef idx="0">
+            <a:schemeClr val="accent1"/>
+          </a:effectRef>
+          <a:fontRef idx="minor">
+            <a:schemeClr val="lt1"/>
+          </a:fontRef>
+        </p:style>
+        <p:txBody>
+          <a:bodyPr rtlCol="0" anchor="t"/>
+          <a:lstStyle/>
+          <a:p>
+            <a:r>
+              <a:rPr lang="de-DE" sz="1800" dirty="0">
+                <a:solidFill>
+                  <a:schemeClr val="tx1"/>
+                </a:solidFill>
+              </a:rPr>
+              <a:t>–</a:t>
+            </a:r>
+            <a:r>
+              <a:rPr lang="de-DE" sz="1800" dirty="0" smtClean="0">
+                <a:solidFill>
+                  <a:schemeClr val="tx1"/>
+                </a:solidFill>
+              </a:rPr>
+              <a:t> _</a:t>
+            </a:r>
+            <a:r>
+              <a:rPr lang="de-DE" sz="1800" dirty="0" err="1" smtClean="0">
+                <a:solidFill>
+                  <a:schemeClr val="tx1"/>
+                </a:solidFill>
+              </a:rPr>
+              <a:t>experiences</a:t>
+            </a:r>
+            <a:r>
+              <a:rPr lang="de-DE" sz="1800" dirty="0" smtClean="0">
+                <a:solidFill>
+                  <a:schemeClr val="tx1"/>
+                </a:solidFill>
+              </a:rPr>
+              <a:t>: </a:t>
+            </a:r>
+            <a:r>
+              <a:rPr lang="de-DE" sz="1800" dirty="0" err="1" smtClean="0">
+                <a:solidFill>
+                  <a:schemeClr val="tx1"/>
+                </a:solidFill>
+              </a:rPr>
+              <a:t>array</a:t>
+            </a:r>
+            <a:endParaRPr lang="de-DE" sz="1800" dirty="0" smtClean="0">
+              <a:solidFill>
+                <a:schemeClr val="tx1"/>
+              </a:solidFill>
+            </a:endParaRPr>
+          </a:p>
+          <a:p>
+            <a:r>
+              <a:rPr lang="de-DE" sz="1800" dirty="0" smtClean="0">
+                <a:solidFill>
+                  <a:schemeClr val="tx1"/>
+                </a:solidFill>
+              </a:rPr>
+              <a:t>– _</a:t>
+            </a:r>
+            <a:r>
+              <a:rPr lang="de-DE" sz="1800" dirty="0" err="1" smtClean="0">
+                <a:solidFill>
+                  <a:schemeClr val="tx1"/>
+                </a:solidFill>
+              </a:rPr>
+              <a:t>test_experiences</a:t>
+            </a:r>
+            <a:r>
+              <a:rPr lang="de-DE" sz="1800" dirty="0" smtClean="0">
+                <a:solidFill>
+                  <a:schemeClr val="tx1"/>
+                </a:solidFill>
+              </a:rPr>
+              <a:t>: </a:t>
+            </a:r>
+            <a:r>
+              <a:rPr lang="de-DE" sz="1800" dirty="0" err="1" smtClean="0">
+                <a:solidFill>
+                  <a:schemeClr val="tx1"/>
+                </a:solidFill>
+              </a:rPr>
+              <a:t>array</a:t>
+            </a:r>
+            <a:endParaRPr lang="de-DE" sz="1800" dirty="0" smtClean="0">
+              <a:solidFill>
+                <a:schemeClr val="tx1"/>
+              </a:solidFill>
+            </a:endParaRPr>
+          </a:p>
+          <a:p>
+            <a:r>
+              <a:rPr lang="de-DE" sz="1800" dirty="0" smtClean="0">
+                <a:solidFill>
+                  <a:schemeClr val="tx1"/>
+                </a:solidFill>
+              </a:rPr>
+              <a:t>– _</a:t>
+            </a:r>
+            <a:r>
+              <a:rPr lang="de-DE" sz="1800" dirty="0" err="1" smtClean="0">
+                <a:solidFill>
+                  <a:schemeClr val="tx1"/>
+                </a:solidFill>
+              </a:rPr>
+              <a:t>last_states</a:t>
+            </a:r>
+            <a:r>
+              <a:rPr lang="de-DE" sz="1800" dirty="0" smtClean="0">
+                <a:solidFill>
+                  <a:schemeClr val="tx1"/>
+                </a:solidFill>
+              </a:rPr>
+              <a:t>: </a:t>
+            </a:r>
+            <a:r>
+              <a:rPr lang="de-DE" sz="1800" dirty="0" err="1" smtClean="0">
+                <a:solidFill>
+                  <a:schemeClr val="tx1"/>
+                </a:solidFill>
+              </a:rPr>
+              <a:t>array</a:t>
+            </a:r>
+            <a:endParaRPr lang="de-DE" sz="1800" dirty="0" smtClean="0">
+              <a:solidFill>
+                <a:schemeClr val="tx1"/>
+              </a:solidFill>
+            </a:endParaRPr>
+          </a:p>
+        </p:txBody>
+      </p:sp>
+      <p:sp>
+        <p:nvSpPr>
+          <p:cNvPr id="28" name="Flussdiagramm: Prozess 27"/>
+          <p:cNvSpPr/>
+          <p:nvPr/>
+        </p:nvSpPr>
+        <p:spPr>
+          <a:xfrm>
+            <a:off x="9528617" y="4016731"/>
+            <a:ext cx="3000900" cy="2896162"/>
+          </a:xfrm>
+          <a:prstGeom prst="flowChartProcess">
+            <a:avLst/>
+          </a:prstGeom>
+          <a:solidFill>
+            <a:schemeClr val="tx2">
+              <a:lumMod val="20000"/>
+              <a:lumOff val="80000"/>
+            </a:schemeClr>
+          </a:solidFill>
+          <a:ln>
+            <a:solidFill>
+              <a:schemeClr val="tx2"/>
+            </a:solidFill>
+          </a:ln>
+        </p:spPr>
+        <p:style>
+          <a:lnRef idx="2">
+            <a:schemeClr val="accent1">
+              <a:shade val="50000"/>
+            </a:schemeClr>
+          </a:lnRef>
+          <a:fillRef idx="1">
+            <a:schemeClr val="accent1"/>
+          </a:fillRef>
+          <a:effectRef idx="0">
+            <a:schemeClr val="accent1"/>
+          </a:effectRef>
+          <a:fontRef idx="minor">
+            <a:schemeClr val="lt1"/>
+          </a:fontRef>
+        </p:style>
+        <p:txBody>
+          <a:bodyPr rtlCol="0" anchor="t"/>
+          <a:lstStyle/>
+          <a:p>
+            <a:r>
+              <a:rPr lang="de-DE" sz="1800" dirty="0">
+                <a:solidFill>
+                  <a:schemeClr val="tx1"/>
+                </a:solidFill>
+              </a:rPr>
+              <a:t>–</a:t>
+            </a:r>
+            <a:r>
+              <a:rPr lang="de-DE" sz="1800" dirty="0" smtClean="0">
+                <a:solidFill>
+                  <a:schemeClr val="tx1"/>
+                </a:solidFill>
+              </a:rPr>
+              <a:t> </a:t>
+            </a:r>
+            <a:r>
+              <a:rPr lang="de-DE" sz="1800" dirty="0" err="1" smtClean="0">
+                <a:solidFill>
+                  <a:schemeClr val="tx1"/>
+                </a:solidFill>
+              </a:rPr>
+              <a:t>add_experience</a:t>
+            </a:r>
+            <a:r>
+              <a:rPr lang="de-DE" sz="1800" dirty="0" smtClean="0">
+                <a:solidFill>
+                  <a:schemeClr val="tx1"/>
+                </a:solidFill>
+              </a:rPr>
+              <a:t>(</a:t>
+            </a:r>
+            <a:r>
+              <a:rPr lang="de-DE" sz="1800" dirty="0" err="1" smtClean="0">
+                <a:solidFill>
+                  <a:schemeClr val="tx1"/>
+                </a:solidFill>
+              </a:rPr>
+              <a:t>state</a:t>
+            </a:r>
+            <a:r>
+              <a:rPr lang="de-DE" sz="1800" dirty="0" smtClean="0">
+                <a:solidFill>
+                  <a:schemeClr val="tx1"/>
+                </a:solidFill>
+              </a:rPr>
+              <a:t>, </a:t>
+            </a:r>
+            <a:r>
+              <a:rPr lang="de-DE" sz="1800" dirty="0" err="1" smtClean="0">
+                <a:solidFill>
+                  <a:schemeClr val="tx1"/>
+                </a:solidFill>
+              </a:rPr>
+              <a:t>action</a:t>
+            </a:r>
+            <a:r>
+              <a:rPr lang="de-DE" sz="1800" dirty="0" smtClean="0">
+                <a:solidFill>
+                  <a:schemeClr val="tx1"/>
+                </a:solidFill>
+              </a:rPr>
+              <a:t>, </a:t>
+            </a:r>
+            <a:r>
+              <a:rPr lang="de-DE" sz="1800" dirty="0" err="1" smtClean="0">
+                <a:solidFill>
+                  <a:schemeClr val="tx1"/>
+                </a:solidFill>
+              </a:rPr>
+              <a:t>reward</a:t>
+            </a:r>
+            <a:r>
+              <a:rPr lang="de-DE" sz="1800" dirty="0" smtClean="0">
+                <a:solidFill>
+                  <a:schemeClr val="tx1"/>
+                </a:solidFill>
+              </a:rPr>
+              <a:t>, </a:t>
+            </a:r>
+            <a:r>
+              <a:rPr lang="de-DE" sz="1800" dirty="0" err="1" smtClean="0">
+                <a:solidFill>
+                  <a:schemeClr val="tx1"/>
+                </a:solidFill>
+              </a:rPr>
+              <a:t>next_state</a:t>
+            </a:r>
+            <a:r>
+              <a:rPr lang="de-DE" sz="1800" dirty="0" smtClean="0">
+                <a:solidFill>
+                  <a:schemeClr val="tx1"/>
+                </a:solidFill>
+              </a:rPr>
+              <a:t>, </a:t>
+            </a:r>
+            <a:r>
+              <a:rPr lang="de-DE" sz="1800" dirty="0" err="1" smtClean="0">
+                <a:solidFill>
+                  <a:schemeClr val="tx1"/>
+                </a:solidFill>
+              </a:rPr>
+              <a:t>is_expert</a:t>
+            </a:r>
+            <a:r>
+              <a:rPr lang="de-DE" sz="1800" dirty="0" smtClean="0">
+                <a:solidFill>
+                  <a:schemeClr val="tx1"/>
+                </a:solidFill>
+              </a:rPr>
+              <a:t>)</a:t>
+            </a:r>
+          </a:p>
+          <a:p>
+            <a:pPr>
+              <a:tabLst>
+                <a:tab pos="177800" algn="l"/>
+              </a:tabLst>
+            </a:pPr>
+            <a:r>
+              <a:rPr lang="de-DE" sz="1800" dirty="0" smtClean="0">
+                <a:solidFill>
+                  <a:schemeClr val="tx1"/>
+                </a:solidFill>
+              </a:rPr>
+              <a:t>+ </a:t>
+            </a:r>
+            <a:r>
+              <a:rPr lang="de-DE" sz="1800" dirty="0" err="1" smtClean="0">
+                <a:solidFill>
+                  <a:schemeClr val="tx1"/>
+                </a:solidFill>
+              </a:rPr>
+              <a:t>get_test_experiences</a:t>
+            </a:r>
+            <a:r>
+              <a:rPr lang="de-DE" sz="1800" dirty="0" smtClean="0">
+                <a:solidFill>
+                  <a:schemeClr val="tx1"/>
+                </a:solidFill>
+              </a:rPr>
+              <a:t>(): 	</a:t>
+            </a:r>
+            <a:r>
+              <a:rPr lang="de-DE" sz="1800" dirty="0" err="1" smtClean="0">
+                <a:solidFill>
+                  <a:schemeClr val="tx1"/>
+                </a:solidFill>
+              </a:rPr>
+              <a:t>array</a:t>
+            </a:r>
+            <a:endParaRPr lang="de-DE" sz="1800" dirty="0" smtClean="0">
+              <a:solidFill>
+                <a:schemeClr val="tx1"/>
+              </a:solidFill>
+            </a:endParaRPr>
+          </a:p>
+          <a:p>
+            <a:r>
+              <a:rPr lang="de-DE" sz="1800" dirty="0" smtClean="0">
+                <a:solidFill>
+                  <a:schemeClr val="tx1"/>
+                </a:solidFill>
+              </a:rPr>
+              <a:t>+ </a:t>
+            </a:r>
+            <a:r>
+              <a:rPr lang="de-DE" sz="1800" dirty="0" err="1" smtClean="0">
+                <a:solidFill>
+                  <a:schemeClr val="tx1"/>
+                </a:solidFill>
+              </a:rPr>
+              <a:t>get_experiences</a:t>
+            </a:r>
+            <a:r>
+              <a:rPr lang="de-DE" sz="1800" dirty="0" smtClean="0">
+                <a:solidFill>
+                  <a:schemeClr val="tx1"/>
+                </a:solidFill>
+              </a:rPr>
+              <a:t>(): </a:t>
+            </a:r>
+            <a:r>
+              <a:rPr lang="de-DE" sz="1800" dirty="0" err="1" smtClean="0">
+                <a:solidFill>
+                  <a:schemeClr val="tx1"/>
+                </a:solidFill>
+              </a:rPr>
+              <a:t>array</a:t>
+            </a:r>
+            <a:endParaRPr lang="de-DE" sz="1800" dirty="0">
+              <a:solidFill>
+                <a:schemeClr val="tx1"/>
+              </a:solidFill>
+            </a:endParaRPr>
+          </a:p>
+          <a:p>
+            <a:r>
+              <a:rPr lang="de-DE" sz="1800" dirty="0">
+                <a:solidFill>
+                  <a:schemeClr val="tx1"/>
+                </a:solidFill>
+              </a:rPr>
+              <a:t>+ </a:t>
+            </a:r>
+            <a:r>
+              <a:rPr lang="de-DE" sz="1800" dirty="0" err="1" smtClean="0">
+                <a:solidFill>
+                  <a:schemeClr val="tx1"/>
+                </a:solidFill>
+              </a:rPr>
+              <a:t>get_last_skipped</a:t>
+            </a:r>
+            <a:r>
+              <a:rPr lang="de-DE" sz="1800" dirty="0" smtClean="0">
+                <a:solidFill>
+                  <a:schemeClr val="tx1"/>
+                </a:solidFill>
+              </a:rPr>
+              <a:t>(): </a:t>
+            </a:r>
+            <a:r>
+              <a:rPr lang="de-DE" sz="1800" dirty="0" err="1" smtClean="0">
+                <a:solidFill>
+                  <a:schemeClr val="tx1"/>
+                </a:solidFill>
+              </a:rPr>
+              <a:t>array</a:t>
+            </a:r>
+            <a:endParaRPr lang="de-DE" sz="1800" dirty="0" smtClean="0">
+              <a:solidFill>
+                <a:schemeClr val="tx1"/>
+              </a:solidFill>
+            </a:endParaRPr>
+          </a:p>
+          <a:p>
+            <a:pPr>
+              <a:tabLst>
+                <a:tab pos="177800" algn="l"/>
+              </a:tabLst>
+            </a:pPr>
+            <a:r>
+              <a:rPr lang="de-DE" sz="1800" dirty="0" smtClean="0">
+                <a:solidFill>
+                  <a:schemeClr val="tx1"/>
+                </a:solidFill>
+              </a:rPr>
+              <a:t>+ </a:t>
+            </a:r>
+            <a:r>
+              <a:rPr lang="de-DE" sz="1800" dirty="0" err="1" smtClean="0">
+                <a:solidFill>
+                  <a:schemeClr val="tx1"/>
+                </a:solidFill>
+              </a:rPr>
+              <a:t>reset_experiences</a:t>
+            </a:r>
+            <a:r>
+              <a:rPr lang="de-DE" sz="1800" dirty="0" smtClean="0">
+                <a:solidFill>
+                  <a:schemeClr val="tx1"/>
+                </a:solidFill>
+              </a:rPr>
+              <a:t>()</a:t>
+            </a:r>
+          </a:p>
+          <a:p>
+            <a:pPr>
+              <a:tabLst>
+                <a:tab pos="177800" algn="l"/>
+              </a:tabLst>
+            </a:pPr>
+            <a:r>
+              <a:rPr lang="de-DE" sz="1800" dirty="0" smtClean="0">
+                <a:solidFill>
+                  <a:schemeClr val="tx1"/>
+                </a:solidFill>
+              </a:rPr>
+              <a:t>+ </a:t>
+            </a:r>
+            <a:r>
+              <a:rPr lang="de-DE" sz="1800" dirty="0" err="1" smtClean="0">
+                <a:solidFill>
+                  <a:schemeClr val="tx1"/>
+                </a:solidFill>
+              </a:rPr>
+              <a:t>load_experiences</a:t>
+            </a:r>
+            <a:r>
+              <a:rPr lang="de-DE" sz="1800" dirty="0" smtClean="0">
+                <a:solidFill>
+                  <a:schemeClr val="tx1"/>
+                </a:solidFill>
+              </a:rPr>
+              <a:t>(</a:t>
+            </a:r>
+            <a:r>
+              <a:rPr lang="de-DE" sz="1800" dirty="0" err="1" smtClean="0">
+                <a:solidFill>
+                  <a:schemeClr val="tx1"/>
+                </a:solidFill>
+              </a:rPr>
+              <a:t>path</a:t>
+            </a:r>
+            <a:r>
+              <a:rPr lang="de-DE" sz="1800" dirty="0" smtClean="0">
+                <a:solidFill>
+                  <a:schemeClr val="tx1"/>
+                </a:solidFill>
+              </a:rPr>
+              <a:t>)</a:t>
+            </a:r>
+            <a:endParaRPr lang="de-DE" sz="1800" dirty="0">
+              <a:solidFill>
+                <a:schemeClr val="tx1"/>
+              </a:solidFill>
+            </a:endParaRPr>
+          </a:p>
+          <a:p>
+            <a:pPr>
+              <a:tabLst>
+                <a:tab pos="177800" algn="l"/>
+              </a:tabLst>
+            </a:pPr>
+            <a:r>
+              <a:rPr lang="de-DE" sz="1800" dirty="0">
+                <a:solidFill>
+                  <a:schemeClr val="tx1"/>
+                </a:solidFill>
+              </a:rPr>
+              <a:t>+ </a:t>
+            </a:r>
+            <a:r>
+              <a:rPr lang="de-DE" sz="1800" dirty="0" err="1" smtClean="0">
+                <a:solidFill>
+                  <a:schemeClr val="tx1"/>
+                </a:solidFill>
+              </a:rPr>
+              <a:t>save_experiences</a:t>
+            </a:r>
+            <a:r>
+              <a:rPr lang="de-DE" sz="1800" dirty="0" smtClean="0">
+                <a:solidFill>
+                  <a:schemeClr val="tx1"/>
+                </a:solidFill>
+              </a:rPr>
+              <a:t>(</a:t>
+            </a:r>
+            <a:r>
+              <a:rPr lang="de-DE" sz="1800" dirty="0" err="1" smtClean="0">
+                <a:solidFill>
+                  <a:schemeClr val="tx1"/>
+                </a:solidFill>
+              </a:rPr>
+              <a:t>path</a:t>
+            </a:r>
+            <a:r>
+              <a:rPr lang="de-DE" sz="1800" dirty="0" smtClean="0">
+                <a:solidFill>
+                  <a:schemeClr val="tx1"/>
+                </a:solidFill>
+              </a:rPr>
+              <a:t>)</a:t>
+            </a:r>
+            <a:endParaRPr lang="de-DE" sz="1800" dirty="0">
+              <a:solidFill>
+                <a:schemeClr val="tx1"/>
+              </a:solidFill>
+            </a:endParaRPr>
+          </a:p>
+        </p:txBody>
+      </p:sp>
+      <p:sp>
+        <p:nvSpPr>
+          <p:cNvPr id="29" name="Flussdiagramm: Prozess 28"/>
+          <p:cNvSpPr/>
+          <p:nvPr/>
+        </p:nvSpPr>
+        <p:spPr>
+          <a:xfrm>
+            <a:off x="5256709" y="8387222"/>
+            <a:ext cx="3000900" cy="432048"/>
+          </a:xfrm>
+          <a:prstGeom prst="flowChartProcess">
+            <a:avLst/>
+          </a:prstGeom>
+          <a:solidFill>
+            <a:schemeClr val="tx2">
+              <a:lumMod val="20000"/>
+              <a:lumOff val="80000"/>
+            </a:schemeClr>
+          </a:solidFill>
+          <a:ln>
+            <a:solidFill>
+              <a:schemeClr val="tx2"/>
+            </a:solidFill>
+          </a:ln>
+        </p:spPr>
+        <p:style>
+          <a:lnRef idx="2">
+            <a:schemeClr val="accent1">
+              <a:shade val="50000"/>
+            </a:schemeClr>
+          </a:lnRef>
+          <a:fillRef idx="1">
+            <a:schemeClr val="accent1"/>
+          </a:fillRef>
+          <a:effectRef idx="0">
+            <a:schemeClr val="accent1"/>
+          </a:effectRef>
+          <a:fontRef idx="minor">
+            <a:schemeClr val="lt1"/>
+          </a:fontRef>
+        </p:style>
+        <p:txBody>
+          <a:bodyPr rtlCol="0" anchor="ctr"/>
+          <a:lstStyle/>
+          <a:p>
+            <a:pPr algn="ctr"/>
+            <a:r>
+              <a:rPr lang="de-DE" sz="1800" dirty="0" err="1" smtClean="0">
+                <a:solidFill>
+                  <a:schemeClr val="tx1"/>
+                </a:solidFill>
+              </a:rPr>
+              <a:t>DQNAgent</a:t>
+            </a:r>
+            <a:endParaRPr lang="de-DE" sz="1800" dirty="0">
+              <a:solidFill>
+                <a:schemeClr val="tx1"/>
+              </a:solidFill>
+            </a:endParaRPr>
+          </a:p>
+        </p:txBody>
+      </p:sp>
+      <p:sp>
+        <p:nvSpPr>
+          <p:cNvPr id="30" name="Flussdiagramm: Prozess 29"/>
+          <p:cNvSpPr/>
+          <p:nvPr/>
+        </p:nvSpPr>
+        <p:spPr>
+          <a:xfrm>
+            <a:off x="5256709" y="8819269"/>
+            <a:ext cx="3000900" cy="1320049"/>
+          </a:xfrm>
+          <a:prstGeom prst="flowChartProcess">
+            <a:avLst/>
+          </a:prstGeom>
+          <a:solidFill>
+            <a:schemeClr val="tx2">
+              <a:lumMod val="20000"/>
+              <a:lumOff val="80000"/>
+            </a:schemeClr>
+          </a:solidFill>
+          <a:ln>
+            <a:solidFill>
+              <a:schemeClr val="tx2"/>
+            </a:solidFill>
+          </a:ln>
+        </p:spPr>
+        <p:style>
+          <a:lnRef idx="2">
+            <a:schemeClr val="accent1">
+              <a:shade val="50000"/>
+            </a:schemeClr>
+          </a:lnRef>
+          <a:fillRef idx="1">
+            <a:schemeClr val="accent1"/>
+          </a:fillRef>
+          <a:effectRef idx="0">
+            <a:schemeClr val="accent1"/>
+          </a:effectRef>
+          <a:fontRef idx="minor">
+            <a:schemeClr val="lt1"/>
+          </a:fontRef>
+        </p:style>
+        <p:txBody>
+          <a:bodyPr rtlCol="0" anchor="t"/>
+          <a:lstStyle/>
+          <a:p>
+            <a:r>
+              <a:rPr lang="de-DE" sz="1800" dirty="0" smtClean="0">
+                <a:solidFill>
+                  <a:schemeClr val="tx1"/>
+                </a:solidFill>
+              </a:rPr>
+              <a:t>+ </a:t>
+            </a:r>
+            <a:r>
+              <a:rPr lang="de-DE" sz="1800" dirty="0" err="1" smtClean="0">
+                <a:solidFill>
+                  <a:schemeClr val="tx1"/>
+                </a:solidFill>
+              </a:rPr>
+              <a:t>network</a:t>
+            </a:r>
+            <a:r>
+              <a:rPr lang="de-DE" sz="1800" dirty="0" smtClean="0">
+                <a:solidFill>
+                  <a:schemeClr val="tx1"/>
+                </a:solidFill>
+              </a:rPr>
+              <a:t>: </a:t>
+            </a:r>
+            <a:r>
+              <a:rPr lang="de-DE" sz="1800" dirty="0" err="1" smtClean="0">
+                <a:solidFill>
+                  <a:schemeClr val="tx1"/>
+                </a:solidFill>
+              </a:rPr>
+              <a:t>DQNetwork</a:t>
+            </a:r>
+            <a:endParaRPr lang="de-DE" sz="1800" dirty="0" smtClean="0">
+              <a:solidFill>
+                <a:schemeClr val="tx1"/>
+              </a:solidFill>
+            </a:endParaRPr>
+          </a:p>
+          <a:p>
+            <a:r>
+              <a:rPr lang="de-DE" sz="1800" dirty="0" smtClean="0">
+                <a:solidFill>
+                  <a:schemeClr val="tx1"/>
+                </a:solidFill>
+              </a:rPr>
+              <a:t>+ </a:t>
+            </a:r>
+            <a:r>
+              <a:rPr lang="de-DE" sz="1800" dirty="0" err="1" smtClean="0">
+                <a:solidFill>
+                  <a:schemeClr val="tx1"/>
+                </a:solidFill>
+              </a:rPr>
+              <a:t>discount_factor</a:t>
+            </a:r>
+            <a:r>
+              <a:rPr lang="de-DE" sz="1800" dirty="0" smtClean="0">
+                <a:solidFill>
+                  <a:schemeClr val="tx1"/>
+                </a:solidFill>
+              </a:rPr>
+              <a:t>: </a:t>
+            </a:r>
+            <a:r>
+              <a:rPr lang="de-DE" sz="1800" dirty="0" err="1" smtClean="0">
+                <a:solidFill>
+                  <a:schemeClr val="tx1"/>
+                </a:solidFill>
+              </a:rPr>
+              <a:t>float</a:t>
+            </a:r>
+            <a:endParaRPr lang="de-DE" sz="1800" dirty="0" smtClean="0">
+              <a:solidFill>
+                <a:schemeClr val="tx1"/>
+              </a:solidFill>
+            </a:endParaRPr>
+          </a:p>
+          <a:p>
+            <a:r>
+              <a:rPr lang="de-DE" sz="1800" dirty="0" smtClean="0">
+                <a:solidFill>
+                  <a:schemeClr val="tx1"/>
+                </a:solidFill>
+              </a:rPr>
+              <a:t>+ </a:t>
+            </a:r>
+            <a:r>
+              <a:rPr lang="de-DE" sz="1800" dirty="0" err="1" smtClean="0">
+                <a:solidFill>
+                  <a:schemeClr val="tx1"/>
+                </a:solidFill>
+              </a:rPr>
+              <a:t>input_shape</a:t>
+            </a:r>
+            <a:r>
+              <a:rPr lang="de-DE" sz="1800" dirty="0" smtClean="0">
+                <a:solidFill>
+                  <a:schemeClr val="tx1"/>
+                </a:solidFill>
+              </a:rPr>
+              <a:t>: </a:t>
+            </a:r>
+            <a:r>
+              <a:rPr lang="de-DE" sz="1800" dirty="0" err="1" smtClean="0">
+                <a:solidFill>
+                  <a:schemeClr val="tx1"/>
+                </a:solidFill>
+              </a:rPr>
+              <a:t>shape</a:t>
+            </a:r>
+            <a:endParaRPr lang="de-DE" sz="1800" dirty="0" smtClean="0">
+              <a:solidFill>
+                <a:schemeClr val="tx1"/>
+              </a:solidFill>
+            </a:endParaRPr>
+          </a:p>
+          <a:p>
+            <a:r>
+              <a:rPr lang="de-DE" sz="1800" dirty="0" smtClean="0">
+                <a:solidFill>
+                  <a:schemeClr val="tx1"/>
+                </a:solidFill>
+              </a:rPr>
+              <a:t>+ </a:t>
+            </a:r>
+            <a:r>
+              <a:rPr lang="de-DE" sz="1800" dirty="0" err="1" smtClean="0">
+                <a:solidFill>
+                  <a:schemeClr val="tx1"/>
+                </a:solidFill>
+              </a:rPr>
+              <a:t>action_space</a:t>
+            </a:r>
+            <a:r>
+              <a:rPr lang="de-DE" sz="1800" dirty="0" smtClean="0">
+                <a:solidFill>
+                  <a:schemeClr val="tx1"/>
+                </a:solidFill>
+              </a:rPr>
+              <a:t>: </a:t>
+            </a:r>
+            <a:r>
+              <a:rPr lang="de-DE" sz="1800" dirty="0" err="1" smtClean="0">
+                <a:solidFill>
+                  <a:schemeClr val="tx1"/>
+                </a:solidFill>
+              </a:rPr>
+              <a:t>int</a:t>
+            </a:r>
+            <a:endParaRPr lang="de-DE" sz="1800" dirty="0" smtClean="0">
+              <a:solidFill>
+                <a:schemeClr val="tx1"/>
+              </a:solidFill>
+            </a:endParaRPr>
+          </a:p>
+        </p:txBody>
+      </p:sp>
+      <p:sp>
+        <p:nvSpPr>
+          <p:cNvPr id="33" name="Flussdiagramm: Prozess 32"/>
+          <p:cNvSpPr/>
+          <p:nvPr/>
+        </p:nvSpPr>
+        <p:spPr>
+          <a:xfrm>
+            <a:off x="5256709" y="10963357"/>
+            <a:ext cx="3000900" cy="432048"/>
+          </a:xfrm>
+          <a:prstGeom prst="flowChartProcess">
+            <a:avLst/>
+          </a:prstGeom>
+          <a:solidFill>
+            <a:schemeClr val="tx2">
+              <a:lumMod val="20000"/>
+              <a:lumOff val="80000"/>
+            </a:schemeClr>
+          </a:solidFill>
+          <a:ln>
+            <a:solidFill>
+              <a:schemeClr val="tx2"/>
+            </a:solidFill>
+          </a:ln>
+        </p:spPr>
+        <p:style>
+          <a:lnRef idx="2">
+            <a:schemeClr val="accent1">
+              <a:shade val="50000"/>
+            </a:schemeClr>
+          </a:lnRef>
+          <a:fillRef idx="1">
+            <a:schemeClr val="accent1"/>
+          </a:fillRef>
+          <a:effectRef idx="0">
+            <a:schemeClr val="accent1"/>
+          </a:effectRef>
+          <a:fontRef idx="minor">
+            <a:schemeClr val="lt1"/>
+          </a:fontRef>
+        </p:style>
+        <p:txBody>
+          <a:bodyPr rtlCol="0" anchor="ctr"/>
+          <a:lstStyle/>
+          <a:p>
+            <a:pPr algn="ctr"/>
+            <a:r>
+              <a:rPr lang="de-DE" sz="1800" dirty="0" err="1" smtClean="0">
+                <a:solidFill>
+                  <a:schemeClr val="tx1"/>
+                </a:solidFill>
+              </a:rPr>
+              <a:t>DDQNAgent</a:t>
+            </a:r>
+            <a:endParaRPr lang="de-DE" sz="1800" dirty="0">
+              <a:solidFill>
+                <a:schemeClr val="tx1"/>
+              </a:solidFill>
+            </a:endParaRPr>
+          </a:p>
+        </p:txBody>
+      </p:sp>
+      <p:sp>
+        <p:nvSpPr>
+          <p:cNvPr id="34" name="Flussdiagramm: Prozess 33"/>
+          <p:cNvSpPr/>
+          <p:nvPr/>
+        </p:nvSpPr>
+        <p:spPr>
+          <a:xfrm>
+            <a:off x="5256709" y="11395404"/>
+            <a:ext cx="3000900" cy="749335"/>
+          </a:xfrm>
+          <a:prstGeom prst="flowChartProcess">
+            <a:avLst/>
+          </a:prstGeom>
+          <a:solidFill>
+            <a:schemeClr val="tx2">
+              <a:lumMod val="20000"/>
+              <a:lumOff val="80000"/>
+            </a:schemeClr>
+          </a:solidFill>
+          <a:ln>
+            <a:solidFill>
+              <a:schemeClr val="tx2"/>
+            </a:solidFill>
+          </a:ln>
+        </p:spPr>
+        <p:style>
+          <a:lnRef idx="2">
+            <a:schemeClr val="accent1">
+              <a:shade val="50000"/>
+            </a:schemeClr>
+          </a:lnRef>
+          <a:fillRef idx="1">
+            <a:schemeClr val="accent1"/>
+          </a:fillRef>
+          <a:effectRef idx="0">
+            <a:schemeClr val="accent1"/>
+          </a:effectRef>
+          <a:fontRef idx="minor">
+            <a:schemeClr val="lt1"/>
+          </a:fontRef>
+        </p:style>
+        <p:txBody>
+          <a:bodyPr rtlCol="0" anchor="t"/>
+          <a:lstStyle/>
+          <a:p>
+            <a:pPr>
+              <a:tabLst>
+                <a:tab pos="177800" algn="l"/>
+              </a:tabLst>
+            </a:pPr>
+            <a:r>
+              <a:rPr lang="de-DE" sz="1800" dirty="0" smtClean="0">
+                <a:solidFill>
+                  <a:schemeClr val="tx1"/>
+                </a:solidFill>
+              </a:rPr>
+              <a:t>+ </a:t>
+            </a:r>
+            <a:r>
+              <a:rPr lang="de-DE" sz="1800" dirty="0" err="1" smtClean="0">
+                <a:solidFill>
+                  <a:schemeClr val="tx1"/>
+                </a:solidFill>
+              </a:rPr>
+              <a:t>target_network</a:t>
+            </a:r>
+            <a:r>
+              <a:rPr lang="de-DE" sz="1800" dirty="0">
+                <a:solidFill>
+                  <a:schemeClr val="tx1"/>
+                </a:solidFill>
+              </a:rPr>
+              <a:t>: </a:t>
+            </a:r>
+            <a:r>
+              <a:rPr lang="de-DE" sz="1800" dirty="0" smtClean="0">
+                <a:solidFill>
+                  <a:schemeClr val="tx1"/>
+                </a:solidFill>
+              </a:rPr>
+              <a:t>	</a:t>
+            </a:r>
+            <a:r>
+              <a:rPr lang="de-DE" sz="1800" dirty="0" err="1" smtClean="0">
+                <a:solidFill>
+                  <a:schemeClr val="tx1"/>
+                </a:solidFill>
+              </a:rPr>
+              <a:t>DQNetwork</a:t>
+            </a:r>
+            <a:endParaRPr lang="de-DE" sz="1800" dirty="0">
+              <a:solidFill>
+                <a:schemeClr val="tx1"/>
+              </a:solidFill>
+            </a:endParaRPr>
+          </a:p>
+        </p:txBody>
+      </p:sp>
+      <p:sp>
+        <p:nvSpPr>
+          <p:cNvPr id="36" name="Flussdiagramm: Prozess 35"/>
+          <p:cNvSpPr/>
+          <p:nvPr/>
+        </p:nvSpPr>
+        <p:spPr>
+          <a:xfrm>
+            <a:off x="5256709" y="12144739"/>
+            <a:ext cx="3000900" cy="504056"/>
+          </a:xfrm>
+          <a:prstGeom prst="flowChartProcess">
+            <a:avLst/>
+          </a:prstGeom>
+          <a:solidFill>
+            <a:schemeClr val="tx2">
+              <a:lumMod val="20000"/>
+              <a:lumOff val="80000"/>
+            </a:schemeClr>
+          </a:solidFill>
+          <a:ln>
+            <a:solidFill>
+              <a:schemeClr val="tx2"/>
+            </a:solidFill>
+          </a:ln>
+        </p:spPr>
+        <p:style>
+          <a:lnRef idx="2">
+            <a:schemeClr val="accent1">
+              <a:shade val="50000"/>
+            </a:schemeClr>
+          </a:lnRef>
+          <a:fillRef idx="1">
+            <a:schemeClr val="accent1"/>
+          </a:fillRef>
+          <a:effectRef idx="0">
+            <a:schemeClr val="accent1"/>
+          </a:effectRef>
+          <a:fontRef idx="minor">
+            <a:schemeClr val="lt1"/>
+          </a:fontRef>
+        </p:style>
+        <p:txBody>
+          <a:bodyPr rtlCol="0" anchor="t"/>
+          <a:lstStyle/>
+          <a:p>
+            <a:r>
+              <a:rPr lang="de-DE" sz="1800" dirty="0" smtClean="0">
+                <a:solidFill>
+                  <a:schemeClr val="tx1"/>
+                </a:solidFill>
+              </a:rPr>
+              <a:t>– _</a:t>
+            </a:r>
+            <a:r>
+              <a:rPr lang="de-DE" sz="1800" dirty="0" err="1" smtClean="0">
+                <a:solidFill>
+                  <a:schemeClr val="tx1"/>
+                </a:solidFill>
+              </a:rPr>
+              <a:t>reset_target_network</a:t>
+            </a:r>
+            <a:r>
+              <a:rPr lang="de-DE" sz="1800" dirty="0" smtClean="0">
+                <a:solidFill>
+                  <a:schemeClr val="tx1"/>
+                </a:solidFill>
+              </a:rPr>
+              <a:t>()</a:t>
+            </a:r>
+          </a:p>
+        </p:txBody>
+      </p:sp>
+      <p:sp>
+        <p:nvSpPr>
+          <p:cNvPr id="37" name="Flussdiagramm: Prozess 36"/>
+          <p:cNvSpPr/>
+          <p:nvPr/>
+        </p:nvSpPr>
+        <p:spPr>
+          <a:xfrm>
+            <a:off x="9528617" y="7591261"/>
+            <a:ext cx="3000900" cy="432048"/>
+          </a:xfrm>
+          <a:prstGeom prst="flowChartProcess">
+            <a:avLst/>
+          </a:prstGeom>
+          <a:solidFill>
+            <a:schemeClr val="tx2">
+              <a:lumMod val="20000"/>
+              <a:lumOff val="80000"/>
+            </a:schemeClr>
+          </a:solidFill>
+          <a:ln>
+            <a:solidFill>
+              <a:schemeClr val="tx2"/>
+            </a:solidFill>
+          </a:ln>
+        </p:spPr>
+        <p:style>
+          <a:lnRef idx="2">
+            <a:schemeClr val="accent1">
+              <a:shade val="50000"/>
+            </a:schemeClr>
+          </a:lnRef>
+          <a:fillRef idx="1">
+            <a:schemeClr val="accent1"/>
+          </a:fillRef>
+          <a:effectRef idx="0">
+            <a:schemeClr val="accent1"/>
+          </a:effectRef>
+          <a:fontRef idx="minor">
+            <a:schemeClr val="lt1"/>
+          </a:fontRef>
+        </p:style>
+        <p:txBody>
+          <a:bodyPr rtlCol="0" anchor="ctr"/>
+          <a:lstStyle/>
+          <a:p>
+            <a:pPr algn="ctr"/>
+            <a:r>
+              <a:rPr lang="de-DE" sz="1800" i="1" dirty="0" smtClean="0">
+                <a:solidFill>
+                  <a:schemeClr val="tx1"/>
+                </a:solidFill>
+              </a:rPr>
+              <a:t>Network</a:t>
+            </a:r>
+            <a:endParaRPr lang="de-DE" sz="1800" i="1" dirty="0">
+              <a:solidFill>
+                <a:schemeClr val="tx1"/>
+              </a:solidFill>
+            </a:endParaRPr>
+          </a:p>
+        </p:txBody>
+      </p:sp>
+      <p:sp>
+        <p:nvSpPr>
+          <p:cNvPr id="38" name="Flussdiagramm: Prozess 37"/>
+          <p:cNvSpPr/>
+          <p:nvPr/>
+        </p:nvSpPr>
+        <p:spPr>
+          <a:xfrm>
+            <a:off x="9528617" y="8023308"/>
+            <a:ext cx="3000900" cy="979849"/>
+          </a:xfrm>
+          <a:prstGeom prst="flowChartProcess">
+            <a:avLst/>
+          </a:prstGeom>
+          <a:solidFill>
+            <a:schemeClr val="tx2">
+              <a:lumMod val="20000"/>
+              <a:lumOff val="80000"/>
+            </a:schemeClr>
+          </a:solidFill>
+          <a:ln>
+            <a:solidFill>
+              <a:schemeClr val="tx2"/>
+            </a:solidFill>
+          </a:ln>
+        </p:spPr>
+        <p:style>
+          <a:lnRef idx="2">
+            <a:schemeClr val="accent1">
+              <a:shade val="50000"/>
+            </a:schemeClr>
+          </a:lnRef>
+          <a:fillRef idx="1">
+            <a:schemeClr val="accent1"/>
+          </a:fillRef>
+          <a:effectRef idx="0">
+            <a:schemeClr val="accent1"/>
+          </a:effectRef>
+          <a:fontRef idx="minor">
+            <a:schemeClr val="lt1"/>
+          </a:fontRef>
+        </p:style>
+        <p:txBody>
+          <a:bodyPr rtlCol="0" anchor="t"/>
+          <a:lstStyle/>
+          <a:p>
+            <a:r>
+              <a:rPr lang="de-DE" sz="1800" dirty="0" smtClean="0">
+                <a:solidFill>
+                  <a:schemeClr val="tx1"/>
+                </a:solidFill>
+              </a:rPr>
+              <a:t>+ </a:t>
+            </a:r>
+            <a:r>
+              <a:rPr lang="de-DE" sz="1800" dirty="0" err="1" smtClean="0">
+                <a:solidFill>
+                  <a:schemeClr val="tx1"/>
+                </a:solidFill>
+              </a:rPr>
+              <a:t>input_shape</a:t>
+            </a:r>
+            <a:r>
+              <a:rPr lang="de-DE" sz="1800" dirty="0" smtClean="0">
+                <a:solidFill>
+                  <a:schemeClr val="tx1"/>
+                </a:solidFill>
+              </a:rPr>
+              <a:t>: </a:t>
+            </a:r>
+            <a:r>
+              <a:rPr lang="de-DE" sz="1800" dirty="0" err="1" smtClean="0">
+                <a:solidFill>
+                  <a:schemeClr val="tx1"/>
+                </a:solidFill>
+              </a:rPr>
+              <a:t>shape</a:t>
+            </a:r>
+            <a:endParaRPr lang="de-DE" sz="1800" dirty="0">
+              <a:solidFill>
+                <a:schemeClr val="tx1"/>
+              </a:solidFill>
+            </a:endParaRPr>
+          </a:p>
+          <a:p>
+            <a:r>
+              <a:rPr lang="de-DE" sz="1800" dirty="0" smtClean="0">
+                <a:solidFill>
+                  <a:schemeClr val="tx1"/>
+                </a:solidFill>
+              </a:rPr>
+              <a:t>+ </a:t>
+            </a:r>
+            <a:r>
+              <a:rPr lang="de-DE" sz="1800" dirty="0" err="1" smtClean="0">
+                <a:solidFill>
+                  <a:schemeClr val="tx1"/>
+                </a:solidFill>
+              </a:rPr>
+              <a:t>action_space</a:t>
+            </a:r>
+            <a:r>
+              <a:rPr lang="de-DE" sz="1800" dirty="0" smtClean="0">
+                <a:solidFill>
+                  <a:schemeClr val="tx1"/>
+                </a:solidFill>
+              </a:rPr>
+              <a:t>: </a:t>
+            </a:r>
+            <a:r>
+              <a:rPr lang="de-DE" sz="1800" dirty="0" err="1" smtClean="0">
+                <a:solidFill>
+                  <a:schemeClr val="tx1"/>
+                </a:solidFill>
+              </a:rPr>
+              <a:t>int</a:t>
+            </a:r>
+            <a:endParaRPr lang="de-DE" sz="1800" dirty="0" smtClean="0">
+              <a:solidFill>
+                <a:schemeClr val="tx1"/>
+              </a:solidFill>
+            </a:endParaRPr>
+          </a:p>
+          <a:p>
+            <a:r>
+              <a:rPr lang="de-DE" sz="1800" dirty="0" smtClean="0">
+                <a:solidFill>
+                  <a:schemeClr val="tx1"/>
+                </a:solidFill>
+              </a:rPr>
+              <a:t>+ </a:t>
+            </a:r>
+            <a:r>
+              <a:rPr lang="de-DE" sz="1800" dirty="0" err="1" smtClean="0">
+                <a:solidFill>
+                  <a:schemeClr val="tx1"/>
+                </a:solidFill>
+              </a:rPr>
+              <a:t>model</a:t>
+            </a:r>
+            <a:r>
+              <a:rPr lang="de-DE" sz="1800" dirty="0" smtClean="0">
+                <a:solidFill>
+                  <a:schemeClr val="tx1"/>
+                </a:solidFill>
+              </a:rPr>
+              <a:t>: Model</a:t>
+            </a:r>
+          </a:p>
+        </p:txBody>
+      </p:sp>
+      <p:sp>
+        <p:nvSpPr>
+          <p:cNvPr id="39" name="Flussdiagramm: Prozess 38"/>
+          <p:cNvSpPr/>
+          <p:nvPr/>
+        </p:nvSpPr>
+        <p:spPr>
+          <a:xfrm>
+            <a:off x="9528617" y="9003157"/>
+            <a:ext cx="3000900" cy="1355247"/>
+          </a:xfrm>
+          <a:prstGeom prst="flowChartProcess">
+            <a:avLst/>
+          </a:prstGeom>
+          <a:solidFill>
+            <a:schemeClr val="tx2">
+              <a:lumMod val="20000"/>
+              <a:lumOff val="80000"/>
+            </a:schemeClr>
+          </a:solidFill>
+          <a:ln>
+            <a:solidFill>
+              <a:schemeClr val="tx2"/>
+            </a:solidFill>
+          </a:ln>
+        </p:spPr>
+        <p:style>
+          <a:lnRef idx="2">
+            <a:schemeClr val="accent1">
+              <a:shade val="50000"/>
+            </a:schemeClr>
+          </a:lnRef>
+          <a:fillRef idx="1">
+            <a:schemeClr val="accent1"/>
+          </a:fillRef>
+          <a:effectRef idx="0">
+            <a:schemeClr val="accent1"/>
+          </a:effectRef>
+          <a:fontRef idx="minor">
+            <a:schemeClr val="lt1"/>
+          </a:fontRef>
+        </p:style>
+        <p:txBody>
+          <a:bodyPr rtlCol="0" anchor="t"/>
+          <a:lstStyle/>
+          <a:p>
+            <a:r>
+              <a:rPr lang="de-DE" sz="1800" dirty="0" smtClean="0">
+                <a:solidFill>
+                  <a:schemeClr val="tx1"/>
+                </a:solidFill>
+              </a:rPr>
+              <a:t>+</a:t>
+            </a:r>
+            <a:r>
+              <a:rPr lang="de-DE" sz="1800" i="1" dirty="0" smtClean="0">
+                <a:solidFill>
+                  <a:schemeClr val="tx1"/>
+                </a:solidFill>
+              </a:rPr>
+              <a:t> </a:t>
+            </a:r>
+            <a:r>
+              <a:rPr lang="de-DE" sz="1800" i="1" dirty="0" err="1" smtClean="0">
+                <a:solidFill>
+                  <a:schemeClr val="tx1"/>
+                </a:solidFill>
+              </a:rPr>
+              <a:t>train</a:t>
+            </a:r>
+            <a:r>
+              <a:rPr lang="de-DE" sz="1800" i="1" dirty="0" smtClean="0">
+                <a:solidFill>
+                  <a:schemeClr val="tx1"/>
+                </a:solidFill>
+              </a:rPr>
+              <a:t>()</a:t>
+            </a:r>
+            <a:endParaRPr lang="de-DE" sz="1800" dirty="0" smtClean="0">
+              <a:solidFill>
+                <a:schemeClr val="tx1"/>
+              </a:solidFill>
+            </a:endParaRPr>
+          </a:p>
+          <a:p>
+            <a:r>
+              <a:rPr lang="de-DE" sz="1800" dirty="0" smtClean="0">
+                <a:solidFill>
+                  <a:schemeClr val="tx1"/>
+                </a:solidFill>
+              </a:rPr>
+              <a:t>+ </a:t>
+            </a:r>
+            <a:r>
+              <a:rPr lang="de-DE" sz="1800" dirty="0" err="1" smtClean="0">
+                <a:solidFill>
+                  <a:schemeClr val="tx1"/>
+                </a:solidFill>
+              </a:rPr>
+              <a:t>predict</a:t>
+            </a:r>
+            <a:r>
+              <a:rPr lang="de-DE" sz="1800" dirty="0" smtClean="0">
+                <a:solidFill>
+                  <a:schemeClr val="tx1"/>
+                </a:solidFill>
+              </a:rPr>
+              <a:t>(</a:t>
+            </a:r>
+            <a:r>
+              <a:rPr lang="de-DE" sz="1800" dirty="0" err="1" smtClean="0">
+                <a:solidFill>
+                  <a:schemeClr val="tx1"/>
+                </a:solidFill>
+              </a:rPr>
+              <a:t>state</a:t>
+            </a:r>
+            <a:r>
+              <a:rPr lang="de-DE" sz="1800" dirty="0" smtClean="0">
+                <a:solidFill>
+                  <a:schemeClr val="tx1"/>
+                </a:solidFill>
+              </a:rPr>
+              <a:t>): </a:t>
+            </a:r>
+            <a:r>
+              <a:rPr lang="de-DE" sz="1800" dirty="0" err="1" smtClean="0">
+                <a:solidFill>
+                  <a:schemeClr val="tx1"/>
+                </a:solidFill>
+              </a:rPr>
+              <a:t>array</a:t>
+            </a:r>
+            <a:endParaRPr lang="de-DE" sz="1800" dirty="0" smtClean="0">
+              <a:solidFill>
+                <a:schemeClr val="tx1"/>
+              </a:solidFill>
+            </a:endParaRPr>
+          </a:p>
+          <a:p>
+            <a:r>
+              <a:rPr lang="de-DE" sz="1800" dirty="0" smtClean="0">
+                <a:solidFill>
+                  <a:schemeClr val="tx1"/>
+                </a:solidFill>
+              </a:rPr>
+              <a:t>+ save(</a:t>
+            </a:r>
+            <a:r>
+              <a:rPr lang="de-DE" sz="1800" dirty="0" err="1" smtClean="0">
+                <a:solidFill>
+                  <a:schemeClr val="tx1"/>
+                </a:solidFill>
+              </a:rPr>
+              <a:t>path</a:t>
+            </a:r>
+            <a:r>
+              <a:rPr lang="de-DE" sz="1800" dirty="0" smtClean="0">
+                <a:solidFill>
+                  <a:schemeClr val="tx1"/>
+                </a:solidFill>
+              </a:rPr>
+              <a:t>)</a:t>
+            </a:r>
+          </a:p>
+          <a:p>
+            <a:r>
+              <a:rPr lang="de-DE" sz="1800" dirty="0" smtClean="0">
+                <a:solidFill>
+                  <a:schemeClr val="tx1"/>
+                </a:solidFill>
+              </a:rPr>
+              <a:t>+ </a:t>
+            </a:r>
+            <a:r>
+              <a:rPr lang="de-DE" sz="1800" dirty="0" err="1" smtClean="0">
+                <a:solidFill>
+                  <a:schemeClr val="tx1"/>
+                </a:solidFill>
+              </a:rPr>
+              <a:t>load</a:t>
+            </a:r>
+            <a:r>
+              <a:rPr lang="de-DE" sz="1800" dirty="0" smtClean="0">
+                <a:solidFill>
+                  <a:schemeClr val="tx1"/>
+                </a:solidFill>
+              </a:rPr>
+              <a:t>(</a:t>
+            </a:r>
+            <a:r>
+              <a:rPr lang="de-DE" sz="1800" dirty="0" err="1" smtClean="0">
+                <a:solidFill>
+                  <a:schemeClr val="tx1"/>
+                </a:solidFill>
+              </a:rPr>
+              <a:t>path</a:t>
+            </a:r>
+            <a:r>
+              <a:rPr lang="de-DE" sz="1800" dirty="0" smtClean="0">
+                <a:solidFill>
+                  <a:schemeClr val="tx1"/>
+                </a:solidFill>
+              </a:rPr>
+              <a:t>)</a:t>
+            </a:r>
+            <a:endParaRPr lang="de-DE" sz="1800" dirty="0">
+              <a:solidFill>
+                <a:schemeClr val="tx1"/>
+              </a:solidFill>
+            </a:endParaRPr>
+          </a:p>
+        </p:txBody>
+      </p:sp>
+      <p:sp>
+        <p:nvSpPr>
+          <p:cNvPr id="41" name="Flussdiagramm: Prozess 40"/>
+          <p:cNvSpPr/>
+          <p:nvPr/>
+        </p:nvSpPr>
+        <p:spPr>
+          <a:xfrm>
+            <a:off x="9528617" y="11467729"/>
+            <a:ext cx="3000900" cy="432048"/>
+          </a:xfrm>
+          <a:prstGeom prst="flowChartProcess">
+            <a:avLst/>
+          </a:prstGeom>
+          <a:solidFill>
+            <a:schemeClr val="tx2">
+              <a:lumMod val="20000"/>
+              <a:lumOff val="80000"/>
+            </a:schemeClr>
+          </a:solidFill>
+          <a:ln>
+            <a:solidFill>
+              <a:schemeClr val="tx2"/>
+            </a:solidFill>
+          </a:ln>
+        </p:spPr>
+        <p:style>
+          <a:lnRef idx="2">
+            <a:schemeClr val="accent1">
+              <a:shade val="50000"/>
+            </a:schemeClr>
+          </a:lnRef>
+          <a:fillRef idx="1">
+            <a:schemeClr val="accent1"/>
+          </a:fillRef>
+          <a:effectRef idx="0">
+            <a:schemeClr val="accent1"/>
+          </a:effectRef>
+          <a:fontRef idx="minor">
+            <a:schemeClr val="lt1"/>
+          </a:fontRef>
+        </p:style>
+        <p:txBody>
+          <a:bodyPr rtlCol="0" anchor="ctr"/>
+          <a:lstStyle/>
+          <a:p>
+            <a:pPr algn="ctr"/>
+            <a:r>
+              <a:rPr lang="de-DE" sz="1800" i="1" dirty="0" err="1" smtClean="0">
+                <a:solidFill>
+                  <a:schemeClr val="tx1"/>
+                </a:solidFill>
+              </a:rPr>
+              <a:t>DQNetwork</a:t>
+            </a:r>
+            <a:endParaRPr lang="de-DE" sz="1800" i="1" dirty="0">
+              <a:solidFill>
+                <a:schemeClr val="tx1"/>
+              </a:solidFill>
+            </a:endParaRPr>
+          </a:p>
+        </p:txBody>
+      </p:sp>
+      <p:sp>
+        <p:nvSpPr>
+          <p:cNvPr id="42" name="Flussdiagramm: Prozess 41"/>
+          <p:cNvSpPr/>
+          <p:nvPr/>
+        </p:nvSpPr>
+        <p:spPr>
+          <a:xfrm>
+            <a:off x="9528617" y="11899777"/>
+            <a:ext cx="3000900" cy="489924"/>
+          </a:xfrm>
+          <a:prstGeom prst="flowChartProcess">
+            <a:avLst/>
+          </a:prstGeom>
+          <a:solidFill>
+            <a:schemeClr val="tx2">
+              <a:lumMod val="20000"/>
+              <a:lumOff val="80000"/>
+            </a:schemeClr>
+          </a:solidFill>
+          <a:ln>
+            <a:solidFill>
+              <a:schemeClr val="tx2"/>
+            </a:solidFill>
+          </a:ln>
+        </p:spPr>
+        <p:style>
+          <a:lnRef idx="2">
+            <a:schemeClr val="accent1">
+              <a:shade val="50000"/>
+            </a:schemeClr>
+          </a:lnRef>
+          <a:fillRef idx="1">
+            <a:schemeClr val="accent1"/>
+          </a:fillRef>
+          <a:effectRef idx="0">
+            <a:schemeClr val="accent1"/>
+          </a:effectRef>
+          <a:fontRef idx="minor">
+            <a:schemeClr val="lt1"/>
+          </a:fontRef>
+        </p:style>
+        <p:txBody>
+          <a:bodyPr rtlCol="0" anchor="t"/>
+          <a:lstStyle/>
+          <a:p>
+            <a:r>
+              <a:rPr lang="de-DE" sz="1800" dirty="0" smtClean="0">
+                <a:solidFill>
+                  <a:schemeClr val="tx1"/>
+                </a:solidFill>
+              </a:rPr>
+              <a:t>+ </a:t>
+            </a:r>
+            <a:r>
+              <a:rPr lang="de-DE" sz="1800" dirty="0" err="1" smtClean="0">
+                <a:solidFill>
+                  <a:schemeClr val="tx1"/>
+                </a:solidFill>
+              </a:rPr>
+              <a:t>discount_factor</a:t>
+            </a:r>
+            <a:r>
+              <a:rPr lang="de-DE" sz="1800" dirty="0" smtClean="0">
+                <a:solidFill>
+                  <a:schemeClr val="tx1"/>
+                </a:solidFill>
+              </a:rPr>
+              <a:t>: </a:t>
+            </a:r>
+            <a:r>
+              <a:rPr lang="de-DE" sz="1800" dirty="0" err="1" smtClean="0">
+                <a:solidFill>
+                  <a:schemeClr val="tx1"/>
+                </a:solidFill>
+              </a:rPr>
+              <a:t>float</a:t>
+            </a:r>
+            <a:endParaRPr lang="de-DE" sz="1800" dirty="0" smtClean="0">
+              <a:solidFill>
+                <a:schemeClr val="tx1"/>
+              </a:solidFill>
+            </a:endParaRPr>
+          </a:p>
+        </p:txBody>
+      </p:sp>
+      <p:sp>
+        <p:nvSpPr>
+          <p:cNvPr id="16" name="Gleichschenkliges Dreieck 15"/>
+          <p:cNvSpPr/>
+          <p:nvPr/>
+        </p:nvSpPr>
+        <p:spPr>
+          <a:xfrm>
+            <a:off x="6397119" y="10139318"/>
+            <a:ext cx="720080" cy="540000"/>
+          </a:xfrm>
+          <a:prstGeom prst="triangle">
+            <a:avLst/>
+          </a:prstGeom>
+          <a:solidFill>
+            <a:schemeClr val="tx2">
+              <a:lumMod val="20000"/>
+              <a:lumOff val="80000"/>
+            </a:schemeClr>
+          </a:solidFill>
+          <a:ln w="28575">
+            <a:solidFill>
+              <a:schemeClr val="tx2"/>
+            </a:solidFill>
+          </a:ln>
+        </p:spPr>
+        <p:style>
+          <a:lnRef idx="2">
+            <a:schemeClr val="accent1">
+              <a:shade val="50000"/>
+            </a:schemeClr>
+          </a:lnRef>
+          <a:fillRef idx="1">
+            <a:schemeClr val="accent1"/>
+          </a:fillRef>
+          <a:effectRef idx="0">
+            <a:schemeClr val="accent1"/>
+          </a:effectRef>
+          <a:fontRef idx="minor">
+            <a:schemeClr val="lt1"/>
+          </a:fontRef>
+        </p:style>
+        <p:txBody>
+          <a:bodyPr rtlCol="0" anchor="ctr"/>
+          <a:lstStyle/>
+          <a:p>
+            <a:pPr algn="ctr"/>
+            <a:endParaRPr lang="de-DE"/>
+          </a:p>
+        </p:txBody>
+      </p:sp>
+      <p:cxnSp>
+        <p:nvCxnSpPr>
+          <p:cNvPr id="20" name="Gerade Verbindung 19"/>
+          <p:cNvCxnSpPr>
+            <a:stCxn id="49" idx="3"/>
+            <a:endCxn id="29" idx="0"/>
+          </p:cNvCxnSpPr>
+          <p:nvPr/>
+        </p:nvCxnSpPr>
+        <p:spPr>
+          <a:xfrm>
+            <a:off x="6757159" y="8099222"/>
+            <a:ext cx="0" cy="288000"/>
+          </a:xfrm>
+          <a:prstGeom prst="line">
+            <a:avLst/>
+          </a:prstGeom>
+          <a:ln w="28575">
+            <a:solidFill>
+              <a:schemeClr val="tx2"/>
+            </a:solidFill>
+          </a:ln>
+        </p:spPr>
+        <p:style>
+          <a:lnRef idx="1">
+            <a:schemeClr val="accent1"/>
+          </a:lnRef>
+          <a:fillRef idx="0">
+            <a:schemeClr val="accent1"/>
+          </a:fillRef>
+          <a:effectRef idx="0">
+            <a:schemeClr val="accent1"/>
+          </a:effectRef>
+          <a:fontRef idx="minor">
+            <a:schemeClr val="tx1"/>
+          </a:fontRef>
+        </p:style>
+      </p:cxnSp>
+      <p:sp>
+        <p:nvSpPr>
+          <p:cNvPr id="49" name="Gleichschenkliges Dreieck 48"/>
+          <p:cNvSpPr/>
+          <p:nvPr/>
+        </p:nvSpPr>
+        <p:spPr>
+          <a:xfrm>
+            <a:off x="6397119" y="7559222"/>
+            <a:ext cx="720080" cy="540000"/>
+          </a:xfrm>
+          <a:prstGeom prst="triangle">
+            <a:avLst/>
+          </a:prstGeom>
+          <a:solidFill>
+            <a:schemeClr val="tx2">
+              <a:lumMod val="20000"/>
+              <a:lumOff val="80000"/>
+            </a:schemeClr>
+          </a:solidFill>
+          <a:ln w="28575">
+            <a:solidFill>
+              <a:schemeClr val="tx2"/>
+            </a:solidFill>
+          </a:ln>
+        </p:spPr>
+        <p:style>
+          <a:lnRef idx="2">
+            <a:schemeClr val="accent1">
+              <a:shade val="50000"/>
+            </a:schemeClr>
+          </a:lnRef>
+          <a:fillRef idx="1">
+            <a:schemeClr val="accent1"/>
+          </a:fillRef>
+          <a:effectRef idx="0">
+            <a:schemeClr val="accent1"/>
+          </a:effectRef>
+          <a:fontRef idx="minor">
+            <a:schemeClr val="lt1"/>
+          </a:fontRef>
+        </p:style>
+        <p:txBody>
+          <a:bodyPr rtlCol="0" anchor="ctr"/>
+          <a:lstStyle/>
+          <a:p>
+            <a:pPr algn="ctr"/>
+            <a:endParaRPr lang="de-DE"/>
+          </a:p>
+        </p:txBody>
+      </p:sp>
+      <p:cxnSp>
+        <p:nvCxnSpPr>
+          <p:cNvPr id="52" name="Gerade Verbindung 51"/>
+          <p:cNvCxnSpPr>
+            <a:stCxn id="16" idx="3"/>
+            <a:endCxn id="33" idx="0"/>
+          </p:cNvCxnSpPr>
+          <p:nvPr/>
+        </p:nvCxnSpPr>
+        <p:spPr>
+          <a:xfrm>
+            <a:off x="6757159" y="10679318"/>
+            <a:ext cx="0" cy="284039"/>
+          </a:xfrm>
+          <a:prstGeom prst="line">
+            <a:avLst/>
+          </a:prstGeom>
+          <a:ln w="28575">
+            <a:solidFill>
+              <a:schemeClr val="tx2"/>
+            </a:solidFill>
+          </a:ln>
+        </p:spPr>
+        <p:style>
+          <a:lnRef idx="1">
+            <a:schemeClr val="accent1"/>
+          </a:lnRef>
+          <a:fillRef idx="0">
+            <a:schemeClr val="accent1"/>
+          </a:fillRef>
+          <a:effectRef idx="0">
+            <a:schemeClr val="accent1"/>
+          </a:effectRef>
+          <a:fontRef idx="minor">
+            <a:schemeClr val="tx1"/>
+          </a:fontRef>
+        </p:style>
+      </p:cxnSp>
+      <p:sp>
+        <p:nvSpPr>
+          <p:cNvPr id="56" name="Gleichschenkliges Dreieck 55"/>
+          <p:cNvSpPr/>
+          <p:nvPr/>
+        </p:nvSpPr>
+        <p:spPr>
+          <a:xfrm>
+            <a:off x="10669027" y="10358404"/>
+            <a:ext cx="720080" cy="540000"/>
+          </a:xfrm>
+          <a:prstGeom prst="triangle">
+            <a:avLst/>
+          </a:prstGeom>
+          <a:solidFill>
+            <a:schemeClr val="tx2">
+              <a:lumMod val="20000"/>
+              <a:lumOff val="80000"/>
+            </a:schemeClr>
+          </a:solidFill>
+          <a:ln w="28575">
+            <a:solidFill>
+              <a:schemeClr val="tx2"/>
+            </a:solidFill>
+          </a:ln>
+        </p:spPr>
+        <p:style>
+          <a:lnRef idx="2">
+            <a:schemeClr val="accent1">
+              <a:shade val="50000"/>
+            </a:schemeClr>
+          </a:lnRef>
+          <a:fillRef idx="1">
+            <a:schemeClr val="accent1"/>
+          </a:fillRef>
+          <a:effectRef idx="0">
+            <a:schemeClr val="accent1"/>
+          </a:effectRef>
+          <a:fontRef idx="minor">
+            <a:schemeClr val="lt1"/>
+          </a:fontRef>
+        </p:style>
+        <p:txBody>
+          <a:bodyPr rtlCol="0" anchor="ctr"/>
+          <a:lstStyle/>
+          <a:p>
+            <a:pPr algn="ctr"/>
+            <a:endParaRPr lang="de-DE"/>
+          </a:p>
+        </p:txBody>
+      </p:sp>
+      <p:cxnSp>
+        <p:nvCxnSpPr>
+          <p:cNvPr id="57" name="Gerade Verbindung 56"/>
+          <p:cNvCxnSpPr>
+            <a:stCxn id="56" idx="3"/>
+            <a:endCxn id="41" idx="0"/>
+          </p:cNvCxnSpPr>
+          <p:nvPr/>
+        </p:nvCxnSpPr>
+        <p:spPr>
+          <a:xfrm>
+            <a:off x="11029067" y="10898404"/>
+            <a:ext cx="0" cy="569325"/>
+          </a:xfrm>
+          <a:prstGeom prst="line">
+            <a:avLst/>
+          </a:prstGeom>
+          <a:ln w="28575">
+            <a:solidFill>
+              <a:schemeClr val="tx2"/>
+            </a:solidFill>
+          </a:ln>
+        </p:spPr>
+        <p:style>
+          <a:lnRef idx="1">
+            <a:schemeClr val="accent1"/>
+          </a:lnRef>
+          <a:fillRef idx="0">
+            <a:schemeClr val="accent1"/>
+          </a:fillRef>
+          <a:effectRef idx="0">
+            <a:schemeClr val="accent1"/>
+          </a:effectRef>
+          <a:fontRef idx="minor">
+            <a:schemeClr val="tx1"/>
+          </a:fontRef>
+        </p:style>
+      </p:cxnSp>
+      <p:cxnSp>
+        <p:nvCxnSpPr>
+          <p:cNvPr id="66" name="Gewinkelte Verbindung 65"/>
+          <p:cNvCxnSpPr>
+            <a:stCxn id="30" idx="3"/>
+            <a:endCxn id="41" idx="1"/>
+          </p:cNvCxnSpPr>
+          <p:nvPr/>
+        </p:nvCxnSpPr>
+        <p:spPr>
+          <a:xfrm>
+            <a:off x="8257609" y="9479294"/>
+            <a:ext cx="1271008" cy="2204459"/>
+          </a:xfrm>
+          <a:prstGeom prst="bentConnector3">
+            <a:avLst>
+              <a:gd name="adj1" fmla="val 50000"/>
+            </a:avLst>
+          </a:prstGeom>
+          <a:ln w="28575">
+            <a:solidFill>
+              <a:schemeClr val="tx2"/>
+            </a:solidFill>
+            <a:headEnd type="none" w="med" len="med"/>
+            <a:tailEnd type="triangle" w="med" len="med"/>
+          </a:ln>
+        </p:spPr>
+        <p:style>
+          <a:lnRef idx="1">
+            <a:schemeClr val="accent1"/>
+          </a:lnRef>
+          <a:fillRef idx="0">
+            <a:schemeClr val="accent1"/>
+          </a:fillRef>
+          <a:effectRef idx="0">
+            <a:schemeClr val="accent1"/>
+          </a:effectRef>
+          <a:fontRef idx="minor">
+            <a:schemeClr val="tx1"/>
+          </a:fontRef>
+        </p:style>
+      </p:cxnSp>
+      <p:cxnSp>
+        <p:nvCxnSpPr>
+          <p:cNvPr id="69" name="Gewinkelte Verbindung 68"/>
+          <p:cNvCxnSpPr>
+            <a:stCxn id="21" idx="3"/>
+            <a:endCxn id="24" idx="1"/>
+          </p:cNvCxnSpPr>
+          <p:nvPr/>
+        </p:nvCxnSpPr>
+        <p:spPr>
+          <a:xfrm flipV="1">
+            <a:off x="3987201" y="3772623"/>
+            <a:ext cx="1269508" cy="424126"/>
+          </a:xfrm>
+          <a:prstGeom prst="bentConnector3">
+            <a:avLst>
+              <a:gd name="adj1" fmla="val 50000"/>
+            </a:avLst>
+          </a:prstGeom>
+          <a:ln w="28575">
+            <a:solidFill>
+              <a:schemeClr val="tx2"/>
+            </a:solidFill>
+            <a:headEnd type="none" w="med" len="med"/>
+            <a:tailEnd type="triangle" w="med" len="med"/>
+          </a:ln>
+        </p:spPr>
+        <p:style>
+          <a:lnRef idx="1">
+            <a:schemeClr val="accent1"/>
+          </a:lnRef>
+          <a:fillRef idx="0">
+            <a:schemeClr val="accent1"/>
+          </a:fillRef>
+          <a:effectRef idx="0">
+            <a:schemeClr val="accent1"/>
+          </a:effectRef>
+          <a:fontRef idx="minor">
+            <a:schemeClr val="tx1"/>
+          </a:fontRef>
+        </p:style>
+      </p:cxnSp>
+      <p:cxnSp>
+        <p:nvCxnSpPr>
+          <p:cNvPr id="74" name="Gewinkelte Verbindung 73"/>
+          <p:cNvCxnSpPr>
+            <a:stCxn id="24" idx="3"/>
+            <a:endCxn id="27" idx="1"/>
+          </p:cNvCxnSpPr>
+          <p:nvPr/>
+        </p:nvCxnSpPr>
+        <p:spPr>
+          <a:xfrm flipV="1">
+            <a:off x="8257609" y="3512674"/>
+            <a:ext cx="1271008" cy="259949"/>
+          </a:xfrm>
+          <a:prstGeom prst="bentConnector3">
+            <a:avLst>
+              <a:gd name="adj1" fmla="val 50000"/>
+            </a:avLst>
+          </a:prstGeom>
+          <a:ln w="28575">
+            <a:solidFill>
+              <a:schemeClr val="tx2"/>
+            </a:solidFill>
+            <a:headEnd type="none" w="med" len="med"/>
+            <a:tailEnd type="triangle" w="med" len="med"/>
+          </a:ln>
+        </p:spPr>
+        <p:style>
+          <a:lnRef idx="1">
+            <a:schemeClr val="accent1"/>
+          </a:lnRef>
+          <a:fillRef idx="0">
+            <a:schemeClr val="accent1"/>
+          </a:fillRef>
+          <a:effectRef idx="0">
+            <a:schemeClr val="accent1"/>
+          </a:effectRef>
+          <a:fontRef idx="minor">
+            <a:schemeClr val="tx1"/>
+          </a:fontRef>
+        </p:style>
+      </p:cxnSp>
+    </p:spTree>
+    <p:extLst>
+      <p:ext uri="{BB962C8B-B14F-4D97-AF65-F5344CB8AC3E}">
+        <p14:creationId xmlns:p14="http://schemas.microsoft.com/office/powerpoint/2010/main" val="4193224429"/>
+      </p:ext>
+    </p:extLst>
+  </p:cSld>
+  <p:clrMapOvr>
+    <a:masterClrMapping/>
+  </p:clrMapOvr>
+</p:sld>
+</file>
+
 <file path=ppt/theme/theme1.xml><?xml version="1.0" encoding="utf-8"?>
 <a:theme xmlns:a="http://schemas.openxmlformats.org/drawingml/2006/main" name="Larissa">
   <a:themeElements>
